--- a/Documentation/Final Presentation SePr.pptx
+++ b/Documentation/Final Presentation SePr.pptx
@@ -5,12 +5,14 @@
     <p:sldMasterId id="2147483648" r:id="rId1"/>
   </p:sldMasterIdLst>
   <p:notesMasterIdLst>
-    <p:notesMasterId r:id="rId5"/>
+    <p:notesMasterId r:id="rId7"/>
   </p:notesMasterIdLst>
   <p:sldIdLst>
     <p:sldId id="256" r:id="rId2"/>
     <p:sldId id="261" r:id="rId3"/>
-    <p:sldId id="259" r:id="rId4"/>
+    <p:sldId id="262" r:id="rId4"/>
+    <p:sldId id="263" r:id="rId5"/>
+    <p:sldId id="264" r:id="rId6"/>
   </p:sldIdLst>
   <p:sldSz cx="12192000" cy="6858000"/>
   <p:notesSz cx="6858000" cy="9144000"/>
@@ -594,65 +596,7 @@
           <a:bodyPr/>
           <a:lstStyle/>
           <a:p>
-            <a:r>
-              <a:rPr lang="en-US" dirty="0"/>
-              <a:t>Added processes chapter:</a:t>
-            </a:r>
-            <a:r>
-              <a:rPr lang="en-US" baseline="0" dirty="0"/>
-              <a:t> Each process explains a </a:t>
-            </a:r>
-            <a:r>
-              <a:rPr lang="en-US" baseline="0" dirty="0" err="1"/>
-              <a:t>MoSCoW</a:t>
-            </a:r>
-            <a:r>
-              <a:rPr lang="en-US" baseline="0" dirty="0"/>
-              <a:t> requirements</a:t>
-            </a:r>
-          </a:p>
-          <a:p>
-            <a:pPr marL="0" marR="0" lvl="0" indent="0" algn="l" defTabSz="914400" rtl="0" eaLnBrk="1" fontAlgn="auto" latinLnBrk="0" hangingPunct="1">
-              <a:lnSpc>
-                <a:spcPct val="100000"/>
-              </a:lnSpc>
-              <a:spcBef>
-                <a:spcPts val="0"/>
-              </a:spcBef>
-              <a:spcAft>
-                <a:spcPts val="0"/>
-              </a:spcAft>
-              <a:buClrTx/>
-              <a:buSzTx/>
-              <a:buFontTx/>
-              <a:buNone/>
-              <a:tabLst/>
-              <a:defRPr/>
-            </a:pPr>
-            <a:r>
-              <a:rPr lang="en-US" dirty="0">
-                <a:latin typeface="Open Sans" panose="020B0606030504020204" pitchFamily="34" charset="0"/>
-                <a:ea typeface="Open Sans" panose="020B0606030504020204" pitchFamily="34" charset="0"/>
-                <a:cs typeface="Open Sans" panose="020B0606030504020204" pitchFamily="34" charset="0"/>
-              </a:rPr>
-              <a:t>Redefine class diagram: Removing</a:t>
-            </a:r>
-            <a:r>
-              <a:rPr lang="en-US" baseline="0" dirty="0">
-                <a:latin typeface="Open Sans" panose="020B0606030504020204" pitchFamily="34" charset="0"/>
-                <a:ea typeface="Open Sans" panose="020B0606030504020204" pitchFamily="34" charset="0"/>
-                <a:cs typeface="Open Sans" panose="020B0606030504020204" pitchFamily="34" charset="0"/>
-              </a:rPr>
-              <a:t> Interests and adding categories to the events.</a:t>
-            </a:r>
-            <a:endParaRPr lang="en-US" dirty="0">
-              <a:latin typeface="Open Sans" panose="020B0606030504020204" pitchFamily="34" charset="0"/>
-              <a:ea typeface="Open Sans" panose="020B0606030504020204" pitchFamily="34" charset="0"/>
-              <a:cs typeface="Open Sans" panose="020B0606030504020204" pitchFamily="34" charset="0"/>
-            </a:endParaRPr>
-          </a:p>
-          <a:p>
-            <a:endParaRPr lang="en-US" dirty="0"/>
+            <a:endParaRPr lang="en-US" baseline="0" dirty="0"/>
           </a:p>
         </p:txBody>
       </p:sp>
@@ -736,14 +680,6 @@
           <a:bodyPr/>
           <a:lstStyle/>
           <a:p>
-            <a:r>
-              <a:rPr lang="en-US" dirty="0"/>
-              <a:t>Tool testing: continue</a:t>
-            </a:r>
-            <a:r>
-              <a:rPr lang="en-US" baseline="0" dirty="0"/>
-              <a:t> with client-side and database.</a:t>
-            </a:r>
             <a:endParaRPr lang="en-US" dirty="0"/>
           </a:p>
         </p:txBody>
@@ -774,7 +710,123 @@
     </p:spTree>
     <p:extLst>
       <p:ext uri="{BB962C8B-B14F-4D97-AF65-F5344CB8AC3E}">
-        <p14:creationId xmlns:p14="http://schemas.microsoft.com/office/powerpoint/2010/main" val="1624157693"/>
+        <p14:creationId xmlns:p14="http://schemas.microsoft.com/office/powerpoint/2010/main" val="1532105876"/>
+      </p:ext>
+    </p:extLst>
+  </p:cSld>
+  <p:clrMapOvr>
+    <a:masterClrMapping/>
+  </p:clrMapOvr>
+</p:notes>
+</file>
+
+<file path=ppt/notesSlides/notesSlide4.xml><?xml version="1.0" encoding="utf-8"?>
+<p:notes xmlns:a="http://schemas.openxmlformats.org/drawingml/2006/main" xmlns:r="http://schemas.openxmlformats.org/officeDocument/2006/relationships" xmlns:p="http://schemas.openxmlformats.org/presentationml/2006/main">
+  <p:cSld>
+    <p:spTree>
+      <p:nvGrpSpPr>
+        <p:cNvPr id="1" name=""/>
+        <p:cNvGrpSpPr/>
+        <p:nvPr/>
+      </p:nvGrpSpPr>
+      <p:grpSpPr>
+        <a:xfrm>
+          <a:off x="0" y="0"/>
+          <a:ext cx="0" cy="0"/>
+          <a:chOff x="0" y="0"/>
+          <a:chExt cx="0" cy="0"/>
+        </a:xfrm>
+      </p:grpSpPr>
+      <p:sp>
+        <p:nvSpPr>
+          <p:cNvPr id="2" name="Slide Image Placeholder 1"/>
+          <p:cNvSpPr>
+            <a:spLocks noGrp="1" noRot="1" noChangeAspect="1"/>
+          </p:cNvSpPr>
+          <p:nvPr>
+            <p:ph type="sldImg"/>
+          </p:nvPr>
+        </p:nvSpPr>
+        <p:spPr/>
+      </p:sp>
+      <p:sp>
+        <p:nvSpPr>
+          <p:cNvPr id="3" name="Notes Placeholder 2"/>
+          <p:cNvSpPr>
+            <a:spLocks noGrp="1"/>
+          </p:cNvSpPr>
+          <p:nvPr>
+            <p:ph type="body" idx="1"/>
+          </p:nvPr>
+        </p:nvSpPr>
+        <p:spPr/>
+        <p:txBody>
+          <a:bodyPr/>
+          <a:lstStyle/>
+          <a:p>
+            <a:pPr marL="0" marR="0" lvl="0" indent="0" algn="l" defTabSz="914400" rtl="0" eaLnBrk="1" fontAlgn="auto" latinLnBrk="0" hangingPunct="1">
+              <a:lnSpc>
+                <a:spcPct val="100000"/>
+              </a:lnSpc>
+              <a:spcBef>
+                <a:spcPts val="0"/>
+              </a:spcBef>
+              <a:spcAft>
+                <a:spcPts val="0"/>
+              </a:spcAft>
+              <a:buClrTx/>
+              <a:buSzTx/>
+              <a:buFontTx/>
+              <a:buNone/>
+              <a:tabLst/>
+              <a:defRPr/>
+            </a:pPr>
+            <a:r>
+              <a:rPr lang="en-US" sz="1200" kern="1200" dirty="0" smtClean="0">
+                <a:solidFill>
+                  <a:schemeClr val="tx1"/>
+                </a:solidFill>
+                <a:effectLst/>
+                <a:latin typeface="+mn-lt"/>
+                <a:ea typeface="+mn-ea"/>
+                <a:cs typeface="+mn-cs"/>
+              </a:rPr>
+              <a:t>Among the affected financial services organizations there is JP Morgan Chase, European Central Bank, US Federal Reserve Bank of Cleveland, Citigroup</a:t>
+            </a:r>
+            <a:endParaRPr lang="en-US" dirty="0" smtClean="0"/>
+          </a:p>
+          <a:p>
+            <a:endParaRPr lang="en-US" dirty="0"/>
+          </a:p>
+        </p:txBody>
+      </p:sp>
+      <p:sp>
+        <p:nvSpPr>
+          <p:cNvPr id="4" name="Slide Number Placeholder 3"/>
+          <p:cNvSpPr>
+            <a:spLocks noGrp="1"/>
+          </p:cNvSpPr>
+          <p:nvPr>
+            <p:ph type="sldNum" sz="quarter" idx="10"/>
+          </p:nvPr>
+        </p:nvSpPr>
+        <p:spPr/>
+        <p:txBody>
+          <a:bodyPr/>
+          <a:lstStyle/>
+          <a:p>
+            <a:fld id="{53E6C0B4-FA9C-42C0-A6E5-06851424880F}" type="slidenum">
+              <a:rPr lang="en-US" smtClean="0"/>
+              <a:t>4</a:t>
+            </a:fld>
+            <a:endParaRPr lang="en-US"/>
+          </a:p>
+        </p:txBody>
+      </p:sp>
+    </p:spTree>
+    <p:extLst>
+      <p:ext uri="{BB962C8B-B14F-4D97-AF65-F5344CB8AC3E}">
+        <p14:creationId xmlns:p14="http://schemas.microsoft.com/office/powerpoint/2010/main" val="3198532168"/>
       </p:ext>
     </p:extLst>
   </p:cSld>
@@ -3778,91 +3830,24 @@
             <p:ph type="title"/>
           </p:nvPr>
         </p:nvSpPr>
-        <p:spPr/>
-        <p:txBody>
-          <a:bodyPr/>
-          <a:lstStyle/>
-          <a:p>
-            <a:r>
-              <a:rPr lang="en-US" dirty="0">
-                <a:latin typeface="Open Sans" panose="020B0606030504020204" pitchFamily="34" charset="0"/>
-                <a:ea typeface="Open Sans" panose="020B0606030504020204" pitchFamily="34" charset="0"/>
-                <a:cs typeface="Open Sans" panose="020B0606030504020204" pitchFamily="34" charset="0"/>
-              </a:rPr>
-              <a:t>Last week</a:t>
-            </a:r>
-            <a:endParaRPr lang="en-US" dirty="0"/>
-          </a:p>
-        </p:txBody>
-      </p:sp>
-      <p:sp>
-        <p:nvSpPr>
-          <p:cNvPr id="3" name="Content Placeholder 2"/>
-          <p:cNvSpPr>
-            <a:spLocks noGrp="1"/>
-          </p:cNvSpPr>
-          <p:nvPr>
-            <p:ph idx="1"/>
-          </p:nvPr>
-        </p:nvSpPr>
-        <p:spPr/>
-        <p:txBody>
-          <a:bodyPr/>
-          <a:lstStyle/>
-          <a:p>
-            <a:r>
-              <a:rPr lang="en-US" dirty="0">
-                <a:latin typeface="Open Sans" panose="020B0606030504020204" pitchFamily="34" charset="0"/>
-                <a:ea typeface="Open Sans" panose="020B0606030504020204" pitchFamily="34" charset="0"/>
-                <a:cs typeface="Open Sans" panose="020B0606030504020204" pitchFamily="34" charset="0"/>
-              </a:rPr>
-              <a:t>Revised URS</a:t>
-            </a:r>
-          </a:p>
-          <a:p>
-            <a:pPr lvl="1"/>
-            <a:r>
-              <a:rPr lang="en-US" dirty="0">
-                <a:latin typeface="Open Sans" panose="020B0606030504020204" pitchFamily="34" charset="0"/>
-                <a:ea typeface="Open Sans" panose="020B0606030504020204" pitchFamily="34" charset="0"/>
-                <a:cs typeface="Open Sans" panose="020B0606030504020204" pitchFamily="34" charset="0"/>
-              </a:rPr>
-              <a:t>Added processes</a:t>
-            </a:r>
-          </a:p>
-          <a:p>
-            <a:r>
-              <a:rPr lang="en-US" dirty="0">
-                <a:latin typeface="Open Sans" panose="020B0606030504020204" pitchFamily="34" charset="0"/>
-                <a:ea typeface="Open Sans" panose="020B0606030504020204" pitchFamily="34" charset="0"/>
-                <a:cs typeface="Open Sans" panose="020B0606030504020204" pitchFamily="34" charset="0"/>
-              </a:rPr>
-              <a:t>Revised Design Document</a:t>
-            </a:r>
-          </a:p>
-          <a:p>
-            <a:pPr lvl="1"/>
-            <a:r>
-              <a:rPr lang="en-US" dirty="0">
-                <a:latin typeface="Open Sans" panose="020B0606030504020204" pitchFamily="34" charset="0"/>
-                <a:ea typeface="Open Sans" panose="020B0606030504020204" pitchFamily="34" charset="0"/>
-                <a:cs typeface="Open Sans" panose="020B0606030504020204" pitchFamily="34" charset="0"/>
-              </a:rPr>
-              <a:t>Redefine class diagram</a:t>
-            </a:r>
-          </a:p>
-          <a:p>
-            <a:pPr marL="0" indent="0">
-              <a:buNone/>
-            </a:pPr>
-            <a:endParaRPr lang="de-DE" dirty="0">
-              <a:latin typeface="Open Sans" panose="020B0606030504020204" pitchFamily="34" charset="0"/>
-              <a:ea typeface="Open Sans" panose="020B0606030504020204" pitchFamily="34" charset="0"/>
-              <a:cs typeface="Open Sans" panose="020B0606030504020204" pitchFamily="34" charset="0"/>
-            </a:endParaRPr>
-          </a:p>
-          <a:p>
-            <a:endParaRPr lang="en-US" dirty="0"/>
+        <p:spPr>
+          <a:xfrm>
+            <a:off x="838200" y="2766219"/>
+            <a:ext cx="10515600" cy="1325563"/>
+          </a:xfrm>
+        </p:spPr>
+        <p:txBody>
+          <a:bodyPr>
+            <a:normAutofit fontScale="90000"/>
+          </a:bodyPr>
+          <a:lstStyle/>
+          <a:p>
+            <a:pPr algn="ctr"/>
+            <a:r>
+              <a:rPr lang="en-US" b="1" dirty="0"/>
+              <a:t>Security breaches have been increasing considerably over the last decade, becoming an everyday problem for both low and high-profile organizations.</a:t>
+            </a:r>
+            <a:endParaRPr lang="en-US" b="1" dirty="0"/>
           </a:p>
         </p:txBody>
       </p:sp>
@@ -3876,6 +3861,13 @@
   <p:clrMapOvr>
     <a:masterClrMapping/>
   </p:clrMapOvr>
+  <p:timing>
+    <p:tnLst>
+      <p:par>
+        <p:cTn id="1" dur="indefinite" restart="never" nodeType="tmRoot"/>
+      </p:par>
+    </p:tnLst>
+  </p:timing>
 </p:sld>
 </file>
 
@@ -3912,63 +3904,217 @@
           <a:lstStyle/>
           <a:p>
             <a:r>
-              <a:rPr lang="en-US" dirty="0">
-                <a:latin typeface="Open sans" panose="020B0606030504020204"/>
-              </a:rPr>
-              <a:t>Next Week</a:t>
-            </a:r>
-          </a:p>
-        </p:txBody>
-      </p:sp>
-      <p:sp>
-        <p:nvSpPr>
-          <p:cNvPr id="3" name="Content Placeholder 2"/>
-          <p:cNvSpPr>
-            <a:spLocks noGrp="1"/>
-          </p:cNvSpPr>
-          <p:nvPr>
-            <p:ph idx="1"/>
-          </p:nvPr>
-        </p:nvSpPr>
-        <p:spPr/>
-        <p:txBody>
-          <a:bodyPr/>
-          <a:lstStyle/>
-          <a:p>
-            <a:r>
-              <a:rPr lang="en-US" dirty="0">
-                <a:latin typeface="Open sans" panose="020B0606030504020204"/>
-              </a:rPr>
-              <a:t>Interview with wireframes</a:t>
-            </a:r>
-          </a:p>
-          <a:p>
-            <a:r>
-              <a:rPr lang="en-US" dirty="0">
-                <a:latin typeface="Open sans" panose="020B0606030504020204"/>
-              </a:rPr>
-              <a:t>Refine database design and class diagram</a:t>
-            </a:r>
-          </a:p>
-          <a:p>
-            <a:r>
-              <a:rPr lang="en-US" dirty="0">
-                <a:latin typeface="Open sans" panose="020B0606030504020204"/>
-              </a:rPr>
-              <a:t>Tool testing</a:t>
-            </a:r>
-          </a:p>
-          <a:p>
-            <a:endParaRPr lang="en-US" dirty="0">
-              <a:latin typeface="Open sans" panose="020B0606030504020204"/>
-            </a:endParaRPr>
-          </a:p>
-        </p:txBody>
-      </p:sp>
+              <a:rPr lang="ro-RO" dirty="0" smtClean="0"/>
+              <a:t>Banking breaches </a:t>
+            </a:r>
+            <a:r>
+              <a:rPr lang="en-US" dirty="0"/>
+              <a:t>Summary 2014-2015</a:t>
+            </a:r>
+            <a:endParaRPr lang="en-US" dirty="0"/>
+          </a:p>
+        </p:txBody>
+      </p:sp>
+      <p:pic>
+        <p:nvPicPr>
+          <p:cNvPr id="5" name="Picture 4"/>
+          <p:cNvPicPr/>
+          <p:nvPr/>
+        </p:nvPicPr>
+        <p:blipFill>
+          <a:blip r:embed="rId3" cstate="print">
+            <a:extLst>
+              <a:ext uri="{28A0092B-C50C-407E-A947-70E740481C1C}">
+                <a14:useLocalDpi xmlns:a14="http://schemas.microsoft.com/office/drawing/2010/main" val="0"/>
+              </a:ext>
+            </a:extLst>
+          </a:blip>
+          <a:stretch>
+            <a:fillRect/>
+          </a:stretch>
+        </p:blipFill>
+        <p:spPr>
+          <a:xfrm>
+            <a:off x="1242874" y="1566400"/>
+            <a:ext cx="9565677" cy="2206775"/>
+          </a:xfrm>
+          <a:prstGeom prst="rect">
+            <a:avLst/>
+          </a:prstGeom>
+        </p:spPr>
+      </p:pic>
+      <p:pic>
+        <p:nvPicPr>
+          <p:cNvPr id="6" name="Picture 5"/>
+          <p:cNvPicPr/>
+          <p:nvPr/>
+        </p:nvPicPr>
+        <p:blipFill>
+          <a:blip r:embed="rId4" cstate="print">
+            <a:extLst>
+              <a:ext uri="{28A0092B-C50C-407E-A947-70E740481C1C}">
+                <a14:useLocalDpi xmlns:a14="http://schemas.microsoft.com/office/drawing/2010/main" val="0"/>
+              </a:ext>
+            </a:extLst>
+          </a:blip>
+          <a:stretch>
+            <a:fillRect/>
+          </a:stretch>
+        </p:blipFill>
+        <p:spPr>
+          <a:xfrm>
+            <a:off x="1242874" y="3894181"/>
+            <a:ext cx="9552373" cy="2169267"/>
+          </a:xfrm>
+          <a:prstGeom prst="rect">
+            <a:avLst/>
+          </a:prstGeom>
+        </p:spPr>
+      </p:pic>
     </p:spTree>
     <p:extLst>
       <p:ext uri="{BB962C8B-B14F-4D97-AF65-F5344CB8AC3E}">
-        <p14:creationId xmlns:p14="http://schemas.microsoft.com/office/powerpoint/2010/main" val="2657130782"/>
+        <p14:creationId xmlns:p14="http://schemas.microsoft.com/office/powerpoint/2010/main" val="799522006"/>
+      </p:ext>
+    </p:extLst>
+  </p:cSld>
+  <p:clrMapOvr>
+    <a:masterClrMapping/>
+  </p:clrMapOvr>
+  <p:timing>
+    <p:tnLst>
+      <p:par>
+        <p:cTn id="1" dur="indefinite" restart="never" nodeType="tmRoot"/>
+      </p:par>
+    </p:tnLst>
+  </p:timing>
+</p:sld>
+</file>
+
+<file path=ppt/slides/slide4.xml><?xml version="1.0" encoding="utf-8"?>
+<p:sld xmlns:a="http://schemas.openxmlformats.org/drawingml/2006/main" xmlns:r="http://schemas.openxmlformats.org/officeDocument/2006/relationships" xmlns:p="http://schemas.openxmlformats.org/presentationml/2006/main">
+  <p:cSld>
+    <p:spTree>
+      <p:nvGrpSpPr>
+        <p:cNvPr id="1" name=""/>
+        <p:cNvGrpSpPr/>
+        <p:nvPr/>
+      </p:nvGrpSpPr>
+      <p:grpSpPr>
+        <a:xfrm>
+          <a:off x="0" y="0"/>
+          <a:ext cx="0" cy="0"/>
+          <a:chOff x="0" y="0"/>
+          <a:chExt cx="0" cy="0"/>
+        </a:xfrm>
+      </p:grpSpPr>
+      <p:pic>
+        <p:nvPicPr>
+          <p:cNvPr id="5" name="Picture 4"/>
+          <p:cNvPicPr/>
+          <p:nvPr/>
+        </p:nvPicPr>
+        <p:blipFill>
+          <a:blip r:embed="rId3" cstate="print">
+            <a:extLst>
+              <a:ext uri="{28A0092B-C50C-407E-A947-70E740481C1C}">
+                <a14:useLocalDpi xmlns:a14="http://schemas.microsoft.com/office/drawing/2010/main" val="0"/>
+              </a:ext>
+            </a:extLst>
+          </a:blip>
+          <a:stretch>
+            <a:fillRect/>
+          </a:stretch>
+        </p:blipFill>
+        <p:spPr>
+          <a:xfrm>
+            <a:off x="1544714" y="133164"/>
+            <a:ext cx="9242351" cy="6560598"/>
+          </a:xfrm>
+          <a:prstGeom prst="rect">
+            <a:avLst/>
+          </a:prstGeom>
+        </p:spPr>
+      </p:pic>
+    </p:spTree>
+    <p:extLst>
+      <p:ext uri="{BB962C8B-B14F-4D97-AF65-F5344CB8AC3E}">
+        <p14:creationId xmlns:p14="http://schemas.microsoft.com/office/powerpoint/2010/main" val="2093097504"/>
+      </p:ext>
+    </p:extLst>
+  </p:cSld>
+  <p:clrMapOvr>
+    <a:masterClrMapping/>
+  </p:clrMapOvr>
+  <p:timing>
+    <p:tnLst>
+      <p:par>
+        <p:cTn id="1" dur="indefinite" restart="never" nodeType="tmRoot"/>
+      </p:par>
+    </p:tnLst>
+  </p:timing>
+</p:sld>
+</file>
+
+<file path=ppt/slides/slide5.xml><?xml version="1.0" encoding="utf-8"?>
+<p:sld xmlns:a="http://schemas.openxmlformats.org/drawingml/2006/main" xmlns:r="http://schemas.openxmlformats.org/officeDocument/2006/relationships" xmlns:p="http://schemas.openxmlformats.org/presentationml/2006/main">
+  <p:cSld>
+    <p:spTree>
+      <p:nvGrpSpPr>
+        <p:cNvPr id="1" name=""/>
+        <p:cNvGrpSpPr/>
+        <p:nvPr/>
+      </p:nvGrpSpPr>
+      <p:grpSpPr>
+        <a:xfrm>
+          <a:off x="0" y="0"/>
+          <a:ext cx="0" cy="0"/>
+          <a:chOff x="0" y="0"/>
+          <a:chExt cx="0" cy="0"/>
+        </a:xfrm>
+      </p:grpSpPr>
+      <p:sp>
+        <p:nvSpPr>
+          <p:cNvPr id="2" name="Title 1"/>
+          <p:cNvSpPr>
+            <a:spLocks noGrp="1"/>
+          </p:cNvSpPr>
+          <p:nvPr>
+            <p:ph type="title"/>
+          </p:nvPr>
+        </p:nvSpPr>
+        <p:spPr/>
+        <p:txBody>
+          <a:bodyPr/>
+          <a:lstStyle/>
+          <a:p>
+            <a:endParaRPr lang="en-US"/>
+          </a:p>
+        </p:txBody>
+      </p:sp>
+      <p:sp>
+        <p:nvSpPr>
+          <p:cNvPr id="3" name="Content Placeholder 2"/>
+          <p:cNvSpPr>
+            <a:spLocks noGrp="1"/>
+          </p:cNvSpPr>
+          <p:nvPr>
+            <p:ph idx="1"/>
+          </p:nvPr>
+        </p:nvSpPr>
+        <p:spPr/>
+        <p:txBody>
+          <a:bodyPr/>
+          <a:lstStyle/>
+          <a:p>
+            <a:endParaRPr lang="en-US"/>
+          </a:p>
+        </p:txBody>
+      </p:sp>
+    </p:spTree>
+    <p:extLst>
+      <p:ext uri="{BB962C8B-B14F-4D97-AF65-F5344CB8AC3E}">
+        <p14:creationId xmlns:p14="http://schemas.microsoft.com/office/powerpoint/2010/main" val="632867801"/>
       </p:ext>
     </p:extLst>
   </p:cSld>

--- a/Documentation/Final Presentation SePr.pptx
+++ b/Documentation/Final Presentation SePr.pptx
@@ -2,10 +2,10 @@
 <file path=ppt/presentation.xml><?xml version="1.0" encoding="utf-8"?>
 <p:presentation xmlns:a="http://schemas.openxmlformats.org/drawingml/2006/main" xmlns:r="http://schemas.openxmlformats.org/officeDocument/2006/relationships" xmlns:p="http://schemas.openxmlformats.org/presentationml/2006/main" saveSubsetFonts="1">
   <p:sldMasterIdLst>
-    <p:sldMasterId id="2147483648" r:id="rId1"/>
+    <p:sldMasterId id="2147483696" r:id="rId1"/>
   </p:sldMasterIdLst>
   <p:notesMasterIdLst>
-    <p:notesMasterId r:id="rId7"/>
+    <p:notesMasterId r:id="rId11"/>
   </p:notesMasterIdLst>
   <p:sldIdLst>
     <p:sldId id="256" r:id="rId2"/>
@@ -13,6 +13,10 @@
     <p:sldId id="262" r:id="rId4"/>
     <p:sldId id="263" r:id="rId5"/>
     <p:sldId id="264" r:id="rId6"/>
+    <p:sldId id="265" r:id="rId7"/>
+    <p:sldId id="266" r:id="rId8"/>
+    <p:sldId id="267" r:id="rId9"/>
+    <p:sldId id="268" r:id="rId10"/>
   </p:sldIdLst>
   <p:sldSz cx="12192000" cy="6858000"/>
   <p:notesSz cx="6858000" cy="9144000"/>
@@ -20,7 +24,7 @@
     <a:defPPr>
       <a:defRPr lang="en-US"/>
     </a:defPPr>
-    <a:lvl1pPr marL="0" algn="l" defTabSz="914400" rtl="0" eaLnBrk="1" latinLnBrk="0" hangingPunct="1">
+    <a:lvl1pPr marL="0" algn="l" defTabSz="457200" rtl="0" eaLnBrk="1" latinLnBrk="0" hangingPunct="1">
       <a:defRPr sz="1800" kern="1200">
         <a:solidFill>
           <a:schemeClr val="tx1"/>
@@ -30,7 +34,7 @@
         <a:cs typeface="+mn-cs"/>
       </a:defRPr>
     </a:lvl1pPr>
-    <a:lvl2pPr marL="457200" algn="l" defTabSz="914400" rtl="0" eaLnBrk="1" latinLnBrk="0" hangingPunct="1">
+    <a:lvl2pPr marL="457200" algn="l" defTabSz="457200" rtl="0" eaLnBrk="1" latinLnBrk="0" hangingPunct="1">
       <a:defRPr sz="1800" kern="1200">
         <a:solidFill>
           <a:schemeClr val="tx1"/>
@@ -40,7 +44,7 @@
         <a:cs typeface="+mn-cs"/>
       </a:defRPr>
     </a:lvl2pPr>
-    <a:lvl3pPr marL="914400" algn="l" defTabSz="914400" rtl="0" eaLnBrk="1" latinLnBrk="0" hangingPunct="1">
+    <a:lvl3pPr marL="914400" algn="l" defTabSz="457200" rtl="0" eaLnBrk="1" latinLnBrk="0" hangingPunct="1">
       <a:defRPr sz="1800" kern="1200">
         <a:solidFill>
           <a:schemeClr val="tx1"/>
@@ -50,7 +54,7 @@
         <a:cs typeface="+mn-cs"/>
       </a:defRPr>
     </a:lvl3pPr>
-    <a:lvl4pPr marL="1371600" algn="l" defTabSz="914400" rtl="0" eaLnBrk="1" latinLnBrk="0" hangingPunct="1">
+    <a:lvl4pPr marL="1371600" algn="l" defTabSz="457200" rtl="0" eaLnBrk="1" latinLnBrk="0" hangingPunct="1">
       <a:defRPr sz="1800" kern="1200">
         <a:solidFill>
           <a:schemeClr val="tx1"/>
@@ -60,7 +64,7 @@
         <a:cs typeface="+mn-cs"/>
       </a:defRPr>
     </a:lvl4pPr>
-    <a:lvl5pPr marL="1828800" algn="l" defTabSz="914400" rtl="0" eaLnBrk="1" latinLnBrk="0" hangingPunct="1">
+    <a:lvl5pPr marL="1828800" algn="l" defTabSz="457200" rtl="0" eaLnBrk="1" latinLnBrk="0" hangingPunct="1">
       <a:defRPr sz="1800" kern="1200">
         <a:solidFill>
           <a:schemeClr val="tx1"/>
@@ -70,7 +74,7 @@
         <a:cs typeface="+mn-cs"/>
       </a:defRPr>
     </a:lvl5pPr>
-    <a:lvl6pPr marL="2286000" algn="l" defTabSz="914400" rtl="0" eaLnBrk="1" latinLnBrk="0" hangingPunct="1">
+    <a:lvl6pPr marL="2286000" algn="l" defTabSz="457200" rtl="0" eaLnBrk="1" latinLnBrk="0" hangingPunct="1">
       <a:defRPr sz="1800" kern="1200">
         <a:solidFill>
           <a:schemeClr val="tx1"/>
@@ -80,7 +84,7 @@
         <a:cs typeface="+mn-cs"/>
       </a:defRPr>
     </a:lvl6pPr>
-    <a:lvl7pPr marL="2743200" algn="l" defTabSz="914400" rtl="0" eaLnBrk="1" latinLnBrk="0" hangingPunct="1">
+    <a:lvl7pPr marL="2743200" algn="l" defTabSz="457200" rtl="0" eaLnBrk="1" latinLnBrk="0" hangingPunct="1">
       <a:defRPr sz="1800" kern="1200">
         <a:solidFill>
           <a:schemeClr val="tx1"/>
@@ -90,7 +94,7 @@
         <a:cs typeface="+mn-cs"/>
       </a:defRPr>
     </a:lvl7pPr>
-    <a:lvl8pPr marL="3200400" algn="l" defTabSz="914400" rtl="0" eaLnBrk="1" latinLnBrk="0" hangingPunct="1">
+    <a:lvl8pPr marL="3200400" algn="l" defTabSz="457200" rtl="0" eaLnBrk="1" latinLnBrk="0" hangingPunct="1">
       <a:defRPr sz="1800" kern="1200">
         <a:solidFill>
           <a:schemeClr val="tx1"/>
@@ -100,7 +104,7 @@
         <a:cs typeface="+mn-cs"/>
       </a:defRPr>
     </a:lvl8pPr>
-    <a:lvl9pPr marL="3657600" algn="l" defTabSz="914400" rtl="0" eaLnBrk="1" latinLnBrk="0" hangingPunct="1">
+    <a:lvl9pPr marL="3657600" algn="l" defTabSz="457200" rtl="0" eaLnBrk="1" latinLnBrk="0" hangingPunct="1">
       <a:defRPr sz="1800" kern="1200">
         <a:solidFill>
           <a:schemeClr val="tx1"/>
@@ -782,7 +786,7 @@
               <a:defRPr/>
             </a:pPr>
             <a:r>
-              <a:rPr lang="en-US" sz="1200" kern="1200" dirty="0" smtClean="0">
+              <a:rPr lang="en-US" sz="1200" kern="1200" dirty="0">
                 <a:solidFill>
                   <a:schemeClr val="tx1"/>
                 </a:solidFill>
@@ -793,7 +797,7 @@
               </a:rPr>
               <a:t>Among the affected financial services organizations there is JP Morgan Chase, European Central Bank, US Federal Reserve Bank of Cleveland, Citigroup</a:t>
             </a:r>
-            <a:endParaRPr lang="en-US" dirty="0" smtClean="0"/>
+            <a:endParaRPr lang="en-US" dirty="0"/>
           </a:p>
           <a:p>
             <a:endParaRPr lang="en-US" dirty="0"/>
@@ -827,6 +831,258 @@
     <p:extLst>
       <p:ext uri="{BB962C8B-B14F-4D97-AF65-F5344CB8AC3E}">
         <p14:creationId xmlns:p14="http://schemas.microsoft.com/office/powerpoint/2010/main" val="3198532168"/>
+      </p:ext>
+    </p:extLst>
+  </p:cSld>
+  <p:clrMapOvr>
+    <a:masterClrMapping/>
+  </p:clrMapOvr>
+</p:notes>
+</file>
+
+<file path=ppt/notesSlides/notesSlide5.xml><?xml version="1.0" encoding="utf-8"?>
+<p:notes xmlns:a="http://schemas.openxmlformats.org/drawingml/2006/main" xmlns:r="http://schemas.openxmlformats.org/officeDocument/2006/relationships" xmlns:p="http://schemas.openxmlformats.org/presentationml/2006/main">
+  <p:cSld>
+    <p:spTree>
+      <p:nvGrpSpPr>
+        <p:cNvPr id="1" name=""/>
+        <p:cNvGrpSpPr/>
+        <p:nvPr/>
+      </p:nvGrpSpPr>
+      <p:grpSpPr>
+        <a:xfrm>
+          <a:off x="0" y="0"/>
+          <a:ext cx="0" cy="0"/>
+          <a:chOff x="0" y="0"/>
+          <a:chExt cx="0" cy="0"/>
+        </a:xfrm>
+      </p:grpSpPr>
+      <p:sp>
+        <p:nvSpPr>
+          <p:cNvPr id="2" name="Slide Image Placeholder 1"/>
+          <p:cNvSpPr>
+            <a:spLocks noGrp="1" noRot="1" noChangeAspect="1"/>
+          </p:cNvSpPr>
+          <p:nvPr>
+            <p:ph type="sldImg"/>
+          </p:nvPr>
+        </p:nvSpPr>
+        <p:spPr/>
+      </p:sp>
+      <p:sp>
+        <p:nvSpPr>
+          <p:cNvPr id="3" name="Notes Placeholder 2"/>
+          <p:cNvSpPr>
+            <a:spLocks noGrp="1"/>
+          </p:cNvSpPr>
+          <p:nvPr>
+            <p:ph type="body" idx="1"/>
+          </p:nvPr>
+        </p:nvSpPr>
+        <p:spPr/>
+        <p:txBody>
+          <a:bodyPr/>
+          <a:lstStyle/>
+          <a:p>
+            <a:endParaRPr lang="en-US" dirty="0"/>
+          </a:p>
+        </p:txBody>
+      </p:sp>
+      <p:sp>
+        <p:nvSpPr>
+          <p:cNvPr id="4" name="Slide Number Placeholder 3"/>
+          <p:cNvSpPr>
+            <a:spLocks noGrp="1"/>
+          </p:cNvSpPr>
+          <p:nvPr>
+            <p:ph type="sldNum" sz="quarter" idx="10"/>
+          </p:nvPr>
+        </p:nvSpPr>
+        <p:spPr/>
+        <p:txBody>
+          <a:bodyPr/>
+          <a:lstStyle/>
+          <a:p>
+            <a:fld id="{53E6C0B4-FA9C-42C0-A6E5-06851424880F}" type="slidenum">
+              <a:rPr lang="en-US" smtClean="0"/>
+              <a:t>5</a:t>
+            </a:fld>
+            <a:endParaRPr lang="en-US"/>
+          </a:p>
+        </p:txBody>
+      </p:sp>
+    </p:spTree>
+    <p:extLst>
+      <p:ext uri="{BB962C8B-B14F-4D97-AF65-F5344CB8AC3E}">
+        <p14:creationId xmlns:p14="http://schemas.microsoft.com/office/powerpoint/2010/main" val="1036838780"/>
+      </p:ext>
+    </p:extLst>
+  </p:cSld>
+  <p:clrMapOvr>
+    <a:masterClrMapping/>
+  </p:clrMapOvr>
+</p:notes>
+</file>
+
+<file path=ppt/notesSlides/notesSlide6.xml><?xml version="1.0" encoding="utf-8"?>
+<p:notes xmlns:a="http://schemas.openxmlformats.org/drawingml/2006/main" xmlns:r="http://schemas.openxmlformats.org/officeDocument/2006/relationships" xmlns:p="http://schemas.openxmlformats.org/presentationml/2006/main">
+  <p:cSld>
+    <p:spTree>
+      <p:nvGrpSpPr>
+        <p:cNvPr id="1" name=""/>
+        <p:cNvGrpSpPr/>
+        <p:nvPr/>
+      </p:nvGrpSpPr>
+      <p:grpSpPr>
+        <a:xfrm>
+          <a:off x="0" y="0"/>
+          <a:ext cx="0" cy="0"/>
+          <a:chOff x="0" y="0"/>
+          <a:chExt cx="0" cy="0"/>
+        </a:xfrm>
+      </p:grpSpPr>
+      <p:sp>
+        <p:nvSpPr>
+          <p:cNvPr id="2" name="Slide Image Placeholder 1"/>
+          <p:cNvSpPr>
+            <a:spLocks noGrp="1" noRot="1" noChangeAspect="1"/>
+          </p:cNvSpPr>
+          <p:nvPr>
+            <p:ph type="sldImg"/>
+          </p:nvPr>
+        </p:nvSpPr>
+        <p:spPr/>
+      </p:sp>
+      <p:sp>
+        <p:nvSpPr>
+          <p:cNvPr id="3" name="Notes Placeholder 2"/>
+          <p:cNvSpPr>
+            <a:spLocks noGrp="1"/>
+          </p:cNvSpPr>
+          <p:nvPr>
+            <p:ph type="body" idx="1"/>
+          </p:nvPr>
+        </p:nvSpPr>
+        <p:spPr/>
+        <p:txBody>
+          <a:bodyPr/>
+          <a:lstStyle/>
+          <a:p>
+            <a:endParaRPr lang="en-US" dirty="0"/>
+          </a:p>
+        </p:txBody>
+      </p:sp>
+      <p:sp>
+        <p:nvSpPr>
+          <p:cNvPr id="4" name="Slide Number Placeholder 3"/>
+          <p:cNvSpPr>
+            <a:spLocks noGrp="1"/>
+          </p:cNvSpPr>
+          <p:nvPr>
+            <p:ph type="sldNum" sz="quarter" idx="10"/>
+          </p:nvPr>
+        </p:nvSpPr>
+        <p:spPr/>
+        <p:txBody>
+          <a:bodyPr/>
+          <a:lstStyle/>
+          <a:p>
+            <a:fld id="{53E6C0B4-FA9C-42C0-A6E5-06851424880F}" type="slidenum">
+              <a:rPr lang="en-US" smtClean="0"/>
+              <a:t>6</a:t>
+            </a:fld>
+            <a:endParaRPr lang="en-US"/>
+          </a:p>
+        </p:txBody>
+      </p:sp>
+    </p:spTree>
+    <p:extLst>
+      <p:ext uri="{BB962C8B-B14F-4D97-AF65-F5344CB8AC3E}">
+        <p14:creationId xmlns:p14="http://schemas.microsoft.com/office/powerpoint/2010/main" val="800817665"/>
+      </p:ext>
+    </p:extLst>
+  </p:cSld>
+  <p:clrMapOvr>
+    <a:masterClrMapping/>
+  </p:clrMapOvr>
+</p:notes>
+</file>
+
+<file path=ppt/notesSlides/notesSlide7.xml><?xml version="1.0" encoding="utf-8"?>
+<p:notes xmlns:a="http://schemas.openxmlformats.org/drawingml/2006/main" xmlns:r="http://schemas.openxmlformats.org/officeDocument/2006/relationships" xmlns:p="http://schemas.openxmlformats.org/presentationml/2006/main">
+  <p:cSld>
+    <p:spTree>
+      <p:nvGrpSpPr>
+        <p:cNvPr id="1" name=""/>
+        <p:cNvGrpSpPr/>
+        <p:nvPr/>
+      </p:nvGrpSpPr>
+      <p:grpSpPr>
+        <a:xfrm>
+          <a:off x="0" y="0"/>
+          <a:ext cx="0" cy="0"/>
+          <a:chOff x="0" y="0"/>
+          <a:chExt cx="0" cy="0"/>
+        </a:xfrm>
+      </p:grpSpPr>
+      <p:sp>
+        <p:nvSpPr>
+          <p:cNvPr id="2" name="Slide Image Placeholder 1"/>
+          <p:cNvSpPr>
+            <a:spLocks noGrp="1" noRot="1" noChangeAspect="1"/>
+          </p:cNvSpPr>
+          <p:nvPr>
+            <p:ph type="sldImg"/>
+          </p:nvPr>
+        </p:nvSpPr>
+        <p:spPr/>
+      </p:sp>
+      <p:sp>
+        <p:nvSpPr>
+          <p:cNvPr id="3" name="Notes Placeholder 2"/>
+          <p:cNvSpPr>
+            <a:spLocks noGrp="1"/>
+          </p:cNvSpPr>
+          <p:nvPr>
+            <p:ph type="body" idx="1"/>
+          </p:nvPr>
+        </p:nvSpPr>
+        <p:spPr/>
+        <p:txBody>
+          <a:bodyPr/>
+          <a:lstStyle/>
+          <a:p>
+            <a:endParaRPr lang="en-US" dirty="0"/>
+          </a:p>
+        </p:txBody>
+      </p:sp>
+      <p:sp>
+        <p:nvSpPr>
+          <p:cNvPr id="4" name="Slide Number Placeholder 3"/>
+          <p:cNvSpPr>
+            <a:spLocks noGrp="1"/>
+          </p:cNvSpPr>
+          <p:nvPr>
+            <p:ph type="sldNum" sz="quarter" idx="10"/>
+          </p:nvPr>
+        </p:nvSpPr>
+        <p:spPr/>
+        <p:txBody>
+          <a:bodyPr/>
+          <a:lstStyle/>
+          <a:p>
+            <a:fld id="{53E6C0B4-FA9C-42C0-A6E5-06851424880F}" type="slidenum">
+              <a:rPr lang="en-US" smtClean="0"/>
+              <a:t>8</a:t>
+            </a:fld>
+            <a:endParaRPr lang="en-US"/>
+          </a:p>
+        </p:txBody>
+      </p:sp>
+    </p:spTree>
+    <p:extLst>
+      <p:ext uri="{BB962C8B-B14F-4D97-AF65-F5344CB8AC3E}">
+        <p14:creationId xmlns:p14="http://schemas.microsoft.com/office/powerpoint/2010/main" val="1556013515"/>
       </p:ext>
     </p:extLst>
   </p:cSld>
@@ -865,15 +1121,24 @@
         </p:nvSpPr>
         <p:spPr>
           <a:xfrm>
-            <a:off x="1524000" y="1122363"/>
-            <a:ext cx="9144000" cy="2387600"/>
+            <a:off x="603504" y="770467"/>
+            <a:ext cx="10782300" cy="3352800"/>
           </a:xfrm>
         </p:spPr>
         <p:txBody>
-          <a:bodyPr anchor="b"/>
+          <a:bodyPr anchor="b">
+            <a:noAutofit/>
+          </a:bodyPr>
           <a:lstStyle>
-            <a:lvl1pPr algn="ctr">
-              <a:defRPr sz="6000"/>
+            <a:lvl1pPr algn="l">
+              <a:lnSpc>
+                <a:spcPct val="80000"/>
+              </a:lnSpc>
+              <a:defRPr sz="8800" spc="-120" baseline="0">
+                <a:solidFill>
+                  <a:schemeClr val="tx1"/>
+                </a:solidFill>
+              </a:defRPr>
             </a:lvl1pPr>
           </a:lstStyle>
           <a:p>
@@ -881,6 +1146,7 @@
               <a:rPr lang="en-US"/>
               <a:t>Click to edit Master title style</a:t>
             </a:r>
+            <a:endParaRPr lang="en-US" dirty="0"/>
           </a:p>
         </p:txBody>
       </p:sp>
@@ -896,48 +1162,55 @@
         </p:nvSpPr>
         <p:spPr>
           <a:xfrm>
-            <a:off x="1524000" y="3602038"/>
-            <a:ext cx="9144000" cy="1655762"/>
+            <a:off x="667512" y="4206876"/>
+            <a:ext cx="9228201" cy="1645920"/>
           </a:xfrm>
         </p:spPr>
         <p:txBody>
-          <a:bodyPr/>
+          <a:bodyPr>
+            <a:normAutofit/>
+          </a:bodyPr>
           <a:lstStyle>
-            <a:lvl1pPr marL="0" indent="0" algn="ctr">
-              <a:buNone/>
-              <a:defRPr sz="2400"/>
+            <a:lvl1pPr marL="0" indent="0" algn="l">
+              <a:buNone/>
+              <a:defRPr sz="3200">
+                <a:solidFill>
+                  <a:schemeClr val="tx1"/>
+                </a:solidFill>
+                <a:latin typeface="+mj-lt"/>
+              </a:defRPr>
             </a:lvl1pPr>
             <a:lvl2pPr marL="457200" indent="0" algn="ctr">
               <a:buNone/>
-              <a:defRPr sz="2000"/>
+              <a:defRPr sz="2800"/>
             </a:lvl2pPr>
             <a:lvl3pPr marL="914400" indent="0" algn="ctr">
               <a:buNone/>
-              <a:defRPr sz="1800"/>
+              <a:defRPr sz="2400"/>
             </a:lvl3pPr>
             <a:lvl4pPr marL="1371600" indent="0" algn="ctr">
               <a:buNone/>
-              <a:defRPr sz="1600"/>
+              <a:defRPr sz="2000"/>
             </a:lvl4pPr>
             <a:lvl5pPr marL="1828800" indent="0" algn="ctr">
               <a:buNone/>
-              <a:defRPr sz="1600"/>
+              <a:defRPr sz="2000"/>
             </a:lvl5pPr>
             <a:lvl6pPr marL="2286000" indent="0" algn="ctr">
               <a:buNone/>
-              <a:defRPr sz="1600"/>
+              <a:defRPr sz="2000"/>
             </a:lvl6pPr>
             <a:lvl7pPr marL="2743200" indent="0" algn="ctr">
               <a:buNone/>
-              <a:defRPr sz="1600"/>
+              <a:defRPr sz="2000"/>
             </a:lvl7pPr>
             <a:lvl8pPr marL="3200400" indent="0" algn="ctr">
               <a:buNone/>
-              <a:defRPr sz="1600"/>
+              <a:defRPr sz="2000"/>
             </a:lvl8pPr>
             <a:lvl9pPr marL="3657600" indent="0" algn="ctr">
               <a:buNone/>
-              <a:defRPr sz="1600"/>
+              <a:defRPr sz="2000"/>
             </a:lvl9pPr>
           </a:lstStyle>
           <a:p>
@@ -945,12 +1218,13 @@
               <a:rPr lang="en-US"/>
               <a:t>Click to edit Master subtitle style</a:t>
             </a:r>
-          </a:p>
-        </p:txBody>
-      </p:sp>
-      <p:sp>
-        <p:nvSpPr>
-          <p:cNvPr id="4" name="Date Placeholder 3"/>
+            <a:endParaRPr lang="en-US" dirty="0"/>
+          </a:p>
+        </p:txBody>
+      </p:sp>
+      <p:sp>
+        <p:nvSpPr>
+          <p:cNvPr id="7" name="Date Placeholder 6"/>
           <p:cNvSpPr>
             <a:spLocks noGrp="1"/>
           </p:cNvSpPr>
@@ -973,7 +1247,7 @@
       </p:sp>
       <p:sp>
         <p:nvSpPr>
-          <p:cNvPr id="5" name="Footer Placeholder 4"/>
+          <p:cNvPr id="8" name="Footer Placeholder 7"/>
           <p:cNvSpPr>
             <a:spLocks noGrp="1"/>
           </p:cNvSpPr>
@@ -992,7 +1266,7 @@
       </p:sp>
       <p:sp>
         <p:nvSpPr>
-          <p:cNvPr id="6" name="Slide Number Placeholder 5"/>
+          <p:cNvPr id="9" name="Slide Number Placeholder 8"/>
           <p:cNvSpPr>
             <a:spLocks noGrp="1"/>
           </p:cNvSpPr>
@@ -1016,7 +1290,7 @@
     </p:spTree>
     <p:extLst>
       <p:ext uri="{BB962C8B-B14F-4D97-AF65-F5344CB8AC3E}">
-        <p14:creationId xmlns:p14="http://schemas.microsoft.com/office/powerpoint/2010/main" val="2045783639"/>
+        <p14:creationId xmlns:p14="http://schemas.microsoft.com/office/powerpoint/2010/main" val="1834848273"/>
       </p:ext>
     </p:extLst>
   </p:cSld>
@@ -1062,6 +1336,7 @@
               <a:rPr lang="en-US"/>
               <a:t>Click to edit Master title style</a:t>
             </a:r>
+            <a:endParaRPr lang="en-US" dirty="0"/>
           </a:p>
         </p:txBody>
       </p:sp>
@@ -1113,6 +1388,7 @@
               <a:rPr lang="en-US"/>
               <a:t>Fifth level</a:t>
             </a:r>
+            <a:endParaRPr lang="en-US" dirty="0"/>
           </a:p>
         </p:txBody>
       </p:sp>
@@ -1184,7 +1460,7 @@
     </p:spTree>
     <p:extLst>
       <p:ext uri="{BB962C8B-B14F-4D97-AF65-F5344CB8AC3E}">
-        <p14:creationId xmlns:p14="http://schemas.microsoft.com/office/powerpoint/2010/main" val="687985639"/>
+        <p14:creationId xmlns:p14="http://schemas.microsoft.com/office/powerpoint/2010/main" val="2918161618"/>
       </p:ext>
     </p:extLst>
   </p:cSld>
@@ -1223,8 +1499,8 @@
         </p:nvSpPr>
         <p:spPr>
           <a:xfrm>
-            <a:off x="8724900" y="365125"/>
-            <a:ext cx="2628900" cy="5811838"/>
+            <a:off x="8743950" y="695325"/>
+            <a:ext cx="2628900" cy="4800600"/>
           </a:xfrm>
         </p:spPr>
         <p:txBody>
@@ -1235,6 +1511,7 @@
               <a:rPr lang="en-US"/>
               <a:t>Click to edit Master title style</a:t>
             </a:r>
+            <a:endParaRPr lang="en-US" dirty="0"/>
           </a:p>
         </p:txBody>
       </p:sp>
@@ -1250,8 +1527,8 @@
         </p:nvSpPr>
         <p:spPr>
           <a:xfrm>
-            <a:off x="838200" y="365125"/>
-            <a:ext cx="7734300" cy="5811838"/>
+            <a:off x="771525" y="714375"/>
+            <a:ext cx="7734300" cy="5400675"/>
           </a:xfrm>
         </p:spPr>
         <p:txBody>
@@ -1291,6 +1568,7 @@
               <a:rPr lang="en-US"/>
               <a:t>Fifth level</a:t>
             </a:r>
+            <a:endParaRPr lang="en-US" dirty="0"/>
           </a:p>
         </p:txBody>
       </p:sp>
@@ -1362,7 +1640,7 @@
     </p:spTree>
     <p:extLst>
       <p:ext uri="{BB962C8B-B14F-4D97-AF65-F5344CB8AC3E}">
-        <p14:creationId xmlns:p14="http://schemas.microsoft.com/office/powerpoint/2010/main" val="1679932907"/>
+        <p14:creationId xmlns:p14="http://schemas.microsoft.com/office/powerpoint/2010/main" val="3158886640"/>
       </p:ext>
     </p:extLst>
   </p:cSld>
@@ -1408,6 +1686,7 @@
               <a:rPr lang="en-US"/>
               <a:t>Click to edit Master title style</a:t>
             </a:r>
+            <a:endParaRPr lang="en-US" dirty="0"/>
           </a:p>
         </p:txBody>
       </p:sp>
@@ -1459,6 +1738,7 @@
               <a:rPr lang="en-US"/>
               <a:t>Fifth level</a:t>
             </a:r>
+            <a:endParaRPr lang="en-US" dirty="0"/>
           </a:p>
         </p:txBody>
       </p:sp>
@@ -1530,7 +1810,7 @@
     </p:spTree>
     <p:extLst>
       <p:ext uri="{BB962C8B-B14F-4D97-AF65-F5344CB8AC3E}">
-        <p14:creationId xmlns:p14="http://schemas.microsoft.com/office/powerpoint/2010/main" val="5230036"/>
+        <p14:creationId xmlns:p14="http://schemas.microsoft.com/office/powerpoint/2010/main" val="3932353029"/>
       </p:ext>
     </p:extLst>
   </p:cSld>
@@ -1569,57 +1849,68 @@
         </p:nvSpPr>
         <p:spPr>
           <a:xfrm>
-            <a:off x="831850" y="1709738"/>
-            <a:ext cx="10515600" cy="2852737"/>
+            <a:off x="603504" y="767419"/>
+            <a:ext cx="10780776" cy="3355848"/>
           </a:xfrm>
         </p:spPr>
         <p:txBody>
-          <a:bodyPr anchor="b"/>
+          <a:bodyPr anchor="b">
+            <a:normAutofit/>
+          </a:bodyPr>
           <a:lstStyle>
             <a:lvl1pPr>
-              <a:defRPr sz="6000"/>
-            </a:lvl1pPr>
-          </a:lstStyle>
-          <a:p>
-            <a:r>
-              <a:rPr lang="en-US"/>
-              <a:t>Click to edit Master title style</a:t>
-            </a:r>
-          </a:p>
-        </p:txBody>
-      </p:sp>
-      <p:sp>
-        <p:nvSpPr>
-          <p:cNvPr id="3" name="Text Placeholder 2"/>
-          <p:cNvSpPr>
-            <a:spLocks noGrp="1"/>
-          </p:cNvSpPr>
-          <p:nvPr>
-            <p:ph type="body" idx="1"/>
-          </p:nvPr>
-        </p:nvSpPr>
-        <p:spPr>
-          <a:xfrm>
-            <a:off x="831850" y="4589463"/>
-            <a:ext cx="10515600" cy="1500187"/>
-          </a:xfrm>
-        </p:spPr>
-        <p:txBody>
-          <a:bodyPr/>
-          <a:lstStyle>
-            <a:lvl1pPr marL="0" indent="0">
-              <a:buNone/>
-              <a:defRPr sz="2400">
+              <a:lnSpc>
+                <a:spcPct val="80000"/>
+              </a:lnSpc>
+              <a:defRPr sz="8800" b="0" baseline="0">
                 <a:solidFill>
-                  <a:schemeClr val="tx1">
-                    <a:tint val="75000"/>
-                  </a:schemeClr>
+                  <a:schemeClr val="tx1"/>
                 </a:solidFill>
               </a:defRPr>
             </a:lvl1pPr>
+          </a:lstStyle>
+          <a:p>
+            <a:r>
+              <a:rPr lang="en-US"/>
+              <a:t>Click to edit Master title style</a:t>
+            </a:r>
+            <a:endParaRPr lang="en-US" dirty="0"/>
+          </a:p>
+        </p:txBody>
+      </p:sp>
+      <p:sp>
+        <p:nvSpPr>
+          <p:cNvPr id="3" name="Text Placeholder 2"/>
+          <p:cNvSpPr>
+            <a:spLocks noGrp="1"/>
+          </p:cNvSpPr>
+          <p:nvPr>
+            <p:ph type="body" idx="1"/>
+          </p:nvPr>
+        </p:nvSpPr>
+        <p:spPr>
+          <a:xfrm>
+            <a:off x="667512" y="4204209"/>
+            <a:ext cx="9226296" cy="1645920"/>
+          </a:xfrm>
+        </p:spPr>
+        <p:txBody>
+          <a:bodyPr anchor="t">
+            <a:normAutofit/>
+          </a:bodyPr>
+          <a:lstStyle>
+            <a:lvl1pPr marL="0" indent="0">
+              <a:buNone/>
+              <a:defRPr sz="3200">
+                <a:solidFill>
+                  <a:schemeClr val="tx1"/>
+                </a:solidFill>
+                <a:latin typeface="+mj-lt"/>
+              </a:defRPr>
+            </a:lvl1pPr>
             <a:lvl2pPr marL="457200" indent="0">
               <a:buNone/>
-              <a:defRPr sz="2000">
+              <a:defRPr sz="1800">
                 <a:solidFill>
                   <a:schemeClr val="tx1">
                     <a:tint val="75000"/>
@@ -1629,7 +1920,7 @@
             </a:lvl2pPr>
             <a:lvl3pPr marL="914400" indent="0">
               <a:buNone/>
-              <a:defRPr sz="1800">
+              <a:defRPr sz="1600">
                 <a:solidFill>
                   <a:schemeClr val="tx1">
                     <a:tint val="75000"/>
@@ -1639,7 +1930,7 @@
             </a:lvl3pPr>
             <a:lvl4pPr marL="1371600" indent="0">
               <a:buNone/>
-              <a:defRPr sz="1600">
+              <a:defRPr sz="1400">
                 <a:solidFill>
                   <a:schemeClr val="tx1">
                     <a:tint val="75000"/>
@@ -1649,7 +1940,7 @@
             </a:lvl4pPr>
             <a:lvl5pPr marL="1828800" indent="0">
               <a:buNone/>
-              <a:defRPr sz="1600">
+              <a:defRPr sz="1400">
                 <a:solidFill>
                   <a:schemeClr val="tx1">
                     <a:tint val="75000"/>
@@ -1659,7 +1950,7 @@
             </a:lvl5pPr>
             <a:lvl6pPr marL="2286000" indent="0">
               <a:buNone/>
-              <a:defRPr sz="1600">
+              <a:defRPr sz="1400">
                 <a:solidFill>
                   <a:schemeClr val="tx1">
                     <a:tint val="75000"/>
@@ -1669,7 +1960,7 @@
             </a:lvl6pPr>
             <a:lvl7pPr marL="2743200" indent="0">
               <a:buNone/>
-              <a:defRPr sz="1600">
+              <a:defRPr sz="1400">
                 <a:solidFill>
                   <a:schemeClr val="tx1">
                     <a:tint val="75000"/>
@@ -1679,7 +1970,7 @@
             </a:lvl7pPr>
             <a:lvl8pPr marL="3200400" indent="0">
               <a:buNone/>
-              <a:defRPr sz="1600">
+              <a:defRPr sz="1400">
                 <a:solidFill>
                   <a:schemeClr val="tx1">
                     <a:tint val="75000"/>
@@ -1689,7 +1980,7 @@
             </a:lvl8pPr>
             <a:lvl9pPr marL="3657600" indent="0">
               <a:buNone/>
-              <a:defRPr sz="1600">
+              <a:defRPr sz="1400">
                 <a:solidFill>
                   <a:schemeClr val="tx1">
                     <a:tint val="75000"/>
@@ -1775,7 +2066,7 @@
     </p:spTree>
     <p:extLst>
       <p:ext uri="{BB962C8B-B14F-4D97-AF65-F5344CB8AC3E}">
-        <p14:creationId xmlns:p14="http://schemas.microsoft.com/office/powerpoint/2010/main" val="2478991097"/>
+        <p14:creationId xmlns:p14="http://schemas.microsoft.com/office/powerpoint/2010/main" val="4011314689"/>
       </p:ext>
     </p:extLst>
   </p:cSld>
@@ -1821,6 +2112,7 @@
               <a:rPr lang="en-US"/>
               <a:t>Click to edit Master title style</a:t>
             </a:r>
+            <a:endParaRPr lang="en-US" dirty="0"/>
           </a:p>
         </p:txBody>
       </p:sp>
@@ -1836,13 +2128,41 @@
         </p:nvSpPr>
         <p:spPr>
           <a:xfrm>
-            <a:off x="838200" y="1825625"/>
-            <a:ext cx="5181600" cy="4351338"/>
+            <a:off x="676656" y="1998134"/>
+            <a:ext cx="4663440" cy="3767328"/>
           </a:xfrm>
         </p:spPr>
         <p:txBody>
           <a:bodyPr/>
-          <a:lstStyle/>
+          <a:lstStyle>
+            <a:lvl1pPr>
+              <a:defRPr sz="2400"/>
+            </a:lvl1pPr>
+            <a:lvl2pPr>
+              <a:defRPr sz="2000"/>
+            </a:lvl2pPr>
+            <a:lvl3pPr>
+              <a:defRPr sz="1800"/>
+            </a:lvl3pPr>
+            <a:lvl4pPr>
+              <a:defRPr sz="1600"/>
+            </a:lvl4pPr>
+            <a:lvl5pPr>
+              <a:defRPr sz="1600"/>
+            </a:lvl5pPr>
+            <a:lvl6pPr>
+              <a:defRPr sz="1600"/>
+            </a:lvl6pPr>
+            <a:lvl7pPr>
+              <a:defRPr sz="1600"/>
+            </a:lvl7pPr>
+            <a:lvl8pPr>
+              <a:defRPr sz="1600"/>
+            </a:lvl8pPr>
+            <a:lvl9pPr>
+              <a:defRPr sz="1600"/>
+            </a:lvl9pPr>
+          </a:lstStyle>
           <a:p>
             <a:pPr lvl="0"/>
             <a:r>
@@ -1877,6 +2197,7 @@
               <a:rPr lang="en-US"/>
               <a:t>Fifth level</a:t>
             </a:r>
+            <a:endParaRPr lang="en-US" dirty="0"/>
           </a:p>
         </p:txBody>
       </p:sp>
@@ -1892,13 +2213,41 @@
         </p:nvSpPr>
         <p:spPr>
           <a:xfrm>
-            <a:off x="6172200" y="1825625"/>
-            <a:ext cx="5181600" cy="4351338"/>
+            <a:off x="6011330" y="1998134"/>
+            <a:ext cx="4663440" cy="3767328"/>
           </a:xfrm>
         </p:spPr>
         <p:txBody>
           <a:bodyPr/>
-          <a:lstStyle/>
+          <a:lstStyle>
+            <a:lvl1pPr>
+              <a:defRPr sz="2400"/>
+            </a:lvl1pPr>
+            <a:lvl2pPr>
+              <a:defRPr sz="2000"/>
+            </a:lvl2pPr>
+            <a:lvl3pPr>
+              <a:defRPr sz="1800"/>
+            </a:lvl3pPr>
+            <a:lvl4pPr>
+              <a:defRPr sz="1600"/>
+            </a:lvl4pPr>
+            <a:lvl5pPr>
+              <a:defRPr sz="1600"/>
+            </a:lvl5pPr>
+            <a:lvl6pPr>
+              <a:defRPr sz="1600"/>
+            </a:lvl6pPr>
+            <a:lvl7pPr>
+              <a:defRPr sz="1600"/>
+            </a:lvl7pPr>
+            <a:lvl8pPr>
+              <a:defRPr sz="1600"/>
+            </a:lvl8pPr>
+            <a:lvl9pPr>
+              <a:defRPr sz="1600"/>
+            </a:lvl9pPr>
+          </a:lstStyle>
           <a:p>
             <a:pPr lvl="0"/>
             <a:r>
@@ -1933,6 +2282,7 @@
               <a:rPr lang="en-US"/>
               <a:t>Fifth level</a:t>
             </a:r>
+            <a:endParaRPr lang="en-US" dirty="0"/>
           </a:p>
         </p:txBody>
       </p:sp>
@@ -2004,7 +2354,7 @@
     </p:spTree>
     <p:extLst>
       <p:ext uri="{BB962C8B-B14F-4D97-AF65-F5344CB8AC3E}">
-        <p14:creationId xmlns:p14="http://schemas.microsoft.com/office/powerpoint/2010/main" val="2112595914"/>
+        <p14:creationId xmlns:p14="http://schemas.microsoft.com/office/powerpoint/2010/main" val="2726775911"/>
       </p:ext>
     </p:extLst>
   </p:cSld>
@@ -2033,53 +2383,56 @@
       </p:grpSpPr>
       <p:sp>
         <p:nvSpPr>
-          <p:cNvPr id="2" name="Title 1"/>
+          <p:cNvPr id="10" name="Title 9"/>
           <p:cNvSpPr>
             <a:spLocks noGrp="1"/>
           </p:cNvSpPr>
           <p:nvPr>
             <p:ph type="title"/>
+          </p:nvPr>
+        </p:nvSpPr>
+        <p:spPr/>
+        <p:txBody>
+          <a:bodyPr/>
+          <a:lstStyle/>
+          <a:p>
+            <a:r>
+              <a:rPr lang="en-US"/>
+              <a:t>Click to edit Master title style</a:t>
+            </a:r>
+            <a:endParaRPr lang="en-US" dirty="0"/>
+          </a:p>
+        </p:txBody>
+      </p:sp>
+      <p:sp>
+        <p:nvSpPr>
+          <p:cNvPr id="3" name="Text Placeholder 2"/>
+          <p:cNvSpPr>
+            <a:spLocks noGrp="1"/>
+          </p:cNvSpPr>
+          <p:nvPr>
+            <p:ph type="body" idx="1"/>
           </p:nvPr>
         </p:nvSpPr>
         <p:spPr>
           <a:xfrm>
-            <a:off x="839788" y="365125"/>
-            <a:ext cx="10515600" cy="1325563"/>
+            <a:off x="676656" y="2040467"/>
+            <a:ext cx="4663440" cy="723400"/>
           </a:xfrm>
         </p:spPr>
         <p:txBody>
-          <a:bodyPr/>
-          <a:lstStyle/>
-          <a:p>
-            <a:r>
-              <a:rPr lang="en-US"/>
-              <a:t>Click to edit Master title style</a:t>
-            </a:r>
-          </a:p>
-        </p:txBody>
-      </p:sp>
-      <p:sp>
-        <p:nvSpPr>
-          <p:cNvPr id="3" name="Text Placeholder 2"/>
-          <p:cNvSpPr>
-            <a:spLocks noGrp="1"/>
-          </p:cNvSpPr>
-          <p:nvPr>
-            <p:ph type="body" idx="1"/>
-          </p:nvPr>
-        </p:nvSpPr>
-        <p:spPr>
-          <a:xfrm>
-            <a:off x="839788" y="1681163"/>
-            <a:ext cx="5157787" cy="823912"/>
-          </a:xfrm>
-        </p:spPr>
-        <p:txBody>
-          <a:bodyPr anchor="b"/>
+          <a:bodyPr anchor="ctr">
+            <a:normAutofit/>
+          </a:bodyPr>
           <a:lstStyle>
             <a:lvl1pPr marL="0" indent="0">
               <a:buNone/>
-              <a:defRPr sz="2400" b="1"/>
+              <a:defRPr sz="2200" b="0" cap="all" baseline="0">
+                <a:solidFill>
+                  <a:schemeClr val="accent1"/>
+                </a:solidFill>
+                <a:latin typeface="+mj-lt"/>
+              </a:defRPr>
             </a:lvl1pPr>
             <a:lvl2pPr marL="457200" indent="0">
               <a:buNone/>
@@ -2135,13 +2488,41 @@
         </p:nvSpPr>
         <p:spPr>
           <a:xfrm>
-            <a:off x="839788" y="2505075"/>
-            <a:ext cx="5157787" cy="3684588"/>
+            <a:off x="676656" y="2753084"/>
+            <a:ext cx="4663440" cy="3200400"/>
           </a:xfrm>
         </p:spPr>
         <p:txBody>
           <a:bodyPr/>
-          <a:lstStyle/>
+          <a:lstStyle>
+            <a:lvl1pPr>
+              <a:defRPr sz="2400"/>
+            </a:lvl1pPr>
+            <a:lvl2pPr>
+              <a:defRPr sz="2000"/>
+            </a:lvl2pPr>
+            <a:lvl3pPr>
+              <a:defRPr sz="1800"/>
+            </a:lvl3pPr>
+            <a:lvl4pPr>
+              <a:defRPr sz="1600"/>
+            </a:lvl4pPr>
+            <a:lvl5pPr>
+              <a:defRPr sz="1600"/>
+            </a:lvl5pPr>
+            <a:lvl6pPr>
+              <a:defRPr sz="1600"/>
+            </a:lvl6pPr>
+            <a:lvl7pPr>
+              <a:defRPr sz="1600"/>
+            </a:lvl7pPr>
+            <a:lvl8pPr>
+              <a:defRPr sz="1600"/>
+            </a:lvl8pPr>
+            <a:lvl9pPr>
+              <a:defRPr sz="1600"/>
+            </a:lvl9pPr>
+          </a:lstStyle>
           <a:p>
             <a:pPr lvl="0"/>
             <a:r>
@@ -2176,6 +2557,7 @@
               <a:rPr lang="en-US"/>
               <a:t>Fifth level</a:t>
             </a:r>
+            <a:endParaRPr lang="en-US" dirty="0"/>
           </a:p>
         </p:txBody>
       </p:sp>
@@ -2191,16 +2573,20 @@
         </p:nvSpPr>
         <p:spPr>
           <a:xfrm>
-            <a:off x="6172200" y="1681163"/>
-            <a:ext cx="5183188" cy="823912"/>
+            <a:off x="6007608" y="2038435"/>
+            <a:ext cx="4663440" cy="722376"/>
           </a:xfrm>
         </p:spPr>
         <p:txBody>
-          <a:bodyPr anchor="b"/>
+          <a:bodyPr anchor="ctr">
+            <a:normAutofit/>
+          </a:bodyPr>
           <a:lstStyle>
             <a:lvl1pPr marL="0" indent="0">
               <a:buNone/>
-              <a:defRPr sz="2400" b="1"/>
+              <a:defRPr sz="2200" b="0" cap="all" baseline="0">
+                <a:latin typeface="+mj-lt"/>
+              </a:defRPr>
             </a:lvl1pPr>
             <a:lvl2pPr marL="457200" indent="0">
               <a:buNone/>
@@ -2256,13 +2642,41 @@
         </p:nvSpPr>
         <p:spPr>
           <a:xfrm>
-            <a:off x="6172200" y="2505075"/>
-            <a:ext cx="5183188" cy="3684588"/>
+            <a:off x="6007608" y="2750990"/>
+            <a:ext cx="4663440" cy="3200400"/>
           </a:xfrm>
         </p:spPr>
         <p:txBody>
           <a:bodyPr/>
-          <a:lstStyle/>
+          <a:lstStyle>
+            <a:lvl1pPr>
+              <a:defRPr sz="2400"/>
+            </a:lvl1pPr>
+            <a:lvl2pPr>
+              <a:defRPr sz="2000"/>
+            </a:lvl2pPr>
+            <a:lvl3pPr>
+              <a:defRPr sz="1800"/>
+            </a:lvl3pPr>
+            <a:lvl4pPr>
+              <a:defRPr sz="1600"/>
+            </a:lvl4pPr>
+            <a:lvl5pPr>
+              <a:defRPr sz="1600"/>
+            </a:lvl5pPr>
+            <a:lvl6pPr>
+              <a:defRPr sz="1600"/>
+            </a:lvl6pPr>
+            <a:lvl7pPr>
+              <a:defRPr sz="1600"/>
+            </a:lvl7pPr>
+            <a:lvl8pPr>
+              <a:defRPr sz="1600"/>
+            </a:lvl8pPr>
+            <a:lvl9pPr>
+              <a:defRPr sz="1600"/>
+            </a:lvl9pPr>
+          </a:lstStyle>
           <a:p>
             <a:pPr lvl="0"/>
             <a:r>
@@ -2297,6 +2711,7 @@
               <a:rPr lang="en-US"/>
               <a:t>Fifth level</a:t>
             </a:r>
+            <a:endParaRPr lang="en-US" dirty="0"/>
           </a:p>
         </p:txBody>
       </p:sp>
@@ -2368,7 +2783,7 @@
     </p:spTree>
     <p:extLst>
       <p:ext uri="{BB962C8B-B14F-4D97-AF65-F5344CB8AC3E}">
-        <p14:creationId xmlns:p14="http://schemas.microsoft.com/office/powerpoint/2010/main" val="3334928872"/>
+        <p14:creationId xmlns:p14="http://schemas.microsoft.com/office/powerpoint/2010/main" val="3021990323"/>
       </p:ext>
     </p:extLst>
   </p:cSld>
@@ -2397,7 +2812,7 @@
       </p:grpSpPr>
       <p:sp>
         <p:nvSpPr>
-          <p:cNvPr id="2" name="Title 1"/>
+          <p:cNvPr id="6" name="Title 5"/>
           <p:cNvSpPr>
             <a:spLocks noGrp="1"/>
           </p:cNvSpPr>
@@ -2414,6 +2829,7 @@
               <a:rPr lang="en-US"/>
               <a:t>Click to edit Master title style</a:t>
             </a:r>
+            <a:endParaRPr lang="en-US" dirty="0"/>
           </a:p>
         </p:txBody>
       </p:sp>
@@ -2485,7 +2901,7 @@
     </p:spTree>
     <p:extLst>
       <p:ext uri="{BB962C8B-B14F-4D97-AF65-F5344CB8AC3E}">
-        <p14:creationId xmlns:p14="http://schemas.microsoft.com/office/powerpoint/2010/main" val="3360230666"/>
+        <p14:creationId xmlns:p14="http://schemas.microsoft.com/office/powerpoint/2010/main" val="1326941801"/>
       </p:ext>
     </p:extLst>
   </p:cSld>
@@ -2580,7 +2996,7 @@
     </p:spTree>
     <p:extLst>
       <p:ext uri="{BB962C8B-B14F-4D97-AF65-F5344CB8AC3E}">
-        <p14:creationId xmlns:p14="http://schemas.microsoft.com/office/powerpoint/2010/main" val="1464926815"/>
+        <p14:creationId xmlns:p14="http://schemas.microsoft.com/office/powerpoint/2010/main" val="3368977977"/>
       </p:ext>
     </p:extLst>
   </p:cSld>
@@ -2609,25 +3025,69 @@
       </p:grpSpPr>
       <p:sp>
         <p:nvSpPr>
-          <p:cNvPr id="2" name="Title 1"/>
-          <p:cNvSpPr>
-            <a:spLocks noGrp="1"/>
-          </p:cNvSpPr>
-          <p:nvPr>
-            <p:ph type="title"/>
-          </p:nvPr>
+          <p:cNvPr id="2" name="Rectangle 1"/>
+          <p:cNvSpPr/>
+          <p:nvPr/>
         </p:nvSpPr>
         <p:spPr>
           <a:xfrm>
-            <a:off x="839788" y="457200"/>
-            <a:ext cx="3932237" cy="1600200"/>
+            <a:off x="7620000" y="0"/>
+            <a:ext cx="4572000" cy="6858000"/>
+          </a:xfrm>
+          <a:prstGeom prst="rect">
+            <a:avLst/>
+          </a:prstGeom>
+          <a:ln>
+            <a:noFill/>
+          </a:ln>
+        </p:spPr>
+        <p:style>
+          <a:lnRef idx="2">
+            <a:schemeClr val="accent1">
+              <a:shade val="50000"/>
+            </a:schemeClr>
+          </a:lnRef>
+          <a:fillRef idx="1">
+            <a:schemeClr val="accent1"/>
+          </a:fillRef>
+          <a:effectRef idx="0">
+            <a:schemeClr val="accent1"/>
+          </a:effectRef>
+          <a:fontRef idx="minor">
+            <a:schemeClr val="lt1"/>
+          </a:fontRef>
+        </p:style>
+      </p:sp>
+      <p:sp>
+        <p:nvSpPr>
+          <p:cNvPr id="9" name="Title 8"/>
+          <p:cNvSpPr>
+            <a:spLocks noGrp="1"/>
+          </p:cNvSpPr>
+          <p:nvPr>
+            <p:ph type="title"/>
+          </p:nvPr>
+        </p:nvSpPr>
+        <p:spPr>
+          <a:xfrm>
+            <a:off x="8261404" y="542282"/>
+            <a:ext cx="3383280" cy="1920240"/>
           </a:xfrm>
         </p:spPr>
         <p:txBody>
-          <a:bodyPr anchor="b"/>
+          <a:bodyPr anchor="b">
+            <a:noAutofit/>
+          </a:bodyPr>
           <a:lstStyle>
             <a:lvl1pPr>
-              <a:defRPr sz="3200"/>
+              <a:lnSpc>
+                <a:spcPct val="85000"/>
+              </a:lnSpc>
+              <a:defRPr sz="4000">
+                <a:solidFill>
+                  <a:srgbClr val="FFFFFF"/>
+                </a:solidFill>
+              </a:defRPr>
             </a:lvl1pPr>
           </a:lstStyle>
           <a:p>
@@ -2635,6 +3095,7 @@
               <a:rPr lang="en-US"/>
               <a:t>Click to edit Master title style</a:t>
             </a:r>
+            <a:endParaRPr lang="en-US" dirty="0"/>
           </a:p>
         </p:txBody>
       </p:sp>
@@ -2650,8 +3111,8 @@
         </p:nvSpPr>
         <p:spPr>
           <a:xfrm>
-            <a:off x="5183188" y="987425"/>
-            <a:ext cx="6172200" cy="4873625"/>
+            <a:off x="762000" y="762000"/>
+            <a:ext cx="6096000" cy="4572000"/>
           </a:xfrm>
         </p:spPr>
         <p:txBody>
@@ -2719,6 +3180,7 @@
               <a:rPr lang="en-US"/>
               <a:t>Fifth level</a:t>
             </a:r>
+            <a:endParaRPr lang="en-US" dirty="0"/>
           </a:p>
         </p:txBody>
       </p:sp>
@@ -2734,52 +3196,87 @@
         </p:nvSpPr>
         <p:spPr>
           <a:xfrm>
-            <a:off x="839788" y="2057400"/>
-            <a:ext cx="3932237" cy="3811588"/>
+            <a:off x="8275982" y="2511813"/>
+            <a:ext cx="3398520" cy="3126987"/>
           </a:xfrm>
         </p:spPr>
         <p:txBody>
-          <a:bodyPr/>
+          <a:bodyPr>
+            <a:normAutofit/>
+          </a:bodyPr>
           <a:lstStyle>
-            <a:lvl1pPr marL="0" indent="0">
-              <a:buNone/>
-              <a:defRPr sz="1600"/>
+            <a:lvl1pPr marL="0" marR="0" indent="0" algn="l" defTabSz="914400" rtl="0" eaLnBrk="1" fontAlgn="auto" latinLnBrk="0" hangingPunct="1">
+              <a:lnSpc>
+                <a:spcPct val="100000"/>
+              </a:lnSpc>
+              <a:spcBef>
+                <a:spcPts val="1200"/>
+              </a:spcBef>
+              <a:spcAft>
+                <a:spcPts val="0"/>
+              </a:spcAft>
+              <a:buClrTx/>
+              <a:buSzTx/>
+              <a:buFontTx/>
+              <a:buNone/>
+              <a:tabLst/>
+              <a:defRPr sz="1800">
+                <a:solidFill>
+                  <a:srgbClr val="FFFFFF"/>
+                </a:solidFill>
+              </a:defRPr>
             </a:lvl1pPr>
             <a:lvl2pPr marL="457200" indent="0">
               <a:buNone/>
-              <a:defRPr sz="1400"/>
+              <a:defRPr sz="1200"/>
             </a:lvl2pPr>
             <a:lvl3pPr marL="914400" indent="0">
               <a:buNone/>
-              <a:defRPr sz="1200"/>
+              <a:defRPr sz="1000"/>
             </a:lvl3pPr>
             <a:lvl4pPr marL="1371600" indent="0">
               <a:buNone/>
-              <a:defRPr sz="1000"/>
+              <a:defRPr sz="900"/>
             </a:lvl4pPr>
             <a:lvl5pPr marL="1828800" indent="0">
               <a:buNone/>
-              <a:defRPr sz="1000"/>
+              <a:defRPr sz="900"/>
             </a:lvl5pPr>
             <a:lvl6pPr marL="2286000" indent="0">
               <a:buNone/>
-              <a:defRPr sz="1000"/>
+              <a:defRPr sz="900"/>
             </a:lvl6pPr>
             <a:lvl7pPr marL="2743200" indent="0">
               <a:buNone/>
-              <a:defRPr sz="1000"/>
+              <a:defRPr sz="900"/>
             </a:lvl7pPr>
             <a:lvl8pPr marL="3200400" indent="0">
               <a:buNone/>
-              <a:defRPr sz="1000"/>
+              <a:defRPr sz="900"/>
             </a:lvl8pPr>
             <a:lvl9pPr marL="3657600" indent="0">
               <a:buNone/>
-              <a:defRPr sz="1000"/>
+              <a:defRPr sz="900"/>
             </a:lvl9pPr>
           </a:lstStyle>
           <a:p>
-            <a:pPr lvl="0"/>
+            <a:pPr marL="0" marR="0" lvl="0" indent="0" algn="l" defTabSz="914400" rtl="0" eaLnBrk="1" fontAlgn="auto" latinLnBrk="0" hangingPunct="1">
+              <a:lnSpc>
+                <a:spcPct val="100000"/>
+              </a:lnSpc>
+              <a:spcBef>
+                <a:spcPts val="1400"/>
+              </a:spcBef>
+              <a:spcAft>
+                <a:spcPts val="0"/>
+              </a:spcAft>
+              <a:buClrTx/>
+              <a:buSzTx/>
+              <a:buFontTx/>
+              <a:buNone/>
+              <a:tabLst/>
+              <a:defRPr/>
+            </a:pPr>
             <a:r>
               <a:rPr lang="en-US"/>
               <a:t>Edit Master text styles</a:t>
@@ -2842,7 +3339,17 @@
         <p:spPr/>
         <p:txBody>
           <a:bodyPr/>
-          <a:lstStyle/>
+          <a:lstStyle>
+            <a:lvl1pPr>
+              <a:defRPr>
+                <a:solidFill>
+                  <a:srgbClr val="FFFFFF">
+                    <a:alpha val="20000"/>
+                  </a:srgbClr>
+                </a:solidFill>
+              </a:defRPr>
+            </a:lvl1pPr>
+          </a:lstStyle>
           <a:p>
             <a:fld id="{3F051C49-2E8F-4014-AE78-16E44DBDAE5F}" type="slidenum">
               <a:rPr lang="en-US" smtClean="0"/>
@@ -2855,7 +3362,7 @@
     </p:spTree>
     <p:extLst>
       <p:ext uri="{BB962C8B-B14F-4D97-AF65-F5344CB8AC3E}">
-        <p14:creationId xmlns:p14="http://schemas.microsoft.com/office/powerpoint/2010/main" val="1089088893"/>
+        <p14:creationId xmlns:p14="http://schemas.microsoft.com/office/powerpoint/2010/main" val="3656147130"/>
       </p:ext>
     </p:extLst>
   </p:cSld>
@@ -2894,15 +3401,21 @@
         </p:nvSpPr>
         <p:spPr>
           <a:xfrm>
-            <a:off x="839788" y="457200"/>
-            <a:ext cx="3932237" cy="1600200"/>
+            <a:off x="649224" y="5418667"/>
+            <a:ext cx="10780776" cy="613283"/>
           </a:xfrm>
         </p:spPr>
         <p:txBody>
-          <a:bodyPr anchor="b"/>
+          <a:bodyPr anchor="b">
+            <a:normAutofit/>
+          </a:bodyPr>
           <a:lstStyle>
             <a:lvl1pPr>
-              <a:defRPr sz="3200"/>
+              <a:defRPr sz="3200" b="0">
+                <a:solidFill>
+                  <a:schemeClr val="tx1"/>
+                </a:solidFill>
+              </a:defRPr>
             </a:lvl1pPr>
           </a:lstStyle>
           <a:p>
@@ -2910,6 +3423,7 @@
               <a:rPr lang="en-US"/>
               <a:t>Click to edit Master title style</a:t>
             </a:r>
+            <a:endParaRPr lang="en-US" dirty="0"/>
           </a:p>
         </p:txBody>
       </p:sp>
@@ -2917,7 +3431,7 @@
         <p:nvSpPr>
           <p:cNvPr id="3" name="Picture Placeholder 2"/>
           <p:cNvSpPr>
-            <a:spLocks noGrp="1"/>
+            <a:spLocks noGrp="1" noChangeAspect="1"/>
           </p:cNvSpPr>
           <p:nvPr>
             <p:ph type="pic" idx="1"/>
@@ -2925,16 +3439,29 @@
         </p:nvSpPr>
         <p:spPr>
           <a:xfrm>
-            <a:off x="5183188" y="987425"/>
-            <a:ext cx="6172200" cy="4873625"/>
+            <a:off x="0" y="0"/>
+            <a:ext cx="12192000" cy="5330952"/>
           </a:xfrm>
+          <a:solidFill>
+            <a:schemeClr val="accent1">
+              <a:lumMod val="20000"/>
+              <a:lumOff val="80000"/>
+            </a:schemeClr>
+          </a:solidFill>
         </p:spPr>
         <p:txBody>
-          <a:bodyPr/>
+          <a:bodyPr anchor="t"/>
           <a:lstStyle>
-            <a:lvl1pPr marL="0" indent="0">
-              <a:buNone/>
-              <a:defRPr sz="3200"/>
+            <a:lvl1pPr marL="0" indent="0" algn="ctr">
+              <a:spcBef>
+                <a:spcPts val="800"/>
+              </a:spcBef>
+              <a:buNone/>
+              <a:defRPr sz="3200">
+                <a:solidFill>
+                  <a:schemeClr val="bg1"/>
+                </a:solidFill>
+              </a:defRPr>
             </a:lvl1pPr>
             <a:lvl2pPr marL="457200" indent="0">
               <a:buNone/>
@@ -2970,7 +3497,11 @@
             </a:lvl9pPr>
           </a:lstStyle>
           <a:p>
-            <a:endParaRPr lang="en-US"/>
+            <a:r>
+              <a:rPr lang="en-US"/>
+              <a:t>Click icon to add picture</a:t>
+            </a:r>
+            <a:endParaRPr lang="en-US" dirty="0"/>
           </a:p>
         </p:txBody>
       </p:sp>
@@ -2986,48 +3517,57 @@
         </p:nvSpPr>
         <p:spPr>
           <a:xfrm>
-            <a:off x="839788" y="2057400"/>
-            <a:ext cx="3932237" cy="3811588"/>
+            <a:off x="676656" y="5909735"/>
+            <a:ext cx="9229344" cy="533400"/>
           </a:xfrm>
         </p:spPr>
         <p:txBody>
-          <a:bodyPr/>
+          <a:bodyPr>
+            <a:normAutofit/>
+          </a:bodyPr>
           <a:lstStyle>
             <a:lvl1pPr marL="0" indent="0">
-              <a:buNone/>
-              <a:defRPr sz="1600"/>
+              <a:lnSpc>
+                <a:spcPct val="90000"/>
+              </a:lnSpc>
+              <a:buNone/>
+              <a:defRPr sz="1400">
+                <a:solidFill>
+                  <a:schemeClr val="tx1"/>
+                </a:solidFill>
+              </a:defRPr>
             </a:lvl1pPr>
             <a:lvl2pPr marL="457200" indent="0">
               <a:buNone/>
-              <a:defRPr sz="1400"/>
+              <a:defRPr sz="1200"/>
             </a:lvl2pPr>
             <a:lvl3pPr marL="914400" indent="0">
               <a:buNone/>
-              <a:defRPr sz="1200"/>
+              <a:defRPr sz="1000"/>
             </a:lvl3pPr>
             <a:lvl4pPr marL="1371600" indent="0">
               <a:buNone/>
-              <a:defRPr sz="1000"/>
+              <a:defRPr sz="900"/>
             </a:lvl4pPr>
             <a:lvl5pPr marL="1828800" indent="0">
               <a:buNone/>
-              <a:defRPr sz="1000"/>
+              <a:defRPr sz="900"/>
             </a:lvl5pPr>
             <a:lvl6pPr marL="2286000" indent="0">
               <a:buNone/>
-              <a:defRPr sz="1000"/>
+              <a:defRPr sz="900"/>
             </a:lvl6pPr>
             <a:lvl7pPr marL="2743200" indent="0">
               <a:buNone/>
-              <a:defRPr sz="1000"/>
+              <a:defRPr sz="900"/>
             </a:lvl7pPr>
             <a:lvl8pPr marL="3200400" indent="0">
               <a:buNone/>
-              <a:defRPr sz="1000"/>
+              <a:defRPr sz="900"/>
             </a:lvl8pPr>
             <a:lvl9pPr marL="3657600" indent="0">
               <a:buNone/>
-              <a:defRPr sz="1000"/>
+              <a:defRPr sz="900"/>
             </a:lvl9pPr>
           </a:lstStyle>
           <a:p>
@@ -3041,7 +3581,7 @@
       </p:sp>
       <p:sp>
         <p:nvSpPr>
-          <p:cNvPr id="5" name="Date Placeholder 4"/>
+          <p:cNvPr id="9" name="Date Placeholder 8"/>
           <p:cNvSpPr>
             <a:spLocks noGrp="1"/>
           </p:cNvSpPr>
@@ -3064,7 +3604,7 @@
       </p:sp>
       <p:sp>
         <p:nvSpPr>
-          <p:cNvPr id="6" name="Footer Placeholder 5"/>
+          <p:cNvPr id="10" name="Footer Placeholder 9"/>
           <p:cNvSpPr>
             <a:spLocks noGrp="1"/>
           </p:cNvSpPr>
@@ -3083,7 +3623,7 @@
       </p:sp>
       <p:sp>
         <p:nvSpPr>
-          <p:cNvPr id="7" name="Slide Number Placeholder 6"/>
+          <p:cNvPr id="11" name="Slide Number Placeholder 10"/>
           <p:cNvSpPr>
             <a:spLocks noGrp="1"/>
           </p:cNvSpPr>
@@ -3107,7 +3647,7 @@
     </p:spTree>
     <p:extLst>
       <p:ext uri="{BB962C8B-B14F-4D97-AF65-F5344CB8AC3E}">
-        <p14:creationId xmlns:p14="http://schemas.microsoft.com/office/powerpoint/2010/main" val="1437766677"/>
+        <p14:creationId xmlns:p14="http://schemas.microsoft.com/office/powerpoint/2010/main" val="2859423937"/>
       </p:ext>
     </p:extLst>
   </p:cSld>
@@ -3121,9 +3661,14 @@
 <p:sldMaster xmlns:a="http://schemas.openxmlformats.org/drawingml/2006/main" xmlns:r="http://schemas.openxmlformats.org/officeDocument/2006/relationships" xmlns:p="http://schemas.openxmlformats.org/presentationml/2006/main">
   <p:cSld>
     <p:bg>
-      <p:bgRef idx="1001">
-        <a:schemeClr val="bg1"/>
-      </p:bgRef>
+      <p:bgPr>
+        <a:solidFill>
+          <a:schemeClr val="accent1">
+            <a:lumMod val="75000"/>
+          </a:schemeClr>
+        </a:solidFill>
+        <a:effectLst/>
+      </p:bgPr>
     </p:bg>
     <p:spTree>
       <p:nvGrpSpPr>
@@ -3151,8 +3696,8 @@
         </p:nvSpPr>
         <p:spPr>
           <a:xfrm>
-            <a:off x="838200" y="365125"/>
-            <a:ext cx="10515600" cy="1325563"/>
+            <a:off x="657224" y="499533"/>
+            <a:ext cx="10772775" cy="1658198"/>
           </a:xfrm>
           <a:prstGeom prst="rect">
             <a:avLst/>
@@ -3168,6 +3713,7 @@
               <a:rPr lang="en-US"/>
               <a:t>Click to edit Master title style</a:t>
             </a:r>
+            <a:endParaRPr lang="en-US" dirty="0"/>
           </a:p>
         </p:txBody>
       </p:sp>
@@ -3183,8 +3729,8 @@
         </p:nvSpPr>
         <p:spPr>
           <a:xfrm>
-            <a:off x="838200" y="1825625"/>
-            <a:ext cx="10515600" cy="4351338"/>
+            <a:off x="676656" y="2011680"/>
+            <a:ext cx="10753725" cy="3766185"/>
           </a:xfrm>
           <a:prstGeom prst="rect">
             <a:avLst/>
@@ -3229,6 +3775,7 @@
               <a:rPr lang="en-US"/>
               <a:t>Fifth level</a:t>
             </a:r>
+            <a:endParaRPr lang="en-US" dirty="0"/>
           </a:p>
         </p:txBody>
       </p:sp>
@@ -3244,8 +3791,8 @@
         </p:nvSpPr>
         <p:spPr>
           <a:xfrm>
-            <a:off x="838200" y="6356350"/>
-            <a:ext cx="2743200" cy="365125"/>
+            <a:off x="685800" y="6412447"/>
+            <a:ext cx="4114800" cy="228600"/>
           </a:xfrm>
           <a:prstGeom prst="rect">
             <a:avLst/>
@@ -3255,10 +3802,10 @@
           <a:bodyPr vert="horz" lIns="91440" tIns="45720" rIns="91440" bIns="45720" rtlCol="0" anchor="ctr"/>
           <a:lstStyle>
             <a:lvl1pPr algn="l">
-              <a:defRPr sz="1200">
+              <a:defRPr sz="950">
                 <a:solidFill>
                   <a:schemeClr val="tx1">
-                    <a:tint val="75000"/>
+                    <a:alpha val="80000"/>
                   </a:schemeClr>
                 </a:solidFill>
               </a:defRPr>
@@ -3285,8 +3832,8 @@
         </p:nvSpPr>
         <p:spPr>
           <a:xfrm>
-            <a:off x="4038600" y="6356350"/>
-            <a:ext cx="4114800" cy="365125"/>
+            <a:off x="685800" y="6554697"/>
+            <a:ext cx="5029200" cy="228600"/>
           </a:xfrm>
           <a:prstGeom prst="rect">
             <a:avLst/>
@@ -3295,11 +3842,11 @@
         <p:txBody>
           <a:bodyPr vert="horz" lIns="91440" tIns="45720" rIns="91440" bIns="45720" rtlCol="0" anchor="ctr"/>
           <a:lstStyle>
-            <a:lvl1pPr algn="ctr">
-              <a:defRPr sz="1200">
+            <a:lvl1pPr algn="l">
+              <a:defRPr sz="950" cap="all" baseline="0">
                 <a:solidFill>
                   <a:schemeClr val="tx1">
-                    <a:tint val="75000"/>
+                    <a:alpha val="80000"/>
                   </a:schemeClr>
                 </a:solidFill>
               </a:defRPr>
@@ -3322,23 +3869,27 @@
         </p:nvSpPr>
         <p:spPr>
           <a:xfrm>
-            <a:off x="8610600" y="6356350"/>
-            <a:ext cx="2743200" cy="365125"/>
+            <a:off x="8763926" y="5876412"/>
+            <a:ext cx="2926080" cy="1397039"/>
           </a:xfrm>
           <a:prstGeom prst="rect">
             <a:avLst/>
           </a:prstGeom>
         </p:spPr>
         <p:txBody>
-          <a:bodyPr vert="horz" lIns="91440" tIns="45720" rIns="91440" bIns="45720" rtlCol="0" anchor="ctr"/>
+          <a:bodyPr vert="horz" lIns="91440" tIns="45720" rIns="91440" bIns="45720" rtlCol="0" anchor="b"/>
           <a:lstStyle>
             <a:lvl1pPr algn="r">
-              <a:defRPr sz="1200">
+              <a:defRPr sz="10300" b="0">
+                <a:ln>
+                  <a:noFill/>
+                </a:ln>
                 <a:solidFill>
                   <a:schemeClr val="tx1">
-                    <a:tint val="75000"/>
+                    <a:alpha val="20000"/>
                   </a:schemeClr>
                 </a:solidFill>
+                <a:latin typeface="+mj-lt"/>
               </a:defRPr>
             </a:lvl1pPr>
           </a:lstStyle>
@@ -3354,37 +3905,40 @@
     </p:spTree>
     <p:extLst>
       <p:ext uri="{BB962C8B-B14F-4D97-AF65-F5344CB8AC3E}">
-        <p14:creationId xmlns:p14="http://schemas.microsoft.com/office/powerpoint/2010/main" val="1364564685"/>
+        <p14:creationId xmlns:p14="http://schemas.microsoft.com/office/powerpoint/2010/main" val="1295146589"/>
       </p:ext>
     </p:extLst>
   </p:cSld>
-  <p:clrMap bg1="lt1" tx1="dk1" bg2="lt2" tx2="dk2" accent1="accent1" accent2="accent2" accent3="accent3" accent4="accent4" accent5="accent5" accent6="accent6" hlink="hlink" folHlink="folHlink"/>
+  <p:clrMap bg1="dk1" tx1="lt1" bg2="dk2" tx2="lt2" accent1="accent1" accent2="accent2" accent3="accent3" accent4="accent4" accent5="accent5" accent6="accent6" hlink="hlink" folHlink="folHlink"/>
   <p:sldLayoutIdLst>
-    <p:sldLayoutId id="2147483649" r:id="rId1"/>
-    <p:sldLayoutId id="2147483650" r:id="rId2"/>
-    <p:sldLayoutId id="2147483651" r:id="rId3"/>
-    <p:sldLayoutId id="2147483652" r:id="rId4"/>
-    <p:sldLayoutId id="2147483653" r:id="rId5"/>
-    <p:sldLayoutId id="2147483654" r:id="rId6"/>
-    <p:sldLayoutId id="2147483655" r:id="rId7"/>
-    <p:sldLayoutId id="2147483656" r:id="rId8"/>
-    <p:sldLayoutId id="2147483657" r:id="rId9"/>
-    <p:sldLayoutId id="2147483658" r:id="rId10"/>
-    <p:sldLayoutId id="2147483659" r:id="rId11"/>
+    <p:sldLayoutId id="2147483697" r:id="rId1"/>
+    <p:sldLayoutId id="2147483698" r:id="rId2"/>
+    <p:sldLayoutId id="2147483699" r:id="rId3"/>
+    <p:sldLayoutId id="2147483700" r:id="rId4"/>
+    <p:sldLayoutId id="2147483701" r:id="rId5"/>
+    <p:sldLayoutId id="2147483702" r:id="rId6"/>
+    <p:sldLayoutId id="2147483703" r:id="rId7"/>
+    <p:sldLayoutId id="2147483704" r:id="rId8"/>
+    <p:sldLayoutId id="2147483705" r:id="rId9"/>
+    <p:sldLayoutId id="2147483706" r:id="rId10"/>
+    <p:sldLayoutId id="2147483707" r:id="rId11"/>
   </p:sldLayoutIdLst>
   <p:txStyles>
     <p:titleStyle>
       <a:lvl1pPr algn="l" defTabSz="914400" rtl="0" eaLnBrk="1" latinLnBrk="0" hangingPunct="1">
         <a:lnSpc>
-          <a:spcPct val="90000"/>
+          <a:spcPct val="85000"/>
         </a:lnSpc>
         <a:spcBef>
           <a:spcPct val="0"/>
         </a:spcBef>
         <a:buNone/>
-        <a:defRPr sz="4400" kern="1200">
+        <a:defRPr sz="5400" kern="1200" spc="-120" baseline="0">
           <a:solidFill>
-            <a:schemeClr val="tx1"/>
+            <a:schemeClr val="tx1">
+              <a:lumMod val="75000"/>
+              <a:lumOff val="25000"/>
+            </a:schemeClr>
           </a:solidFill>
           <a:latin typeface="+mj-lt"/>
           <a:ea typeface="+mj-ea"/>
@@ -3393,162 +3947,186 @@
       </a:lvl1pPr>
     </p:titleStyle>
     <p:bodyStyle>
-      <a:lvl1pPr marL="228600" indent="-228600" algn="l" defTabSz="914400" rtl="0" eaLnBrk="1" latinLnBrk="0" hangingPunct="1">
+      <a:lvl1pPr marL="91440" indent="-91440" algn="l" defTabSz="914400" rtl="0" eaLnBrk="1" latinLnBrk="0" hangingPunct="1">
         <a:lnSpc>
-          <a:spcPct val="90000"/>
+          <a:spcPct val="85000"/>
         </a:lnSpc>
         <a:spcBef>
-          <a:spcPts val="1000"/>
+          <a:spcPts val="1300"/>
         </a:spcBef>
-        <a:buFont typeface="Arial" panose="020B0604020202020204" pitchFamily="34" charset="0"/>
-        <a:buChar char="•"/>
-        <a:defRPr sz="2800" kern="1200">
+        <a:buFont typeface="Arial" pitchFamily="34" charset="0"/>
+        <a:buChar char=" "/>
+        <a:defRPr sz="2400" kern="1200">
           <a:solidFill>
-            <a:schemeClr val="tx1"/>
+            <a:schemeClr val="accent1"/>
           </a:solidFill>
           <a:latin typeface="+mn-lt"/>
           <a:ea typeface="+mn-ea"/>
           <a:cs typeface="+mn-cs"/>
         </a:defRPr>
       </a:lvl1pPr>
-      <a:lvl2pPr marL="685800" indent="-228600" algn="l" defTabSz="914400" rtl="0" eaLnBrk="1" latinLnBrk="0" hangingPunct="1">
+      <a:lvl2pPr marL="347472" indent="-342900" algn="l" defTabSz="914400" rtl="0" eaLnBrk="1" latinLnBrk="0" hangingPunct="1">
         <a:lnSpc>
-          <a:spcPct val="90000"/>
+          <a:spcPct val="85000"/>
         </a:lnSpc>
         <a:spcBef>
-          <a:spcPts val="500"/>
+          <a:spcPts val="600"/>
         </a:spcBef>
-        <a:buFont typeface="Arial" panose="020B0604020202020204" pitchFamily="34" charset="0"/>
-        <a:buChar char="•"/>
+        <a:buFont typeface="Arial" pitchFamily="34" charset="0"/>
+        <a:buChar char=" "/>
         <a:defRPr sz="2400" kern="1200">
           <a:solidFill>
-            <a:schemeClr val="tx1"/>
+            <a:schemeClr val="tx1">
+              <a:lumMod val="75000"/>
+              <a:lumOff val="25000"/>
+            </a:schemeClr>
           </a:solidFill>
           <a:latin typeface="+mn-lt"/>
           <a:ea typeface="+mn-ea"/>
           <a:cs typeface="+mn-cs"/>
         </a:defRPr>
       </a:lvl2pPr>
-      <a:lvl3pPr marL="1143000" indent="-228600" algn="l" defTabSz="914400" rtl="0" eaLnBrk="1" latinLnBrk="0" hangingPunct="1">
+      <a:lvl3pPr marL="548640" indent="-548640" algn="l" defTabSz="914400" rtl="0" eaLnBrk="1" latinLnBrk="0" hangingPunct="1">
         <a:lnSpc>
-          <a:spcPct val="90000"/>
+          <a:spcPct val="85000"/>
         </a:lnSpc>
         <a:spcBef>
-          <a:spcPts val="500"/>
+          <a:spcPts val="600"/>
         </a:spcBef>
-        <a:buFont typeface="Arial" panose="020B0604020202020204" pitchFamily="34" charset="0"/>
-        <a:buChar char="•"/>
-        <a:defRPr sz="2000" kern="1200">
+        <a:buFont typeface="Arial" pitchFamily="34" charset="0"/>
+        <a:buChar char=" "/>
+        <a:defRPr sz="2000" i="1" kern="1200">
           <a:solidFill>
-            <a:schemeClr val="tx1"/>
+            <a:schemeClr val="tx1">
+              <a:lumMod val="65000"/>
+              <a:lumOff val="35000"/>
+            </a:schemeClr>
           </a:solidFill>
           <a:latin typeface="+mn-lt"/>
           <a:ea typeface="+mn-ea"/>
           <a:cs typeface="+mn-cs"/>
         </a:defRPr>
       </a:lvl3pPr>
-      <a:lvl4pPr marL="1600200" indent="-228600" algn="l" defTabSz="914400" rtl="0" eaLnBrk="1" latinLnBrk="0" hangingPunct="1">
+      <a:lvl4pPr marL="822960" indent="-822960" algn="l" defTabSz="914400" rtl="0" eaLnBrk="1" latinLnBrk="0" hangingPunct="1">
         <a:lnSpc>
-          <a:spcPct val="90000"/>
+          <a:spcPct val="85000"/>
         </a:lnSpc>
         <a:spcBef>
-          <a:spcPts val="500"/>
+          <a:spcPts val="600"/>
         </a:spcBef>
-        <a:buFont typeface="Arial" panose="020B0604020202020204" pitchFamily="34" charset="0"/>
-        <a:buChar char="•"/>
+        <a:buFont typeface="Arial" pitchFamily="34" charset="0"/>
+        <a:buChar char=" "/>
         <a:defRPr sz="1800" kern="1200">
           <a:solidFill>
-            <a:schemeClr val="tx1"/>
+            <a:schemeClr val="tx1">
+              <a:lumMod val="65000"/>
+              <a:lumOff val="35000"/>
+            </a:schemeClr>
           </a:solidFill>
           <a:latin typeface="+mn-lt"/>
           <a:ea typeface="+mn-ea"/>
           <a:cs typeface="+mn-cs"/>
         </a:defRPr>
       </a:lvl4pPr>
-      <a:lvl5pPr marL="2057400" indent="-228600" algn="l" defTabSz="914400" rtl="0" eaLnBrk="1" latinLnBrk="0" hangingPunct="1">
+      <a:lvl5pPr marL="1097280" indent="-1097280" algn="l" defTabSz="914400" rtl="0" eaLnBrk="1" latinLnBrk="0" hangingPunct="1">
         <a:lnSpc>
-          <a:spcPct val="90000"/>
+          <a:spcPct val="85000"/>
         </a:lnSpc>
         <a:spcBef>
-          <a:spcPts val="500"/>
+          <a:spcPts val="600"/>
         </a:spcBef>
-        <a:buFont typeface="Arial" panose="020B0604020202020204" pitchFamily="34" charset="0"/>
-        <a:buChar char="•"/>
+        <a:buFont typeface="Arial" pitchFamily="34" charset="0"/>
+        <a:buChar char=" "/>
         <a:defRPr sz="1800" kern="1200">
           <a:solidFill>
-            <a:schemeClr val="tx1"/>
+            <a:schemeClr val="tx1">
+              <a:lumMod val="65000"/>
+              <a:lumOff val="35000"/>
+            </a:schemeClr>
           </a:solidFill>
           <a:latin typeface="+mn-lt"/>
           <a:ea typeface="+mn-ea"/>
           <a:cs typeface="+mn-cs"/>
         </a:defRPr>
       </a:lvl5pPr>
-      <a:lvl6pPr marL="2514600" indent="-228600" algn="l" defTabSz="914400" rtl="0" eaLnBrk="1" latinLnBrk="0" hangingPunct="1">
+      <a:lvl6pPr marL="1200000" indent="-228600" algn="l" defTabSz="914400" rtl="0" eaLnBrk="1" latinLnBrk="0" hangingPunct="1">
         <a:lnSpc>
-          <a:spcPct val="90000"/>
+          <a:spcPct val="85000"/>
         </a:lnSpc>
         <a:spcBef>
-          <a:spcPts val="500"/>
+          <a:spcPts val="600"/>
         </a:spcBef>
-        <a:buFont typeface="Arial" panose="020B0604020202020204" pitchFamily="34" charset="0"/>
-        <a:buChar char="•"/>
+        <a:buFont typeface="Arial" pitchFamily="34" charset="0"/>
+        <a:buChar char=" "/>
         <a:defRPr sz="1800" kern="1200">
           <a:solidFill>
-            <a:schemeClr val="tx1"/>
+            <a:schemeClr val="tx1">
+              <a:lumMod val="65000"/>
+              <a:lumOff val="35000"/>
+            </a:schemeClr>
           </a:solidFill>
           <a:latin typeface="+mn-lt"/>
           <a:ea typeface="+mn-ea"/>
           <a:cs typeface="+mn-cs"/>
         </a:defRPr>
       </a:lvl6pPr>
-      <a:lvl7pPr marL="2971800" indent="-228600" algn="l" defTabSz="914400" rtl="0" eaLnBrk="1" latinLnBrk="0" hangingPunct="1">
+      <a:lvl7pPr marL="1400000" indent="-228600" algn="l" defTabSz="914400" rtl="0" eaLnBrk="1" latinLnBrk="0" hangingPunct="1">
         <a:lnSpc>
-          <a:spcPct val="90000"/>
+          <a:spcPct val="85000"/>
         </a:lnSpc>
         <a:spcBef>
-          <a:spcPts val="500"/>
+          <a:spcPts val="600"/>
         </a:spcBef>
-        <a:buFont typeface="Arial" panose="020B0604020202020204" pitchFamily="34" charset="0"/>
-        <a:buChar char="•"/>
+        <a:buFont typeface="Arial" pitchFamily="34" charset="0"/>
+        <a:buChar char=" "/>
         <a:defRPr sz="1800" kern="1200">
           <a:solidFill>
-            <a:schemeClr val="tx1"/>
+            <a:schemeClr val="tx1">
+              <a:lumMod val="65000"/>
+              <a:lumOff val="35000"/>
+            </a:schemeClr>
           </a:solidFill>
           <a:latin typeface="+mn-lt"/>
           <a:ea typeface="+mn-ea"/>
           <a:cs typeface="+mn-cs"/>
         </a:defRPr>
       </a:lvl7pPr>
-      <a:lvl8pPr marL="3429000" indent="-228600" algn="l" defTabSz="914400" rtl="0" eaLnBrk="1" latinLnBrk="0" hangingPunct="1">
+      <a:lvl8pPr marL="1600000" indent="-228600" algn="l" defTabSz="914400" rtl="0" eaLnBrk="1" latinLnBrk="0" hangingPunct="1">
         <a:lnSpc>
-          <a:spcPct val="90000"/>
+          <a:spcPct val="85000"/>
         </a:lnSpc>
         <a:spcBef>
-          <a:spcPts val="500"/>
+          <a:spcPts val="600"/>
         </a:spcBef>
-        <a:buFont typeface="Arial" panose="020B0604020202020204" pitchFamily="34" charset="0"/>
-        <a:buChar char="•"/>
+        <a:buFont typeface="Arial" pitchFamily="34" charset="0"/>
+        <a:buChar char=" "/>
         <a:defRPr sz="1800" kern="1200">
           <a:solidFill>
-            <a:schemeClr val="tx1"/>
+            <a:schemeClr val="tx1">
+              <a:lumMod val="65000"/>
+              <a:lumOff val="35000"/>
+            </a:schemeClr>
           </a:solidFill>
           <a:latin typeface="+mn-lt"/>
           <a:ea typeface="+mn-ea"/>
           <a:cs typeface="+mn-cs"/>
         </a:defRPr>
       </a:lvl8pPr>
-      <a:lvl9pPr marL="3886200" indent="-228600" algn="l" defTabSz="914400" rtl="0" eaLnBrk="1" latinLnBrk="0" hangingPunct="1">
+      <a:lvl9pPr marL="1800000" indent="-228600" algn="l" defTabSz="914400" rtl="0" eaLnBrk="1" latinLnBrk="0" hangingPunct="1">
         <a:lnSpc>
-          <a:spcPct val="90000"/>
+          <a:spcPct val="85000"/>
         </a:lnSpc>
         <a:spcBef>
-          <a:spcPts val="500"/>
+          <a:spcPts val="600"/>
         </a:spcBef>
-        <a:buFont typeface="Arial" panose="020B0604020202020204" pitchFamily="34" charset="0"/>
-        <a:buChar char="•"/>
+        <a:buFont typeface="Arial" pitchFamily="34" charset="0"/>
+        <a:buChar char=" "/>
         <a:defRPr sz="1800" kern="1200">
           <a:solidFill>
-            <a:schemeClr val="tx1"/>
+            <a:schemeClr val="tx1">
+              <a:lumMod val="65000"/>
+              <a:lumOff val="35000"/>
+            </a:schemeClr>
           </a:solidFill>
           <a:latin typeface="+mn-lt"/>
           <a:ea typeface="+mn-ea"/>
@@ -3688,12 +4266,20 @@
           <a:lstStyle/>
           <a:p>
             <a:r>
-              <a:rPr lang="ro-RO" sz="9600" dirty="0" smtClean="0">
+              <a:rPr lang="ro-RO" sz="9600" dirty="0">
                 <a:latin typeface="Open sans" panose="020B0606030504020204" pitchFamily="34" charset="0"/>
                 <a:ea typeface="Open sans" panose="020B0606030504020204" pitchFamily="34" charset="0"/>
                 <a:cs typeface="Open sans" panose="020B0606030504020204" pitchFamily="34" charset="0"/>
               </a:rPr>
-              <a:t>e-Fonty</a:t>
+              <a:t>eFonty</a:t>
+            </a:r>
+            <a:r>
+              <a:rPr lang="en-US" sz="9600" dirty="0">
+                <a:latin typeface="Open sans" panose="020B0606030504020204" pitchFamily="34" charset="0"/>
+                <a:ea typeface="Open sans" panose="020B0606030504020204" pitchFamily="34" charset="0"/>
+                <a:cs typeface="Open sans" panose="020B0606030504020204" pitchFamily="34" charset="0"/>
+              </a:rPr>
+              <a:t>s</a:t>
             </a:r>
             <a:endParaRPr lang="en-US" dirty="0"/>
           </a:p>
@@ -3711,7 +4297,9 @@
         </p:nvSpPr>
         <p:spPr/>
         <p:txBody>
-          <a:bodyPr/>
+          <a:bodyPr>
+            <a:normAutofit fontScale="85000" lnSpcReduction="10000"/>
+          </a:bodyPr>
           <a:lstStyle/>
           <a:p>
             <a:pPr>
@@ -3723,10 +4311,10 @@
               </a:spcBef>
             </a:pPr>
             <a:r>
-              <a:rPr lang="ro-RO" dirty="0" smtClean="0"/>
+              <a:rPr lang="ro-RO" b="1" i="1" dirty="0"/>
               <a:t>Security Programming</a:t>
             </a:r>
-            <a:endParaRPr lang="en-US" dirty="0"/>
+            <a:endParaRPr lang="en-US" b="1" i="1" dirty="0"/>
           </a:p>
           <a:p>
             <a:pPr>
@@ -3737,10 +4325,7 @@
                 <a:spcPts val="0"/>
               </a:spcBef>
             </a:pPr>
-            <a:r>
-              <a:rPr lang="en-US" dirty="0"/>
-              <a:t>-</a:t>
-            </a:r>
+            <a:endParaRPr lang="en-US" dirty="0"/>
           </a:p>
           <a:p>
             <a:pPr>
@@ -3793,13 +4378,6 @@
   <p:clrMapOvr>
     <a:masterClrMapping/>
   </p:clrMapOvr>
-  <p:timing>
-    <p:tnLst>
-      <p:par>
-        <p:cTn id="1" dur="indefinite" restart="never" nodeType="tmRoot"/>
-      </p:par>
-    </p:tnLst>
-  </p:timing>
 </p:sld>
 </file>
 
@@ -3847,7 +4425,6 @@
               <a:rPr lang="en-US" b="1" dirty="0"/>
               <a:t>Security breaches have been increasing considerably over the last decade, becoming an everyday problem for both low and high-profile organizations.</a:t>
             </a:r>
-            <a:endParaRPr lang="en-US" b="1" dirty="0"/>
           </a:p>
         </p:txBody>
       </p:sp>
@@ -3861,19 +4438,20 @@
   <p:clrMapOvr>
     <a:masterClrMapping/>
   </p:clrMapOvr>
-  <p:timing>
-    <p:tnLst>
-      <p:par>
-        <p:cTn id="1" dur="indefinite" restart="never" nodeType="tmRoot"/>
-      </p:par>
-    </p:tnLst>
-  </p:timing>
 </p:sld>
 </file>
 
 <file path=ppt/slides/slide3.xml><?xml version="1.0" encoding="utf-8"?>
 <p:sld xmlns:a="http://schemas.openxmlformats.org/drawingml/2006/main" xmlns:r="http://schemas.openxmlformats.org/officeDocument/2006/relationships" xmlns:p="http://schemas.openxmlformats.org/presentationml/2006/main">
   <p:cSld>
+    <p:bg>
+      <p:bgPr>
+        <a:solidFill>
+          <a:schemeClr val="tx1"/>
+        </a:solidFill>
+        <a:effectLst/>
+      </p:bgPr>
+    </p:bg>
     <p:spTree>
       <p:nvGrpSpPr>
         <p:cNvPr id="1" name=""/>
@@ -3904,14 +4482,13 @@
           <a:lstStyle/>
           <a:p>
             <a:r>
-              <a:rPr lang="ro-RO" dirty="0" smtClean="0"/>
+              <a:rPr lang="ro-RO" dirty="0"/>
               <a:t>Banking breaches </a:t>
             </a:r>
             <a:r>
               <a:rPr lang="en-US" dirty="0"/>
               <a:t>Summary 2014-2015</a:t>
             </a:r>
-            <a:endParaRPr lang="en-US" dirty="0"/>
           </a:p>
         </p:txBody>
       </p:sp>
@@ -3981,19 +4558,20 @@
   <p:clrMapOvr>
     <a:masterClrMapping/>
   </p:clrMapOvr>
-  <p:timing>
-    <p:tnLst>
-      <p:par>
-        <p:cTn id="1" dur="indefinite" restart="never" nodeType="tmRoot"/>
-      </p:par>
-    </p:tnLst>
-  </p:timing>
 </p:sld>
 </file>
 
 <file path=ppt/slides/slide4.xml><?xml version="1.0" encoding="utf-8"?>
 <p:sld xmlns:a="http://schemas.openxmlformats.org/drawingml/2006/main" xmlns:r="http://schemas.openxmlformats.org/officeDocument/2006/relationships" xmlns:p="http://schemas.openxmlformats.org/presentationml/2006/main">
   <p:cSld>
+    <p:bg>
+      <p:bgPr>
+        <a:solidFill>
+          <a:schemeClr val="tx1"/>
+        </a:solidFill>
+        <a:effectLst/>
+      </p:bgPr>
+    </p:bg>
     <p:spTree>
       <p:nvGrpSpPr>
         <p:cNvPr id="1" name=""/>
@@ -4046,13 +4624,6 @@
   <p:clrMapOvr>
     <a:masterClrMapping/>
   </p:clrMapOvr>
-  <p:timing>
-    <p:tnLst>
-      <p:par>
-        <p:cTn id="1" dur="indefinite" restart="never" nodeType="tmRoot"/>
-      </p:par>
-    </p:tnLst>
-  </p:timing>
 </p:sld>
 </file>
 
@@ -4080,41 +4651,567 @@
             <a:spLocks noGrp="1"/>
           </p:cNvSpPr>
           <p:nvPr>
-            <p:ph type="title"/>
-          </p:nvPr>
-        </p:nvSpPr>
-        <p:spPr/>
-        <p:txBody>
-          <a:bodyPr/>
-          <a:lstStyle/>
-          <a:p>
-            <a:endParaRPr lang="en-US"/>
-          </a:p>
-        </p:txBody>
-      </p:sp>
-      <p:sp>
-        <p:nvSpPr>
-          <p:cNvPr id="3" name="Content Placeholder 2"/>
-          <p:cNvSpPr>
-            <a:spLocks noGrp="1"/>
-          </p:cNvSpPr>
-          <p:nvPr>
-            <p:ph idx="1"/>
-          </p:nvPr>
-        </p:nvSpPr>
-        <p:spPr/>
-        <p:txBody>
-          <a:bodyPr/>
-          <a:lstStyle/>
-          <a:p>
-            <a:endParaRPr lang="en-US"/>
+            <p:ph type="ctrTitle"/>
+          </p:nvPr>
+        </p:nvSpPr>
+        <p:spPr/>
+        <p:txBody>
+          <a:bodyPr/>
+          <a:lstStyle/>
+          <a:p>
+            <a:pPr algn="ctr"/>
+            <a:r>
+              <a:rPr lang="en-US" sz="9600" dirty="0">
+                <a:latin typeface="Open sans" panose="020B0606030504020204" pitchFamily="34" charset="0"/>
+                <a:ea typeface="Open sans" panose="020B0606030504020204" pitchFamily="34" charset="0"/>
+                <a:cs typeface="Open sans" panose="020B0606030504020204" pitchFamily="34" charset="0"/>
+              </a:rPr>
+              <a:t>Pen-Test Findings</a:t>
+            </a:r>
+            <a:endParaRPr lang="en-US" dirty="0"/>
           </a:p>
         </p:txBody>
       </p:sp>
     </p:spTree>
     <p:extLst>
       <p:ext uri="{BB962C8B-B14F-4D97-AF65-F5344CB8AC3E}">
-        <p14:creationId xmlns:p14="http://schemas.microsoft.com/office/powerpoint/2010/main" val="632867801"/>
+        <p14:creationId xmlns:p14="http://schemas.microsoft.com/office/powerpoint/2010/main" val="2792067242"/>
+      </p:ext>
+    </p:extLst>
+  </p:cSld>
+  <p:clrMapOvr>
+    <a:masterClrMapping/>
+  </p:clrMapOvr>
+</p:sld>
+</file>
+
+<file path=ppt/slides/slide6.xml><?xml version="1.0" encoding="utf-8"?>
+<p:sld xmlns:a="http://schemas.openxmlformats.org/drawingml/2006/main" xmlns:r="http://schemas.openxmlformats.org/officeDocument/2006/relationships" xmlns:p="http://schemas.openxmlformats.org/presentationml/2006/main">
+  <p:cSld>
+    <p:spTree>
+      <p:nvGrpSpPr>
+        <p:cNvPr id="1" name=""/>
+        <p:cNvGrpSpPr/>
+        <p:nvPr/>
+      </p:nvGrpSpPr>
+      <p:grpSpPr>
+        <a:xfrm>
+          <a:off x="0" y="0"/>
+          <a:ext cx="0" cy="0"/>
+          <a:chOff x="0" y="0"/>
+          <a:chExt cx="0" cy="0"/>
+        </a:xfrm>
+      </p:grpSpPr>
+      <p:sp>
+        <p:nvSpPr>
+          <p:cNvPr id="2" name="Title 1"/>
+          <p:cNvSpPr>
+            <a:spLocks noGrp="1"/>
+          </p:cNvSpPr>
+          <p:nvPr>
+            <p:ph type="ctrTitle"/>
+          </p:nvPr>
+        </p:nvSpPr>
+        <p:spPr>
+          <a:xfrm>
+            <a:off x="603504" y="4116227"/>
+            <a:ext cx="10782300" cy="1336524"/>
+          </a:xfrm>
+        </p:spPr>
+        <p:txBody>
+          <a:bodyPr/>
+          <a:lstStyle/>
+          <a:p>
+            <a:pPr algn="r"/>
+            <a:r>
+              <a:rPr lang="en-US" sz="7200" dirty="0">
+                <a:latin typeface="Open sans" panose="020B0606030504020204" pitchFamily="34" charset="0"/>
+                <a:ea typeface="Open sans" panose="020B0606030504020204" pitchFamily="34" charset="0"/>
+                <a:cs typeface="Open sans" panose="020B0606030504020204" pitchFamily="34" charset="0"/>
+              </a:rPr>
+              <a:t>Path Traversal</a:t>
+            </a:r>
+            <a:endParaRPr lang="en-US" sz="6600" dirty="0"/>
+          </a:p>
+        </p:txBody>
+      </p:sp>
+      <p:sp>
+        <p:nvSpPr>
+          <p:cNvPr id="3" name="Subtitle 2"/>
+          <p:cNvSpPr>
+            <a:spLocks noGrp="1"/>
+          </p:cNvSpPr>
+          <p:nvPr>
+            <p:ph type="subTitle" idx="1"/>
+          </p:nvPr>
+        </p:nvSpPr>
+        <p:spPr>
+          <a:xfrm>
+            <a:off x="799447" y="1469036"/>
+            <a:ext cx="10353235" cy="2647191"/>
+          </a:xfrm>
+        </p:spPr>
+        <p:txBody>
+          <a:bodyPr>
+            <a:normAutofit fontScale="85000" lnSpcReduction="10000"/>
+          </a:bodyPr>
+          <a:lstStyle/>
+          <a:p>
+            <a:pPr>
+              <a:lnSpc>
+                <a:spcPct val="100000"/>
+              </a:lnSpc>
+              <a:spcBef>
+                <a:spcPts val="0"/>
+              </a:spcBef>
+            </a:pPr>
+            <a:r>
+              <a:rPr lang="en-US" b="1" dirty="0"/>
+              <a:t>Vulnerability found using </a:t>
+            </a:r>
+            <a:r>
+              <a:rPr lang="en-US" b="1" dirty="0" err="1"/>
+              <a:t>Nikto</a:t>
+            </a:r>
+            <a:r>
+              <a:rPr lang="en-US" b="1" dirty="0"/>
+              <a:t> software</a:t>
+            </a:r>
+          </a:p>
+          <a:p>
+            <a:pPr>
+              <a:lnSpc>
+                <a:spcPct val="100000"/>
+              </a:lnSpc>
+              <a:spcBef>
+                <a:spcPts val="0"/>
+              </a:spcBef>
+            </a:pPr>
+            <a:endParaRPr lang="en-US" b="1" dirty="0"/>
+          </a:p>
+          <a:p>
+            <a:pPr>
+              <a:lnSpc>
+                <a:spcPct val="100000"/>
+              </a:lnSpc>
+              <a:spcBef>
+                <a:spcPts val="0"/>
+              </a:spcBef>
+            </a:pPr>
+            <a:r>
+              <a:rPr lang="en-US" i="1" dirty="0" err="1"/>
+              <a:t>CloudserviceSite</a:t>
+            </a:r>
+            <a:r>
+              <a:rPr lang="en-US" i="1" dirty="0"/>
+              <a:t>/</a:t>
+            </a:r>
+            <a:r>
+              <a:rPr lang="en-US" i="1" dirty="0" err="1"/>
+              <a:t>SePrWebsite</a:t>
+            </a:r>
+            <a:r>
+              <a:rPr lang="en-US" i="1" dirty="0"/>
+              <a:t>/</a:t>
+            </a:r>
+            <a:r>
+              <a:rPr lang="en-US" i="1" dirty="0" err="1"/>
+              <a:t>index.php</a:t>
+            </a:r>
+            <a:r>
+              <a:rPr lang="en-US" i="1" dirty="0"/>
+              <a:t>/sips/</a:t>
+            </a:r>
+            <a:r>
+              <a:rPr lang="en-US" i="1" dirty="0" err="1"/>
+              <a:t>sipssys</a:t>
+            </a:r>
+            <a:r>
+              <a:rPr lang="en-US" i="1" dirty="0"/>
+              <a:t>/users/a/admin/user</a:t>
+            </a:r>
+            <a:r>
+              <a:rPr lang="en-US" dirty="0"/>
+              <a:t>: </a:t>
+            </a:r>
+          </a:p>
+          <a:p>
+            <a:pPr>
+              <a:lnSpc>
+                <a:spcPct val="100000"/>
+              </a:lnSpc>
+              <a:spcBef>
+                <a:spcPts val="0"/>
+              </a:spcBef>
+            </a:pPr>
+            <a:endParaRPr lang="en-US" dirty="0"/>
+          </a:p>
+          <a:p>
+            <a:pPr>
+              <a:lnSpc>
+                <a:spcPct val="100000"/>
+              </a:lnSpc>
+              <a:spcBef>
+                <a:spcPts val="0"/>
+              </a:spcBef>
+            </a:pPr>
+            <a:r>
+              <a:rPr lang="en-US" b="1" dirty="0"/>
+              <a:t>SIPS v0.2.2 allows user account info (including password) to be retrieved remotely.</a:t>
+            </a:r>
+            <a:endParaRPr lang="de-DE" b="1" dirty="0"/>
+          </a:p>
+        </p:txBody>
+      </p:sp>
+    </p:spTree>
+    <p:extLst>
+      <p:ext uri="{BB962C8B-B14F-4D97-AF65-F5344CB8AC3E}">
+        <p14:creationId xmlns:p14="http://schemas.microsoft.com/office/powerpoint/2010/main" val="2126702842"/>
+      </p:ext>
+    </p:extLst>
+  </p:cSld>
+  <p:clrMapOvr>
+    <a:masterClrMapping/>
+  </p:clrMapOvr>
+</p:sld>
+</file>
+
+<file path=ppt/slides/slide7.xml><?xml version="1.0" encoding="utf-8"?>
+<p:sld xmlns:a="http://schemas.openxmlformats.org/drawingml/2006/main" xmlns:r="http://schemas.openxmlformats.org/officeDocument/2006/relationships" xmlns:p="http://schemas.openxmlformats.org/presentationml/2006/main">
+  <p:cSld>
+    <p:spTree>
+      <p:nvGrpSpPr>
+        <p:cNvPr id="1" name=""/>
+        <p:cNvGrpSpPr/>
+        <p:nvPr/>
+      </p:nvGrpSpPr>
+      <p:grpSpPr>
+        <a:xfrm>
+          <a:off x="0" y="0"/>
+          <a:ext cx="0" cy="0"/>
+          <a:chOff x="0" y="0"/>
+          <a:chExt cx="0" cy="0"/>
+        </a:xfrm>
+      </p:grpSpPr>
+      <p:sp>
+        <p:nvSpPr>
+          <p:cNvPr id="2" name="Title 1"/>
+          <p:cNvSpPr>
+            <a:spLocks noGrp="1"/>
+          </p:cNvSpPr>
+          <p:nvPr>
+            <p:ph type="title"/>
+          </p:nvPr>
+        </p:nvSpPr>
+        <p:spPr/>
+        <p:txBody>
+          <a:bodyPr/>
+          <a:lstStyle/>
+          <a:p>
+            <a:endParaRPr lang="en-US"/>
+          </a:p>
+        </p:txBody>
+      </p:sp>
+      <p:sp>
+        <p:nvSpPr>
+          <p:cNvPr id="3" name="Content Placeholder 2"/>
+          <p:cNvSpPr>
+            <a:spLocks noGrp="1"/>
+          </p:cNvSpPr>
+          <p:nvPr>
+            <p:ph idx="1"/>
+          </p:nvPr>
+        </p:nvSpPr>
+        <p:spPr/>
+        <p:txBody>
+          <a:bodyPr/>
+          <a:lstStyle/>
+          <a:p>
+            <a:endParaRPr lang="en-US"/>
+          </a:p>
+        </p:txBody>
+      </p:sp>
+      <p:pic>
+        <p:nvPicPr>
+          <p:cNvPr id="2050" name="Picture 2" descr="vulnerabilityFound in nikto"/>
+          <p:cNvPicPr>
+            <a:picLocks noChangeAspect="1" noChangeArrowheads="1"/>
+          </p:cNvPicPr>
+          <p:nvPr/>
+        </p:nvPicPr>
+        <p:blipFill>
+          <a:blip r:embed="rId2">
+            <a:extLst>
+              <a:ext uri="{28A0092B-C50C-407E-A947-70E740481C1C}">
+                <a14:useLocalDpi xmlns:a14="http://schemas.microsoft.com/office/drawing/2010/main" val="0"/>
+              </a:ext>
+            </a:extLst>
+          </a:blip>
+          <a:srcRect/>
+          <a:stretch>
+            <a:fillRect/>
+          </a:stretch>
+        </p:blipFill>
+        <p:spPr bwMode="auto">
+          <a:xfrm>
+            <a:off x="3175" y="3174"/>
+            <a:ext cx="12474686" cy="7019925"/>
+          </a:xfrm>
+          <a:prstGeom prst="rect">
+            <a:avLst/>
+          </a:prstGeom>
+          <a:noFill/>
+          <a:ln>
+            <a:noFill/>
+          </a:ln>
+          <a:extLst>
+            <a:ext uri="{909E8E84-426E-40DD-AFC4-6F175D3DCCD1}">
+              <a14:hiddenFill xmlns:a14="http://schemas.microsoft.com/office/drawing/2010/main">
+                <a:solidFill>
+                  <a:srgbClr val="FFFFFF"/>
+                </a:solidFill>
+              </a14:hiddenFill>
+            </a:ext>
+            <a:ext uri="{91240B29-F687-4F45-9708-019B960494DF}">
+              <a14:hiddenLine xmlns:a14="http://schemas.microsoft.com/office/drawing/2010/main" w="9525">
+                <a:solidFill>
+                  <a:srgbClr val="000000"/>
+                </a:solidFill>
+                <a:miter lim="800000"/>
+                <a:headEnd/>
+                <a:tailEnd/>
+              </a14:hiddenLine>
+            </a:ext>
+          </a:extLst>
+        </p:spPr>
+      </p:pic>
+    </p:spTree>
+    <p:extLst>
+      <p:ext uri="{BB962C8B-B14F-4D97-AF65-F5344CB8AC3E}">
+        <p14:creationId xmlns:p14="http://schemas.microsoft.com/office/powerpoint/2010/main" val="4028307011"/>
+      </p:ext>
+    </p:extLst>
+  </p:cSld>
+  <p:clrMapOvr>
+    <a:masterClrMapping/>
+  </p:clrMapOvr>
+</p:sld>
+</file>
+
+<file path=ppt/slides/slide8.xml><?xml version="1.0" encoding="utf-8"?>
+<p:sld xmlns:a="http://schemas.openxmlformats.org/drawingml/2006/main" xmlns:r="http://schemas.openxmlformats.org/officeDocument/2006/relationships" xmlns:p="http://schemas.openxmlformats.org/presentationml/2006/main">
+  <p:cSld>
+    <p:spTree>
+      <p:nvGrpSpPr>
+        <p:cNvPr id="1" name=""/>
+        <p:cNvGrpSpPr/>
+        <p:nvPr/>
+      </p:nvGrpSpPr>
+      <p:grpSpPr>
+        <a:xfrm>
+          <a:off x="0" y="0"/>
+          <a:ext cx="0" cy="0"/>
+          <a:chOff x="0" y="0"/>
+          <a:chExt cx="0" cy="0"/>
+        </a:xfrm>
+      </p:grpSpPr>
+      <p:sp>
+        <p:nvSpPr>
+          <p:cNvPr id="2" name="Title 1"/>
+          <p:cNvSpPr>
+            <a:spLocks noGrp="1"/>
+          </p:cNvSpPr>
+          <p:nvPr>
+            <p:ph type="ctrTitle"/>
+          </p:nvPr>
+        </p:nvSpPr>
+        <p:spPr>
+          <a:xfrm>
+            <a:off x="603504" y="4116227"/>
+            <a:ext cx="10782300" cy="1336524"/>
+          </a:xfrm>
+        </p:spPr>
+        <p:txBody>
+          <a:bodyPr/>
+          <a:lstStyle/>
+          <a:p>
+            <a:pPr algn="r"/>
+            <a:r>
+              <a:rPr lang="en-US" sz="7200" dirty="0">
+                <a:latin typeface="Open sans" panose="020B0606030504020204" pitchFamily="34" charset="0"/>
+                <a:ea typeface="Open sans" panose="020B0606030504020204" pitchFamily="34" charset="0"/>
+                <a:cs typeface="Open sans" panose="020B0606030504020204" pitchFamily="34" charset="0"/>
+              </a:rPr>
+              <a:t>XSS Vulnerability</a:t>
+            </a:r>
+            <a:endParaRPr lang="en-US" sz="6600" dirty="0"/>
+          </a:p>
+        </p:txBody>
+      </p:sp>
+      <p:sp>
+        <p:nvSpPr>
+          <p:cNvPr id="3" name="Subtitle 2"/>
+          <p:cNvSpPr>
+            <a:spLocks noGrp="1"/>
+          </p:cNvSpPr>
+          <p:nvPr>
+            <p:ph type="subTitle" idx="1"/>
+          </p:nvPr>
+        </p:nvSpPr>
+        <p:spPr>
+          <a:xfrm>
+            <a:off x="799447" y="2148114"/>
+            <a:ext cx="10353235" cy="1968113"/>
+          </a:xfrm>
+        </p:spPr>
+        <p:txBody>
+          <a:bodyPr>
+            <a:normAutofit/>
+          </a:bodyPr>
+          <a:lstStyle/>
+          <a:p>
+            <a:pPr>
+              <a:lnSpc>
+                <a:spcPct val="100000"/>
+              </a:lnSpc>
+              <a:spcBef>
+                <a:spcPts val="0"/>
+              </a:spcBef>
+            </a:pPr>
+            <a:r>
+              <a:rPr lang="en-US" dirty="0"/>
+              <a:t>Web Browser XSS Protection is not enabled, or is disabled by the configuration of the 'X-XSS-Protection' HTTP response header on the web server</a:t>
+            </a:r>
+            <a:endParaRPr lang="en-US" b="1" dirty="0"/>
+          </a:p>
+        </p:txBody>
+      </p:sp>
+    </p:spTree>
+    <p:extLst>
+      <p:ext uri="{BB962C8B-B14F-4D97-AF65-F5344CB8AC3E}">
+        <p14:creationId xmlns:p14="http://schemas.microsoft.com/office/powerpoint/2010/main" val="767117228"/>
+      </p:ext>
+    </p:extLst>
+  </p:cSld>
+  <p:clrMapOvr>
+    <a:masterClrMapping/>
+  </p:clrMapOvr>
+</p:sld>
+</file>
+
+<file path=ppt/slides/slide9.xml><?xml version="1.0" encoding="utf-8"?>
+<p:sld xmlns:a="http://schemas.openxmlformats.org/drawingml/2006/main" xmlns:r="http://schemas.openxmlformats.org/officeDocument/2006/relationships" xmlns:p="http://schemas.openxmlformats.org/presentationml/2006/main">
+  <p:cSld>
+    <p:spTree>
+      <p:nvGrpSpPr>
+        <p:cNvPr id="1" name=""/>
+        <p:cNvGrpSpPr/>
+        <p:nvPr/>
+      </p:nvGrpSpPr>
+      <p:grpSpPr>
+        <a:xfrm>
+          <a:off x="0" y="0"/>
+          <a:ext cx="0" cy="0"/>
+          <a:chOff x="0" y="0"/>
+          <a:chExt cx="0" cy="0"/>
+        </a:xfrm>
+      </p:grpSpPr>
+      <p:sp>
+        <p:nvSpPr>
+          <p:cNvPr id="2" name="Title 1"/>
+          <p:cNvSpPr>
+            <a:spLocks noGrp="1"/>
+          </p:cNvSpPr>
+          <p:nvPr>
+            <p:ph type="title"/>
+          </p:nvPr>
+        </p:nvSpPr>
+        <p:spPr/>
+        <p:txBody>
+          <a:bodyPr/>
+          <a:lstStyle/>
+          <a:p>
+            <a:endParaRPr lang="en-US"/>
+          </a:p>
+        </p:txBody>
+      </p:sp>
+      <p:sp>
+        <p:nvSpPr>
+          <p:cNvPr id="3" name="Content Placeholder 2"/>
+          <p:cNvSpPr>
+            <a:spLocks noGrp="1"/>
+          </p:cNvSpPr>
+          <p:nvPr>
+            <p:ph idx="1"/>
+          </p:nvPr>
+        </p:nvSpPr>
+        <p:spPr/>
+        <p:txBody>
+          <a:bodyPr/>
+          <a:lstStyle/>
+          <a:p>
+            <a:endParaRPr lang="en-US"/>
+          </a:p>
+        </p:txBody>
+      </p:sp>
+      <p:pic>
+        <p:nvPicPr>
+          <p:cNvPr id="3074" name="Picture 2" descr="OWASP ZAP no major vulnerabilities"/>
+          <p:cNvPicPr>
+            <a:picLocks noChangeAspect="1" noChangeArrowheads="1"/>
+          </p:cNvPicPr>
+          <p:nvPr/>
+        </p:nvPicPr>
+        <p:blipFill>
+          <a:blip r:embed="rId2">
+            <a:extLst>
+              <a:ext uri="{28A0092B-C50C-407E-A947-70E740481C1C}">
+                <a14:useLocalDpi xmlns:a14="http://schemas.microsoft.com/office/drawing/2010/main" val="0"/>
+              </a:ext>
+            </a:extLst>
+          </a:blip>
+          <a:srcRect/>
+          <a:stretch>
+            <a:fillRect/>
+          </a:stretch>
+        </p:blipFill>
+        <p:spPr bwMode="auto">
+          <a:xfrm>
+            <a:off x="4763" y="4762"/>
+            <a:ext cx="12727752" cy="7158037"/>
+          </a:xfrm>
+          <a:prstGeom prst="rect">
+            <a:avLst/>
+          </a:prstGeom>
+          <a:noFill/>
+          <a:ln>
+            <a:noFill/>
+          </a:ln>
+          <a:extLst>
+            <a:ext uri="{909E8E84-426E-40DD-AFC4-6F175D3DCCD1}">
+              <a14:hiddenFill xmlns:a14="http://schemas.microsoft.com/office/drawing/2010/main">
+                <a:solidFill>
+                  <a:srgbClr val="FFFFFF"/>
+                </a:solidFill>
+              </a14:hiddenFill>
+            </a:ext>
+            <a:ext uri="{91240B29-F687-4F45-9708-019B960494DF}">
+              <a14:hiddenLine xmlns:a14="http://schemas.microsoft.com/office/drawing/2010/main" w="9525">
+                <a:solidFill>
+                  <a:srgbClr val="000000"/>
+                </a:solidFill>
+                <a:miter lim="800000"/>
+                <a:headEnd/>
+                <a:tailEnd/>
+              </a14:hiddenLine>
+            </a:ext>
+          </a:extLst>
+        </p:spPr>
+      </p:pic>
+    </p:spTree>
+    <p:extLst>
+      <p:ext uri="{BB962C8B-B14F-4D97-AF65-F5344CB8AC3E}">
+        <p14:creationId xmlns:p14="http://schemas.microsoft.com/office/powerpoint/2010/main" val="2625878703"/>
       </p:ext>
     </p:extLst>
   </p:cSld>
@@ -4125,9 +5222,9 @@
 </file>
 
 <file path=ppt/theme/theme1.xml><?xml version="1.0" encoding="utf-8"?>
-<a:theme xmlns:a="http://schemas.openxmlformats.org/drawingml/2006/main" name="Office Theme">
+<a:theme xmlns:a="http://schemas.openxmlformats.org/drawingml/2006/main" name="Metropolitan">
   <a:themeElements>
-    <a:clrScheme name="Office">
+    <a:clrScheme name="Metropolitan">
       <a:dk1>
         <a:sysClr val="windowText" lastClr="000000"/>
       </a:dk1>
@@ -4135,44 +5232,44 @@
         <a:sysClr val="window" lastClr="FFFFFF"/>
       </a:lt1>
       <a:dk2>
-        <a:srgbClr val="44546A"/>
+        <a:srgbClr val="424456"/>
       </a:dk2>
       <a:lt2>
-        <a:srgbClr val="E7E6E6"/>
+        <a:srgbClr val="DEDEDE"/>
       </a:lt2>
       <a:accent1>
-        <a:srgbClr val="5B9BD5"/>
+        <a:srgbClr val="53548A"/>
       </a:accent1>
       <a:accent2>
-        <a:srgbClr val="ED7D31"/>
+        <a:srgbClr val="438086"/>
       </a:accent2>
       <a:accent3>
-        <a:srgbClr val="A5A5A5"/>
+        <a:srgbClr val="A04DA3"/>
       </a:accent3>
       <a:accent4>
-        <a:srgbClr val="FFC000"/>
+        <a:srgbClr val="C4652D"/>
       </a:accent4>
       <a:accent5>
-        <a:srgbClr val="4472C4"/>
+        <a:srgbClr val="8B5D3D"/>
       </a:accent5>
       <a:accent6>
-        <a:srgbClr val="70AD47"/>
+        <a:srgbClr val="5C92B5"/>
       </a:accent6>
       <a:hlink>
-        <a:srgbClr val="0563C1"/>
+        <a:srgbClr val="67AFBD"/>
       </a:hlink>
       <a:folHlink>
-        <a:srgbClr val="954F72"/>
+        <a:srgbClr val="C2A874"/>
       </a:folHlink>
     </a:clrScheme>
-    <a:fontScheme name="Office">
+    <a:fontScheme name="Metropolitan">
       <a:majorFont>
         <a:latin typeface="Calibri Light" panose="020F0302020204030204"/>
         <a:ea typeface=""/>
         <a:cs typeface=""/>
-        <a:font script="Jpan" typeface="游ゴシック Light"/>
+        <a:font script="Jpan" typeface="ＭＳ Ｐゴシック"/>
         <a:font script="Hang" typeface="맑은 고딕"/>
-        <a:font script="Hans" typeface="等线 Light"/>
+        <a:font script="Hans" typeface="宋体"/>
         <a:font script="Hant" typeface="新細明體"/>
         <a:font script="Arab" typeface="Times New Roman"/>
         <a:font script="Hebr" typeface="Times New Roman"/>
@@ -4200,39 +5297,22 @@
         <a:font script="Viet" typeface="Times New Roman"/>
         <a:font script="Uigh" typeface="Microsoft Uighur"/>
         <a:font script="Geor" typeface="Sylfaen"/>
-        <a:font script="Armn" typeface="Arial"/>
-        <a:font script="Bugi" typeface="Leelawadee UI"/>
-        <a:font script="Bopo" typeface="Microsoft JhengHei"/>
-        <a:font script="Java" typeface="Javanese Text"/>
-        <a:font script="Lisu" typeface="Segoe UI"/>
-        <a:font script="Mymr" typeface="Myanmar Text"/>
-        <a:font script="Nkoo" typeface="Ebrima"/>
-        <a:font script="Olck" typeface="Nirmala UI"/>
-        <a:font script="Osma" typeface="Ebrima"/>
-        <a:font script="Phag" typeface="Phagspa"/>
-        <a:font script="Syrn" typeface="Estrangelo Edessa"/>
-        <a:font script="Syrj" typeface="Estrangelo Edessa"/>
-        <a:font script="Syre" typeface="Estrangelo Edessa"/>
-        <a:font script="Sora" typeface="Nirmala UI"/>
-        <a:font script="Tale" typeface="Microsoft Tai Le"/>
-        <a:font script="Talu" typeface="Microsoft New Tai Lue"/>
-        <a:font script="Tfng" typeface="Ebrima"/>
       </a:majorFont>
       <a:minorFont>
-        <a:latin typeface="Calibri" panose="020F0502020204030204"/>
+        <a:latin typeface="Calibri Light" panose="020F0302020204030204"/>
         <a:ea typeface=""/>
         <a:cs typeface=""/>
-        <a:font script="Jpan" typeface="游ゴシック"/>
+        <a:font script="Jpan" typeface="ＭＳ Ｐゴシック"/>
         <a:font script="Hang" typeface="맑은 고딕"/>
-        <a:font script="Hans" typeface="等线"/>
+        <a:font script="Hans" typeface="宋体"/>
         <a:font script="Hant" typeface="新細明體"/>
-        <a:font script="Arab" typeface="Arial"/>
-        <a:font script="Hebr" typeface="Arial"/>
-        <a:font script="Thai" typeface="Cordia New"/>
+        <a:font script="Arab" typeface="Times New Roman"/>
+        <a:font script="Hebr" typeface="Times New Roman"/>
+        <a:font script="Thai" typeface="Angsana New"/>
         <a:font script="Ethi" typeface="Nyala"/>
         <a:font script="Beng" typeface="Vrinda"/>
         <a:font script="Gujr" typeface="Shruti"/>
-        <a:font script="Khmr" typeface="DaunPenh"/>
+        <a:font script="Khmr" typeface="MoolBoran"/>
         <a:font script="Knda" typeface="Tunga"/>
         <a:font script="Guru" typeface="Raavi"/>
         <a:font script="Cans" typeface="Euphemia"/>
@@ -4249,29 +5329,12 @@
         <a:font script="Laoo" typeface="DokChampa"/>
         <a:font script="Sinh" typeface="Iskoola Pota"/>
         <a:font script="Mong" typeface="Mongolian Baiti"/>
-        <a:font script="Viet" typeface="Arial"/>
+        <a:font script="Viet" typeface="Times New Roman"/>
         <a:font script="Uigh" typeface="Microsoft Uighur"/>
         <a:font script="Geor" typeface="Sylfaen"/>
-        <a:font script="Armn" typeface="Arial"/>
-        <a:font script="Bugi" typeface="Leelawadee UI"/>
-        <a:font script="Bopo" typeface="Microsoft JhengHei"/>
-        <a:font script="Java" typeface="Javanese Text"/>
-        <a:font script="Lisu" typeface="Segoe UI"/>
-        <a:font script="Mymr" typeface="Myanmar Text"/>
-        <a:font script="Nkoo" typeface="Ebrima"/>
-        <a:font script="Olck" typeface="Nirmala UI"/>
-        <a:font script="Osma" typeface="Ebrima"/>
-        <a:font script="Phag" typeface="Phagspa"/>
-        <a:font script="Syrn" typeface="Estrangelo Edessa"/>
-        <a:font script="Syrj" typeface="Estrangelo Edessa"/>
-        <a:font script="Syre" typeface="Estrangelo Edessa"/>
-        <a:font script="Sora" typeface="Nirmala UI"/>
-        <a:font script="Tale" typeface="Microsoft Tai Le"/>
-        <a:font script="Talu" typeface="Microsoft New Tai Lue"/>
-        <a:font script="Tfng" typeface="Ebrima"/>
       </a:minorFont>
     </a:fontScheme>
-    <a:fmtScheme name="Office">
+    <a:fmtScheme name="Metropolitan">
       <a:fillStyleLst>
         <a:solidFill>
           <a:schemeClr val="phClr"/>
@@ -4280,76 +5343,73 @@
           <a:gsLst>
             <a:gs pos="0">
               <a:schemeClr val="phClr">
+                <a:tint val="70000"/>
+                <a:satMod val="100000"/>
                 <a:lumMod val="110000"/>
-                <a:satMod val="105000"/>
-                <a:tint val="67000"/>
               </a:schemeClr>
             </a:gs>
             <a:gs pos="50000">
               <a:schemeClr val="phClr">
+                <a:tint val="75000"/>
+                <a:satMod val="101000"/>
                 <a:lumMod val="105000"/>
-                <a:satMod val="103000"/>
-                <a:tint val="73000"/>
               </a:schemeClr>
             </a:gs>
             <a:gs pos="100000">
               <a:schemeClr val="phClr">
+                <a:tint val="82000"/>
+                <a:satMod val="104000"/>
                 <a:lumMod val="105000"/>
-                <a:satMod val="109000"/>
-                <a:tint val="81000"/>
               </a:schemeClr>
             </a:gs>
           </a:gsLst>
-          <a:lin ang="5400000" scaled="0"/>
+          <a:lin ang="2700000" scaled="0"/>
         </a:gradFill>
         <a:gradFill rotWithShape="1">
           <a:gsLst>
             <a:gs pos="0">
               <a:schemeClr val="phClr">
-                <a:satMod val="103000"/>
+                <a:tint val="97000"/>
+                <a:satMod val="100000"/>
                 <a:lumMod val="102000"/>
-                <a:tint val="94000"/>
               </a:schemeClr>
             </a:gs>
             <a:gs pos="50000">
               <a:schemeClr val="phClr">
-                <a:satMod val="110000"/>
+                <a:shade val="100000"/>
+                <a:satMod val="100000"/>
                 <a:lumMod val="100000"/>
-                <a:shade val="100000"/>
               </a:schemeClr>
             </a:gs>
             <a:gs pos="100000">
               <a:schemeClr val="phClr">
+                <a:shade val="80000"/>
+                <a:satMod val="100000"/>
                 <a:lumMod val="99000"/>
-                <a:satMod val="120000"/>
-                <a:shade val="78000"/>
               </a:schemeClr>
             </a:gs>
           </a:gsLst>
-          <a:lin ang="5400000" scaled="0"/>
+          <a:lin ang="2700000" scaled="0"/>
         </a:gradFill>
       </a:fillStyleLst>
       <a:lnStyleLst>
-        <a:ln w="6350" cap="flat" cmpd="sng" algn="ctr">
+        <a:ln w="9525" cap="flat" cmpd="sng" algn="ctr">
           <a:solidFill>
             <a:schemeClr val="phClr"/>
           </a:solidFill>
           <a:prstDash val="solid"/>
-          <a:miter lim="800000"/>
         </a:ln>
         <a:ln w="12700" cap="flat" cmpd="sng" algn="ctr">
           <a:solidFill>
             <a:schemeClr val="phClr"/>
           </a:solidFill>
           <a:prstDash val="solid"/>
-          <a:miter lim="800000"/>
         </a:ln>
         <a:ln w="19050" cap="flat" cmpd="sng" algn="ctr">
           <a:solidFill>
             <a:schemeClr val="phClr"/>
           </a:solidFill>
           <a:prstDash val="solid"/>
-          <a:miter lim="800000"/>
         </a:ln>
       </a:lnStyleLst>
       <a:effectStyleLst>
@@ -4379,33 +5439,12 @@
             <a:satMod val="170000"/>
           </a:schemeClr>
         </a:solidFill>
-        <a:gradFill rotWithShape="1">
-          <a:gsLst>
-            <a:gs pos="0">
-              <a:schemeClr val="phClr">
-                <a:tint val="93000"/>
-                <a:satMod val="150000"/>
-                <a:shade val="98000"/>
-                <a:lumMod val="102000"/>
-              </a:schemeClr>
-            </a:gs>
-            <a:gs pos="50000">
-              <a:schemeClr val="phClr">
-                <a:tint val="98000"/>
-                <a:satMod val="130000"/>
-                <a:shade val="90000"/>
-                <a:lumMod val="103000"/>
-              </a:schemeClr>
-            </a:gs>
-            <a:gs pos="100000">
-              <a:schemeClr val="phClr">
-                <a:shade val="63000"/>
-                <a:satMod val="120000"/>
-              </a:schemeClr>
-            </a:gs>
-          </a:gsLst>
-          <a:lin ang="5400000" scaled="0"/>
-        </a:gradFill>
+        <a:solidFill>
+          <a:schemeClr val="phClr">
+            <a:shade val="95000"/>
+            <a:satMod val="170000"/>
+          </a:schemeClr>
+        </a:solidFill>
       </a:bgFillStyleLst>
     </a:fmtScheme>
   </a:themeElements>
@@ -4413,7 +5452,7 @@
   <a:extraClrSchemeLst/>
   <a:extLst>
     <a:ext uri="{05A4C25C-085E-4340-85A3-A5531E510DB2}">
-      <thm15:themeFamily xmlns:thm15="http://schemas.microsoft.com/office/thememl/2012/main" name="Office Theme" id="{62F939B6-93AF-4DB8-9C6B-D6C7DFDC589F}" vid="{4A3C46E8-61CC-4603-A589-7422A47A8E4A}"/>
+      <thm15:themeFamily xmlns:thm15="http://schemas.microsoft.com/office/thememl/2012/main" name="Metropolitan" id="{4C5440D6-04D2-4954-96CF-F251137069B2}" vid="{44E3BB9A-3BF5-4BE4-90CF-48BFABC78514}"/>
     </a:ext>
   </a:extLst>
 </a:theme>

--- a/Documentation/Final Presentation SePr.pptx
+++ b/Documentation/Final Presentation SePr.pptx
@@ -5,7 +5,7 @@
     <p:sldMasterId id="2147483696" r:id="rId1"/>
   </p:sldMasterIdLst>
   <p:notesMasterIdLst>
-    <p:notesMasterId r:id="rId11"/>
+    <p:notesMasterId r:id="rId15"/>
   </p:notesMasterIdLst>
   <p:sldIdLst>
     <p:sldId id="256" r:id="rId2"/>
@@ -13,10 +13,14 @@
     <p:sldId id="262" r:id="rId4"/>
     <p:sldId id="263" r:id="rId5"/>
     <p:sldId id="264" r:id="rId6"/>
-    <p:sldId id="265" r:id="rId7"/>
-    <p:sldId id="266" r:id="rId8"/>
-    <p:sldId id="267" r:id="rId9"/>
-    <p:sldId id="268" r:id="rId10"/>
+    <p:sldId id="271" r:id="rId7"/>
+    <p:sldId id="265" r:id="rId8"/>
+    <p:sldId id="266" r:id="rId9"/>
+    <p:sldId id="267" r:id="rId10"/>
+    <p:sldId id="268" r:id="rId11"/>
+    <p:sldId id="269" r:id="rId12"/>
+    <p:sldId id="270" r:id="rId13"/>
+    <p:sldId id="272" r:id="rId14"/>
   </p:sldIdLst>
   <p:sldSz cx="12192000" cy="6858000"/>
   <p:notesSz cx="6858000" cy="9144000"/>
@@ -556,6 +560,90 @@
 </p:notes>
 </file>
 
+<file path=ppt/notesSlides/notesSlide10.xml><?xml version="1.0" encoding="utf-8"?>
+<p:notes xmlns:a="http://schemas.openxmlformats.org/drawingml/2006/main" xmlns:r="http://schemas.openxmlformats.org/officeDocument/2006/relationships" xmlns:p="http://schemas.openxmlformats.org/presentationml/2006/main">
+  <p:cSld>
+    <p:spTree>
+      <p:nvGrpSpPr>
+        <p:cNvPr id="1" name=""/>
+        <p:cNvGrpSpPr/>
+        <p:nvPr/>
+      </p:nvGrpSpPr>
+      <p:grpSpPr>
+        <a:xfrm>
+          <a:off x="0" y="0"/>
+          <a:ext cx="0" cy="0"/>
+          <a:chOff x="0" y="0"/>
+          <a:chExt cx="0" cy="0"/>
+        </a:xfrm>
+      </p:grpSpPr>
+      <p:sp>
+        <p:nvSpPr>
+          <p:cNvPr id="2" name="Slide Image Placeholder 1"/>
+          <p:cNvSpPr>
+            <a:spLocks noGrp="1" noRot="1" noChangeAspect="1"/>
+          </p:cNvSpPr>
+          <p:nvPr>
+            <p:ph type="sldImg"/>
+          </p:nvPr>
+        </p:nvSpPr>
+        <p:spPr/>
+      </p:sp>
+      <p:sp>
+        <p:nvSpPr>
+          <p:cNvPr id="3" name="Notes Placeholder 2"/>
+          <p:cNvSpPr>
+            <a:spLocks noGrp="1"/>
+          </p:cNvSpPr>
+          <p:nvPr>
+            <p:ph type="body" idx="1"/>
+          </p:nvPr>
+        </p:nvSpPr>
+        <p:spPr/>
+        <p:txBody>
+          <a:bodyPr/>
+          <a:lstStyle/>
+          <a:p>
+            <a:endParaRPr lang="en-US" dirty="0"/>
+          </a:p>
+        </p:txBody>
+      </p:sp>
+      <p:sp>
+        <p:nvSpPr>
+          <p:cNvPr id="4" name="Slide Number Placeholder 3"/>
+          <p:cNvSpPr>
+            <a:spLocks noGrp="1"/>
+          </p:cNvSpPr>
+          <p:nvPr>
+            <p:ph type="sldNum" sz="quarter" idx="10"/>
+          </p:nvPr>
+        </p:nvSpPr>
+        <p:spPr/>
+        <p:txBody>
+          <a:bodyPr/>
+          <a:lstStyle/>
+          <a:p>
+            <a:fld id="{53E6C0B4-FA9C-42C0-A6E5-06851424880F}" type="slidenum">
+              <a:rPr lang="en-US" smtClean="0"/>
+              <a:t>13</a:t>
+            </a:fld>
+            <a:endParaRPr lang="en-US"/>
+          </a:p>
+        </p:txBody>
+      </p:sp>
+    </p:spTree>
+    <p:extLst>
+      <p:ext uri="{BB962C8B-B14F-4D97-AF65-F5344CB8AC3E}">
+        <p14:creationId xmlns:p14="http://schemas.microsoft.com/office/powerpoint/2010/main" val="749778239"/>
+      </p:ext>
+    </p:extLst>
+  </p:cSld>
+  <p:clrMapOvr>
+    <a:masterClrMapping/>
+  </p:clrMapOvr>
+</p:notes>
+</file>
+
 <file path=ppt/notesSlides/notesSlide2.xml><?xml version="1.0" encoding="utf-8"?>
 <p:notes xmlns:a="http://schemas.openxmlformats.org/drawingml/2006/main" xmlns:r="http://schemas.openxmlformats.org/officeDocument/2006/relationships" xmlns:p="http://schemas.openxmlformats.org/presentationml/2006/main">
   <p:cSld>
@@ -998,7 +1086,7 @@
     </p:spTree>
     <p:extLst>
       <p:ext uri="{BB962C8B-B14F-4D97-AF65-F5344CB8AC3E}">
-        <p14:creationId xmlns:p14="http://schemas.microsoft.com/office/powerpoint/2010/main" val="800817665"/>
+        <p14:creationId xmlns:p14="http://schemas.microsoft.com/office/powerpoint/2010/main" val="3669827455"/>
       </p:ext>
     </p:extLst>
   </p:cSld>
@@ -1073,7 +1161,91 @@
           <a:p>
             <a:fld id="{53E6C0B4-FA9C-42C0-A6E5-06851424880F}" type="slidenum">
               <a:rPr lang="en-US" smtClean="0"/>
-              <a:t>8</a:t>
+              <a:t>7</a:t>
+            </a:fld>
+            <a:endParaRPr lang="en-US"/>
+          </a:p>
+        </p:txBody>
+      </p:sp>
+    </p:spTree>
+    <p:extLst>
+      <p:ext uri="{BB962C8B-B14F-4D97-AF65-F5344CB8AC3E}">
+        <p14:creationId xmlns:p14="http://schemas.microsoft.com/office/powerpoint/2010/main" val="800817665"/>
+      </p:ext>
+    </p:extLst>
+  </p:cSld>
+  <p:clrMapOvr>
+    <a:masterClrMapping/>
+  </p:clrMapOvr>
+</p:notes>
+</file>
+
+<file path=ppt/notesSlides/notesSlide8.xml><?xml version="1.0" encoding="utf-8"?>
+<p:notes xmlns:a="http://schemas.openxmlformats.org/drawingml/2006/main" xmlns:r="http://schemas.openxmlformats.org/officeDocument/2006/relationships" xmlns:p="http://schemas.openxmlformats.org/presentationml/2006/main">
+  <p:cSld>
+    <p:spTree>
+      <p:nvGrpSpPr>
+        <p:cNvPr id="1" name=""/>
+        <p:cNvGrpSpPr/>
+        <p:nvPr/>
+      </p:nvGrpSpPr>
+      <p:grpSpPr>
+        <a:xfrm>
+          <a:off x="0" y="0"/>
+          <a:ext cx="0" cy="0"/>
+          <a:chOff x="0" y="0"/>
+          <a:chExt cx="0" cy="0"/>
+        </a:xfrm>
+      </p:grpSpPr>
+      <p:sp>
+        <p:nvSpPr>
+          <p:cNvPr id="2" name="Slide Image Placeholder 1"/>
+          <p:cNvSpPr>
+            <a:spLocks noGrp="1" noRot="1" noChangeAspect="1"/>
+          </p:cNvSpPr>
+          <p:nvPr>
+            <p:ph type="sldImg"/>
+          </p:nvPr>
+        </p:nvSpPr>
+        <p:spPr/>
+      </p:sp>
+      <p:sp>
+        <p:nvSpPr>
+          <p:cNvPr id="3" name="Notes Placeholder 2"/>
+          <p:cNvSpPr>
+            <a:spLocks noGrp="1"/>
+          </p:cNvSpPr>
+          <p:nvPr>
+            <p:ph type="body" idx="1"/>
+          </p:nvPr>
+        </p:nvSpPr>
+        <p:spPr/>
+        <p:txBody>
+          <a:bodyPr/>
+          <a:lstStyle/>
+          <a:p>
+            <a:endParaRPr lang="en-US" dirty="0"/>
+          </a:p>
+        </p:txBody>
+      </p:sp>
+      <p:sp>
+        <p:nvSpPr>
+          <p:cNvPr id="4" name="Slide Number Placeholder 3"/>
+          <p:cNvSpPr>
+            <a:spLocks noGrp="1"/>
+          </p:cNvSpPr>
+          <p:nvPr>
+            <p:ph type="sldNum" sz="quarter" idx="10"/>
+          </p:nvPr>
+        </p:nvSpPr>
+        <p:spPr/>
+        <p:txBody>
+          <a:bodyPr/>
+          <a:lstStyle/>
+          <a:p>
+            <a:fld id="{53E6C0B4-FA9C-42C0-A6E5-06851424880F}" type="slidenum">
+              <a:rPr lang="en-US" smtClean="0"/>
+              <a:t>9</a:t>
             </a:fld>
             <a:endParaRPr lang="en-US"/>
           </a:p>
@@ -1083,6 +1255,90 @@
     <p:extLst>
       <p:ext uri="{BB962C8B-B14F-4D97-AF65-F5344CB8AC3E}">
         <p14:creationId xmlns:p14="http://schemas.microsoft.com/office/powerpoint/2010/main" val="1556013515"/>
+      </p:ext>
+    </p:extLst>
+  </p:cSld>
+  <p:clrMapOvr>
+    <a:masterClrMapping/>
+  </p:clrMapOvr>
+</p:notes>
+</file>
+
+<file path=ppt/notesSlides/notesSlide9.xml><?xml version="1.0" encoding="utf-8"?>
+<p:notes xmlns:a="http://schemas.openxmlformats.org/drawingml/2006/main" xmlns:r="http://schemas.openxmlformats.org/officeDocument/2006/relationships" xmlns:p="http://schemas.openxmlformats.org/presentationml/2006/main">
+  <p:cSld>
+    <p:spTree>
+      <p:nvGrpSpPr>
+        <p:cNvPr id="1" name=""/>
+        <p:cNvGrpSpPr/>
+        <p:nvPr/>
+      </p:nvGrpSpPr>
+      <p:grpSpPr>
+        <a:xfrm>
+          <a:off x="0" y="0"/>
+          <a:ext cx="0" cy="0"/>
+          <a:chOff x="0" y="0"/>
+          <a:chExt cx="0" cy="0"/>
+        </a:xfrm>
+      </p:grpSpPr>
+      <p:sp>
+        <p:nvSpPr>
+          <p:cNvPr id="2" name="Slide Image Placeholder 1"/>
+          <p:cNvSpPr>
+            <a:spLocks noGrp="1" noRot="1" noChangeAspect="1"/>
+          </p:cNvSpPr>
+          <p:nvPr>
+            <p:ph type="sldImg"/>
+          </p:nvPr>
+        </p:nvSpPr>
+        <p:spPr/>
+      </p:sp>
+      <p:sp>
+        <p:nvSpPr>
+          <p:cNvPr id="3" name="Notes Placeholder 2"/>
+          <p:cNvSpPr>
+            <a:spLocks noGrp="1"/>
+          </p:cNvSpPr>
+          <p:nvPr>
+            <p:ph type="body" idx="1"/>
+          </p:nvPr>
+        </p:nvSpPr>
+        <p:spPr/>
+        <p:txBody>
+          <a:bodyPr/>
+          <a:lstStyle/>
+          <a:p>
+            <a:endParaRPr lang="en-US" dirty="0"/>
+          </a:p>
+        </p:txBody>
+      </p:sp>
+      <p:sp>
+        <p:nvSpPr>
+          <p:cNvPr id="4" name="Slide Number Placeholder 3"/>
+          <p:cNvSpPr>
+            <a:spLocks noGrp="1"/>
+          </p:cNvSpPr>
+          <p:nvPr>
+            <p:ph type="sldNum" sz="quarter" idx="10"/>
+          </p:nvPr>
+        </p:nvSpPr>
+        <p:spPr/>
+        <p:txBody>
+          <a:bodyPr/>
+          <a:lstStyle/>
+          <a:p>
+            <a:fld id="{53E6C0B4-FA9C-42C0-A6E5-06851424880F}" type="slidenum">
+              <a:rPr lang="en-US" smtClean="0"/>
+              <a:t>11</a:t>
+            </a:fld>
+            <a:endParaRPr lang="en-US"/>
+          </a:p>
+        </p:txBody>
+      </p:sp>
+    </p:spTree>
+    <p:extLst>
+      <p:ext uri="{BB962C8B-B14F-4D97-AF65-F5344CB8AC3E}">
+        <p14:creationId xmlns:p14="http://schemas.microsoft.com/office/powerpoint/2010/main" val="3402271359"/>
       </p:ext>
     </p:extLst>
   </p:cSld>
@@ -4381,6 +4637,404 @@
 </p:sld>
 </file>
 
+<file path=ppt/slides/slide10.xml><?xml version="1.0" encoding="utf-8"?>
+<p:sld xmlns:a="http://schemas.openxmlformats.org/drawingml/2006/main" xmlns:r="http://schemas.openxmlformats.org/officeDocument/2006/relationships" xmlns:p="http://schemas.openxmlformats.org/presentationml/2006/main">
+  <p:cSld>
+    <p:spTree>
+      <p:nvGrpSpPr>
+        <p:cNvPr id="1" name=""/>
+        <p:cNvGrpSpPr/>
+        <p:nvPr/>
+      </p:nvGrpSpPr>
+      <p:grpSpPr>
+        <a:xfrm>
+          <a:off x="0" y="0"/>
+          <a:ext cx="0" cy="0"/>
+          <a:chOff x="0" y="0"/>
+          <a:chExt cx="0" cy="0"/>
+        </a:xfrm>
+      </p:grpSpPr>
+      <p:sp>
+        <p:nvSpPr>
+          <p:cNvPr id="2" name="Title 1"/>
+          <p:cNvSpPr>
+            <a:spLocks noGrp="1"/>
+          </p:cNvSpPr>
+          <p:nvPr>
+            <p:ph type="title"/>
+          </p:nvPr>
+        </p:nvSpPr>
+        <p:spPr/>
+        <p:txBody>
+          <a:bodyPr/>
+          <a:lstStyle/>
+          <a:p>
+            <a:endParaRPr lang="en-US"/>
+          </a:p>
+        </p:txBody>
+      </p:sp>
+      <p:sp>
+        <p:nvSpPr>
+          <p:cNvPr id="3" name="Content Placeholder 2"/>
+          <p:cNvSpPr>
+            <a:spLocks noGrp="1"/>
+          </p:cNvSpPr>
+          <p:nvPr>
+            <p:ph idx="1"/>
+          </p:nvPr>
+        </p:nvSpPr>
+        <p:spPr/>
+        <p:txBody>
+          <a:bodyPr/>
+          <a:lstStyle/>
+          <a:p>
+            <a:endParaRPr lang="en-US"/>
+          </a:p>
+        </p:txBody>
+      </p:sp>
+      <p:pic>
+        <p:nvPicPr>
+          <p:cNvPr id="3074" name="Picture 2" descr="OWASP ZAP no major vulnerabilities"/>
+          <p:cNvPicPr>
+            <a:picLocks noChangeAspect="1" noChangeArrowheads="1"/>
+          </p:cNvPicPr>
+          <p:nvPr/>
+        </p:nvPicPr>
+        <p:blipFill>
+          <a:blip r:embed="rId2">
+            <a:extLst>
+              <a:ext uri="{28A0092B-C50C-407E-A947-70E740481C1C}">
+                <a14:useLocalDpi xmlns:a14="http://schemas.microsoft.com/office/drawing/2010/main" val="0"/>
+              </a:ext>
+            </a:extLst>
+          </a:blip>
+          <a:srcRect/>
+          <a:stretch>
+            <a:fillRect/>
+          </a:stretch>
+        </p:blipFill>
+        <p:spPr bwMode="auto">
+          <a:xfrm>
+            <a:off x="4763" y="4762"/>
+            <a:ext cx="12727752" cy="7158037"/>
+          </a:xfrm>
+          <a:prstGeom prst="rect">
+            <a:avLst/>
+          </a:prstGeom>
+          <a:noFill/>
+          <a:ln>
+            <a:noFill/>
+          </a:ln>
+          <a:extLst>
+            <a:ext uri="{909E8E84-426E-40DD-AFC4-6F175D3DCCD1}">
+              <a14:hiddenFill xmlns:a14="http://schemas.microsoft.com/office/drawing/2010/main">
+                <a:solidFill>
+                  <a:srgbClr val="FFFFFF"/>
+                </a:solidFill>
+              </a14:hiddenFill>
+            </a:ext>
+            <a:ext uri="{91240B29-F687-4F45-9708-019B960494DF}">
+              <a14:hiddenLine xmlns:a14="http://schemas.microsoft.com/office/drawing/2010/main" w="9525">
+                <a:solidFill>
+                  <a:srgbClr val="000000"/>
+                </a:solidFill>
+                <a:miter lim="800000"/>
+                <a:headEnd/>
+                <a:tailEnd/>
+              </a14:hiddenLine>
+            </a:ext>
+          </a:extLst>
+        </p:spPr>
+      </p:pic>
+    </p:spTree>
+    <p:extLst>
+      <p:ext uri="{BB962C8B-B14F-4D97-AF65-F5344CB8AC3E}">
+        <p14:creationId xmlns:p14="http://schemas.microsoft.com/office/powerpoint/2010/main" val="2625878703"/>
+      </p:ext>
+    </p:extLst>
+  </p:cSld>
+  <p:clrMapOvr>
+    <a:masterClrMapping/>
+  </p:clrMapOvr>
+</p:sld>
+</file>
+
+<file path=ppt/slides/slide11.xml><?xml version="1.0" encoding="utf-8"?>
+<p:sld xmlns:a="http://schemas.openxmlformats.org/drawingml/2006/main" xmlns:r="http://schemas.openxmlformats.org/officeDocument/2006/relationships" xmlns:p="http://schemas.openxmlformats.org/presentationml/2006/main">
+  <p:cSld>
+    <p:spTree>
+      <p:nvGrpSpPr>
+        <p:cNvPr id="1" name=""/>
+        <p:cNvGrpSpPr/>
+        <p:nvPr/>
+      </p:nvGrpSpPr>
+      <p:grpSpPr>
+        <a:xfrm>
+          <a:off x="0" y="0"/>
+          <a:ext cx="0" cy="0"/>
+          <a:chOff x="0" y="0"/>
+          <a:chExt cx="0" cy="0"/>
+        </a:xfrm>
+      </p:grpSpPr>
+      <p:sp>
+        <p:nvSpPr>
+          <p:cNvPr id="2" name="Title 1"/>
+          <p:cNvSpPr>
+            <a:spLocks noGrp="1"/>
+          </p:cNvSpPr>
+          <p:nvPr>
+            <p:ph type="ctrTitle"/>
+          </p:nvPr>
+        </p:nvSpPr>
+        <p:spPr>
+          <a:xfrm>
+            <a:off x="603504" y="4116227"/>
+            <a:ext cx="10782300" cy="1336524"/>
+          </a:xfrm>
+        </p:spPr>
+        <p:txBody>
+          <a:bodyPr/>
+          <a:lstStyle/>
+          <a:p>
+            <a:pPr algn="r"/>
+            <a:r>
+              <a:rPr lang="en-US" sz="7200" dirty="0">
+                <a:latin typeface="Open sans" panose="020B0606030504020204" pitchFamily="34" charset="0"/>
+                <a:ea typeface="Open sans" panose="020B0606030504020204" pitchFamily="34" charset="0"/>
+                <a:cs typeface="Open sans" panose="020B0606030504020204" pitchFamily="34" charset="0"/>
+              </a:rPr>
+              <a:t>Upload Vulnerability</a:t>
+            </a:r>
+            <a:endParaRPr lang="en-US" sz="6600" dirty="0"/>
+          </a:p>
+        </p:txBody>
+      </p:sp>
+      <p:sp>
+        <p:nvSpPr>
+          <p:cNvPr id="3" name="Subtitle 2"/>
+          <p:cNvSpPr>
+            <a:spLocks noGrp="1"/>
+          </p:cNvSpPr>
+          <p:nvPr>
+            <p:ph type="subTitle" idx="1"/>
+          </p:nvPr>
+        </p:nvSpPr>
+        <p:spPr>
+          <a:xfrm>
+            <a:off x="799447" y="2510971"/>
+            <a:ext cx="10353235" cy="1605256"/>
+          </a:xfrm>
+        </p:spPr>
+        <p:txBody>
+          <a:bodyPr>
+            <a:normAutofit/>
+          </a:bodyPr>
+          <a:lstStyle/>
+          <a:p>
+            <a:pPr>
+              <a:lnSpc>
+                <a:spcPct val="100000"/>
+              </a:lnSpc>
+              <a:spcBef>
+                <a:spcPts val="0"/>
+              </a:spcBef>
+            </a:pPr>
+            <a:r>
+              <a:rPr lang="en-US" dirty="0"/>
+              <a:t>We were able to upload a shell as a PHP file on the Cloud server and we got access to the whole server.</a:t>
+            </a:r>
+            <a:endParaRPr lang="en-US" b="1" dirty="0"/>
+          </a:p>
+        </p:txBody>
+      </p:sp>
+    </p:spTree>
+    <p:extLst>
+      <p:ext uri="{BB962C8B-B14F-4D97-AF65-F5344CB8AC3E}">
+        <p14:creationId xmlns:p14="http://schemas.microsoft.com/office/powerpoint/2010/main" val="432148786"/>
+      </p:ext>
+    </p:extLst>
+  </p:cSld>
+  <p:clrMapOvr>
+    <a:masterClrMapping/>
+  </p:clrMapOvr>
+</p:sld>
+</file>
+
+<file path=ppt/slides/slide12.xml><?xml version="1.0" encoding="utf-8"?>
+<p:sld xmlns:a="http://schemas.openxmlformats.org/drawingml/2006/main" xmlns:r="http://schemas.openxmlformats.org/officeDocument/2006/relationships" xmlns:p="http://schemas.openxmlformats.org/presentationml/2006/main">
+  <p:cSld>
+    <p:spTree>
+      <p:nvGrpSpPr>
+        <p:cNvPr id="1" name=""/>
+        <p:cNvGrpSpPr/>
+        <p:nvPr/>
+      </p:nvGrpSpPr>
+      <p:grpSpPr>
+        <a:xfrm>
+          <a:off x="0" y="0"/>
+          <a:ext cx="0" cy="0"/>
+          <a:chOff x="0" y="0"/>
+          <a:chExt cx="0" cy="0"/>
+        </a:xfrm>
+      </p:grpSpPr>
+      <p:sp>
+        <p:nvSpPr>
+          <p:cNvPr id="2" name="Title 1"/>
+          <p:cNvSpPr>
+            <a:spLocks noGrp="1"/>
+          </p:cNvSpPr>
+          <p:nvPr>
+            <p:ph type="title"/>
+          </p:nvPr>
+        </p:nvSpPr>
+        <p:spPr/>
+        <p:txBody>
+          <a:bodyPr/>
+          <a:lstStyle/>
+          <a:p>
+            <a:endParaRPr lang="en-US"/>
+          </a:p>
+        </p:txBody>
+      </p:sp>
+      <p:pic>
+        <p:nvPicPr>
+          <p:cNvPr id="4" name="Content Placeholder 3"/>
+          <p:cNvPicPr>
+            <a:picLocks noGrp="1" noChangeAspect="1"/>
+          </p:cNvPicPr>
+          <p:nvPr>
+            <p:ph idx="1"/>
+          </p:nvPr>
+        </p:nvPicPr>
+        <p:blipFill>
+          <a:blip r:embed="rId2">
+            <a:extLst>
+              <a:ext uri="{28A0092B-C50C-407E-A947-70E740481C1C}">
+                <a14:useLocalDpi xmlns:a14="http://schemas.microsoft.com/office/drawing/2010/main" val="0"/>
+              </a:ext>
+            </a:extLst>
+          </a:blip>
+          <a:stretch>
+            <a:fillRect/>
+          </a:stretch>
+        </p:blipFill>
+        <p:spPr>
+          <a:xfrm>
+            <a:off x="0" y="0"/>
+            <a:ext cx="17555270" cy="8606971"/>
+          </a:xfrm>
+        </p:spPr>
+      </p:pic>
+    </p:spTree>
+    <p:extLst>
+      <p:ext uri="{BB962C8B-B14F-4D97-AF65-F5344CB8AC3E}">
+        <p14:creationId xmlns:p14="http://schemas.microsoft.com/office/powerpoint/2010/main" val="4121679514"/>
+      </p:ext>
+    </p:extLst>
+  </p:cSld>
+  <p:clrMapOvr>
+    <a:masterClrMapping/>
+  </p:clrMapOvr>
+</p:sld>
+</file>
+
+<file path=ppt/slides/slide13.xml><?xml version="1.0" encoding="utf-8"?>
+<p:sld xmlns:a="http://schemas.openxmlformats.org/drawingml/2006/main" xmlns:r="http://schemas.openxmlformats.org/officeDocument/2006/relationships" xmlns:p="http://schemas.openxmlformats.org/presentationml/2006/main">
+  <p:cSld>
+    <p:spTree>
+      <p:nvGrpSpPr>
+        <p:cNvPr id="1" name=""/>
+        <p:cNvGrpSpPr/>
+        <p:nvPr/>
+      </p:nvGrpSpPr>
+      <p:grpSpPr>
+        <a:xfrm>
+          <a:off x="0" y="0"/>
+          <a:ext cx="0" cy="0"/>
+          <a:chOff x="0" y="0"/>
+          <a:chExt cx="0" cy="0"/>
+        </a:xfrm>
+      </p:grpSpPr>
+      <p:sp>
+        <p:nvSpPr>
+          <p:cNvPr id="2" name="Title 1"/>
+          <p:cNvSpPr>
+            <a:spLocks noGrp="1"/>
+          </p:cNvSpPr>
+          <p:nvPr>
+            <p:ph type="ctrTitle"/>
+          </p:nvPr>
+        </p:nvSpPr>
+        <p:spPr>
+          <a:xfrm>
+            <a:off x="799446" y="1909508"/>
+            <a:ext cx="10782300" cy="1336524"/>
+          </a:xfrm>
+        </p:spPr>
+        <p:txBody>
+          <a:bodyPr/>
+          <a:lstStyle/>
+          <a:p>
+            <a:pPr algn="ctr"/>
+            <a:r>
+              <a:rPr lang="en-US" sz="7200" dirty="0">
+                <a:latin typeface="Open sans" panose="020B0606030504020204" pitchFamily="34" charset="0"/>
+                <a:ea typeface="Open sans" panose="020B0606030504020204" pitchFamily="34" charset="0"/>
+                <a:cs typeface="Open sans" panose="020B0606030504020204" pitchFamily="34" charset="0"/>
+              </a:rPr>
+              <a:t>Conclusion</a:t>
+            </a:r>
+            <a:endParaRPr lang="en-US" sz="6600" dirty="0"/>
+          </a:p>
+        </p:txBody>
+      </p:sp>
+      <p:sp>
+        <p:nvSpPr>
+          <p:cNvPr id="3" name="Subtitle 2"/>
+          <p:cNvSpPr>
+            <a:spLocks noGrp="1"/>
+          </p:cNvSpPr>
+          <p:nvPr>
+            <p:ph type="subTitle" idx="1"/>
+          </p:nvPr>
+        </p:nvSpPr>
+        <p:spPr>
+          <a:xfrm>
+            <a:off x="1013979" y="3246032"/>
+            <a:ext cx="10353235" cy="1605256"/>
+          </a:xfrm>
+        </p:spPr>
+        <p:txBody>
+          <a:bodyPr>
+            <a:normAutofit/>
+          </a:bodyPr>
+          <a:lstStyle/>
+          <a:p>
+            <a:pPr algn="ctr">
+              <a:lnSpc>
+                <a:spcPct val="100000"/>
+              </a:lnSpc>
+              <a:spcBef>
+                <a:spcPts val="0"/>
+              </a:spcBef>
+            </a:pPr>
+            <a:endParaRPr lang="en-US" b="1" dirty="0"/>
+          </a:p>
+        </p:txBody>
+      </p:sp>
+    </p:spTree>
+    <p:extLst>
+      <p:ext uri="{BB962C8B-B14F-4D97-AF65-F5344CB8AC3E}">
+        <p14:creationId xmlns:p14="http://schemas.microsoft.com/office/powerpoint/2010/main" val="1905181593"/>
+      </p:ext>
+    </p:extLst>
+  </p:cSld>
+  <p:clrMapOvr>
+    <a:masterClrMapping/>
+  </p:clrMapOvr>
+</p:sld>
+</file>
+
 <file path=ppt/slides/slide2.xml><?xml version="1.0" encoding="utf-8"?>
 <p:sld xmlns:a="http://schemas.openxmlformats.org/drawingml/2006/main" xmlns:r="http://schemas.openxmlformats.org/officeDocument/2006/relationships" xmlns:p="http://schemas.openxmlformats.org/presentationml/2006/main">
   <p:cSld>
@@ -4663,10 +5317,9 @@
             <a:r>
               <a:rPr lang="en-US" sz="9600" dirty="0">
                 <a:latin typeface="Open sans" panose="020B0606030504020204" pitchFamily="34" charset="0"/>
-                <a:ea typeface="Open sans" panose="020B0606030504020204" pitchFamily="34" charset="0"/>
-                <a:cs typeface="Open sans" panose="020B0606030504020204" pitchFamily="34" charset="0"/>
+                <a:hlinkClick r:id="rId3"/>
               </a:rPr>
-              <a:t>Pen-Test Findings</a:t>
+              <a:t>eFontys Demo</a:t>
             </a:r>
             <a:endParaRPr lang="en-US" dirty="0"/>
           </a:p>
@@ -4712,6 +5365,64 @@
             <p:ph type="ctrTitle"/>
           </p:nvPr>
         </p:nvSpPr>
+        <p:spPr/>
+        <p:txBody>
+          <a:bodyPr/>
+          <a:lstStyle/>
+          <a:p>
+            <a:pPr algn="ctr"/>
+            <a:r>
+              <a:rPr lang="en-US" sz="9600" dirty="0">
+                <a:latin typeface="Open sans" panose="020B0606030504020204" pitchFamily="34" charset="0"/>
+                <a:ea typeface="Open sans" panose="020B0606030504020204" pitchFamily="34" charset="0"/>
+                <a:cs typeface="Open sans" panose="020B0606030504020204" pitchFamily="34" charset="0"/>
+              </a:rPr>
+              <a:t>Pen-Test Findings</a:t>
+            </a:r>
+            <a:endParaRPr lang="en-US" dirty="0"/>
+          </a:p>
+        </p:txBody>
+      </p:sp>
+    </p:spTree>
+    <p:extLst>
+      <p:ext uri="{BB962C8B-B14F-4D97-AF65-F5344CB8AC3E}">
+        <p14:creationId xmlns:p14="http://schemas.microsoft.com/office/powerpoint/2010/main" val="923631506"/>
+      </p:ext>
+    </p:extLst>
+  </p:cSld>
+  <p:clrMapOvr>
+    <a:masterClrMapping/>
+  </p:clrMapOvr>
+</p:sld>
+</file>
+
+<file path=ppt/slides/slide7.xml><?xml version="1.0" encoding="utf-8"?>
+<p:sld xmlns:a="http://schemas.openxmlformats.org/drawingml/2006/main" xmlns:r="http://schemas.openxmlformats.org/officeDocument/2006/relationships" xmlns:p="http://schemas.openxmlformats.org/presentationml/2006/main">
+  <p:cSld>
+    <p:spTree>
+      <p:nvGrpSpPr>
+        <p:cNvPr id="1" name=""/>
+        <p:cNvGrpSpPr/>
+        <p:nvPr/>
+      </p:nvGrpSpPr>
+      <p:grpSpPr>
+        <a:xfrm>
+          <a:off x="0" y="0"/>
+          <a:ext cx="0" cy="0"/>
+          <a:chOff x="0" y="0"/>
+          <a:chExt cx="0" cy="0"/>
+        </a:xfrm>
+      </p:grpSpPr>
+      <p:sp>
+        <p:nvSpPr>
+          <p:cNvPr id="2" name="Title 1"/>
+          <p:cNvSpPr>
+            <a:spLocks noGrp="1"/>
+          </p:cNvSpPr>
+          <p:nvPr>
+            <p:ph type="ctrTitle"/>
+          </p:nvPr>
+        </p:nvSpPr>
         <p:spPr>
           <a:xfrm>
             <a:off x="603504" y="4116227"/>
@@ -4876,7 +5587,7 @@
 </p:sld>
 </file>
 
-<file path=ppt/slides/slide7.xml><?xml version="1.0" encoding="utf-8"?>
+<file path=ppt/slides/slide8.xml><?xml version="1.0" encoding="utf-8"?>
 <p:sld xmlns:a="http://schemas.openxmlformats.org/drawingml/2006/main" xmlns:r="http://schemas.openxmlformats.org/officeDocument/2006/relationships" xmlns:p="http://schemas.openxmlformats.org/presentationml/2006/main">
   <p:cSld>
     <p:spTree>
@@ -4998,107 +5709,6 @@
 </p:sld>
 </file>
 
-<file path=ppt/slides/slide8.xml><?xml version="1.0" encoding="utf-8"?>
-<p:sld xmlns:a="http://schemas.openxmlformats.org/drawingml/2006/main" xmlns:r="http://schemas.openxmlformats.org/officeDocument/2006/relationships" xmlns:p="http://schemas.openxmlformats.org/presentationml/2006/main">
-  <p:cSld>
-    <p:spTree>
-      <p:nvGrpSpPr>
-        <p:cNvPr id="1" name=""/>
-        <p:cNvGrpSpPr/>
-        <p:nvPr/>
-      </p:nvGrpSpPr>
-      <p:grpSpPr>
-        <a:xfrm>
-          <a:off x="0" y="0"/>
-          <a:ext cx="0" cy="0"/>
-          <a:chOff x="0" y="0"/>
-          <a:chExt cx="0" cy="0"/>
-        </a:xfrm>
-      </p:grpSpPr>
-      <p:sp>
-        <p:nvSpPr>
-          <p:cNvPr id="2" name="Title 1"/>
-          <p:cNvSpPr>
-            <a:spLocks noGrp="1"/>
-          </p:cNvSpPr>
-          <p:nvPr>
-            <p:ph type="ctrTitle"/>
-          </p:nvPr>
-        </p:nvSpPr>
-        <p:spPr>
-          <a:xfrm>
-            <a:off x="603504" y="4116227"/>
-            <a:ext cx="10782300" cy="1336524"/>
-          </a:xfrm>
-        </p:spPr>
-        <p:txBody>
-          <a:bodyPr/>
-          <a:lstStyle/>
-          <a:p>
-            <a:pPr algn="r"/>
-            <a:r>
-              <a:rPr lang="en-US" sz="7200" dirty="0">
-                <a:latin typeface="Open sans" panose="020B0606030504020204" pitchFamily="34" charset="0"/>
-                <a:ea typeface="Open sans" panose="020B0606030504020204" pitchFamily="34" charset="0"/>
-                <a:cs typeface="Open sans" panose="020B0606030504020204" pitchFamily="34" charset="0"/>
-              </a:rPr>
-              <a:t>XSS Vulnerability</a:t>
-            </a:r>
-            <a:endParaRPr lang="en-US" sz="6600" dirty="0"/>
-          </a:p>
-        </p:txBody>
-      </p:sp>
-      <p:sp>
-        <p:nvSpPr>
-          <p:cNvPr id="3" name="Subtitle 2"/>
-          <p:cNvSpPr>
-            <a:spLocks noGrp="1"/>
-          </p:cNvSpPr>
-          <p:nvPr>
-            <p:ph type="subTitle" idx="1"/>
-          </p:nvPr>
-        </p:nvSpPr>
-        <p:spPr>
-          <a:xfrm>
-            <a:off x="799447" y="2148114"/>
-            <a:ext cx="10353235" cy="1968113"/>
-          </a:xfrm>
-        </p:spPr>
-        <p:txBody>
-          <a:bodyPr>
-            <a:normAutofit/>
-          </a:bodyPr>
-          <a:lstStyle/>
-          <a:p>
-            <a:pPr>
-              <a:lnSpc>
-                <a:spcPct val="100000"/>
-              </a:lnSpc>
-              <a:spcBef>
-                <a:spcPts val="0"/>
-              </a:spcBef>
-            </a:pPr>
-            <a:r>
-              <a:rPr lang="en-US" dirty="0"/>
-              <a:t>Web Browser XSS Protection is not enabled, or is disabled by the configuration of the 'X-XSS-Protection' HTTP response header on the web server</a:t>
-            </a:r>
-            <a:endParaRPr lang="en-US" b="1" dirty="0"/>
-          </a:p>
-        </p:txBody>
-      </p:sp>
-    </p:spTree>
-    <p:extLst>
-      <p:ext uri="{BB962C8B-B14F-4D97-AF65-F5344CB8AC3E}">
-        <p14:creationId xmlns:p14="http://schemas.microsoft.com/office/powerpoint/2010/main" val="767117228"/>
-      </p:ext>
-    </p:extLst>
-  </p:cSld>
-  <p:clrMapOvr>
-    <a:masterClrMapping/>
-  </p:clrMapOvr>
-</p:sld>
-</file>
-
 <file path=ppt/slides/slide9.xml><?xml version="1.0" encoding="utf-8"?>
 <p:sld xmlns:a="http://schemas.openxmlformats.org/drawingml/2006/main" xmlns:r="http://schemas.openxmlformats.org/officeDocument/2006/relationships" xmlns:p="http://schemas.openxmlformats.org/presentationml/2006/main">
   <p:cSld>
@@ -5123,95 +5733,74 @@
             <a:spLocks noGrp="1"/>
           </p:cNvSpPr>
           <p:nvPr>
-            <p:ph type="title"/>
-          </p:nvPr>
-        </p:nvSpPr>
-        <p:spPr/>
-        <p:txBody>
-          <a:bodyPr/>
-          <a:lstStyle/>
-          <a:p>
-            <a:endParaRPr lang="en-US"/>
-          </a:p>
-        </p:txBody>
-      </p:sp>
-      <p:sp>
-        <p:nvSpPr>
-          <p:cNvPr id="3" name="Content Placeholder 2"/>
-          <p:cNvSpPr>
-            <a:spLocks noGrp="1"/>
-          </p:cNvSpPr>
-          <p:nvPr>
-            <p:ph idx="1"/>
-          </p:nvPr>
-        </p:nvSpPr>
-        <p:spPr/>
-        <p:txBody>
-          <a:bodyPr/>
-          <a:lstStyle/>
-          <a:p>
-            <a:endParaRPr lang="en-US"/>
-          </a:p>
-        </p:txBody>
-      </p:sp>
-      <p:pic>
-        <p:nvPicPr>
-          <p:cNvPr id="3074" name="Picture 2" descr="OWASP ZAP no major vulnerabilities"/>
-          <p:cNvPicPr>
-            <a:picLocks noChangeAspect="1" noChangeArrowheads="1"/>
-          </p:cNvPicPr>
-          <p:nvPr/>
-        </p:nvPicPr>
-        <p:blipFill>
-          <a:blip r:embed="rId2">
-            <a:extLst>
-              <a:ext uri="{28A0092B-C50C-407E-A947-70E740481C1C}">
-                <a14:useLocalDpi xmlns:a14="http://schemas.microsoft.com/office/drawing/2010/main" val="0"/>
-              </a:ext>
-            </a:extLst>
-          </a:blip>
-          <a:srcRect/>
-          <a:stretch>
-            <a:fillRect/>
-          </a:stretch>
-        </p:blipFill>
-        <p:spPr bwMode="auto">
+            <p:ph type="ctrTitle"/>
+          </p:nvPr>
+        </p:nvSpPr>
+        <p:spPr>
           <a:xfrm>
-            <a:off x="4763" y="4762"/>
-            <a:ext cx="12727752" cy="7158037"/>
+            <a:off x="603504" y="4116227"/>
+            <a:ext cx="10782300" cy="1336524"/>
           </a:xfrm>
-          <a:prstGeom prst="rect">
-            <a:avLst/>
-          </a:prstGeom>
-          <a:noFill/>
-          <a:ln>
-            <a:noFill/>
-          </a:ln>
-          <a:extLst>
-            <a:ext uri="{909E8E84-426E-40DD-AFC4-6F175D3DCCD1}">
-              <a14:hiddenFill xmlns:a14="http://schemas.microsoft.com/office/drawing/2010/main">
-                <a:solidFill>
-                  <a:srgbClr val="FFFFFF"/>
-                </a:solidFill>
-              </a14:hiddenFill>
-            </a:ext>
-            <a:ext uri="{91240B29-F687-4F45-9708-019B960494DF}">
-              <a14:hiddenLine xmlns:a14="http://schemas.microsoft.com/office/drawing/2010/main" w="9525">
-                <a:solidFill>
-                  <a:srgbClr val="000000"/>
-                </a:solidFill>
-                <a:miter lim="800000"/>
-                <a:headEnd/>
-                <a:tailEnd/>
-              </a14:hiddenLine>
-            </a:ext>
-          </a:extLst>
         </p:spPr>
-      </p:pic>
+        <p:txBody>
+          <a:bodyPr/>
+          <a:lstStyle/>
+          <a:p>
+            <a:pPr algn="r"/>
+            <a:r>
+              <a:rPr lang="en-US" sz="7200" dirty="0">
+                <a:latin typeface="Open sans" panose="020B0606030504020204" pitchFamily="34" charset="0"/>
+                <a:ea typeface="Open sans" panose="020B0606030504020204" pitchFamily="34" charset="0"/>
+                <a:cs typeface="Open sans" panose="020B0606030504020204" pitchFamily="34" charset="0"/>
+              </a:rPr>
+              <a:t>XSS Vulnerability</a:t>
+            </a:r>
+            <a:endParaRPr lang="en-US" sz="6600" dirty="0"/>
+          </a:p>
+        </p:txBody>
+      </p:sp>
+      <p:sp>
+        <p:nvSpPr>
+          <p:cNvPr id="3" name="Subtitle 2"/>
+          <p:cNvSpPr>
+            <a:spLocks noGrp="1"/>
+          </p:cNvSpPr>
+          <p:nvPr>
+            <p:ph type="subTitle" idx="1"/>
+          </p:nvPr>
+        </p:nvSpPr>
+        <p:spPr>
+          <a:xfrm>
+            <a:off x="799447" y="2148114"/>
+            <a:ext cx="10353235" cy="1968113"/>
+          </a:xfrm>
+        </p:spPr>
+        <p:txBody>
+          <a:bodyPr>
+            <a:normAutofit/>
+          </a:bodyPr>
+          <a:lstStyle/>
+          <a:p>
+            <a:pPr>
+              <a:lnSpc>
+                <a:spcPct val="100000"/>
+              </a:lnSpc>
+              <a:spcBef>
+                <a:spcPts val="0"/>
+              </a:spcBef>
+            </a:pPr>
+            <a:r>
+              <a:rPr lang="en-US" dirty="0"/>
+              <a:t>Web Browser XSS Protection is not enabled, or is disabled by the configuration of the 'X-XSS-Protection' HTTP response header on the web server</a:t>
+            </a:r>
+            <a:endParaRPr lang="en-US" b="1" dirty="0"/>
+          </a:p>
+        </p:txBody>
+      </p:sp>
     </p:spTree>
     <p:extLst>
       <p:ext uri="{BB962C8B-B14F-4D97-AF65-F5344CB8AC3E}">
-        <p14:creationId xmlns:p14="http://schemas.microsoft.com/office/powerpoint/2010/main" val="2625878703"/>
+        <p14:creationId xmlns:p14="http://schemas.microsoft.com/office/powerpoint/2010/main" val="767117228"/>
       </p:ext>
     </p:extLst>
   </p:cSld>

--- a/Documentation/Final Presentation SePr.pptx
+++ b/Documentation/Final Presentation SePr.pptx
@@ -5,7 +5,7 @@
     <p:sldMasterId id="2147483696" r:id="rId1"/>
   </p:sldMasterIdLst>
   <p:notesMasterIdLst>
-    <p:notesMasterId r:id="rId15"/>
+    <p:notesMasterId r:id="rId19"/>
   </p:notesMasterIdLst>
   <p:sldIdLst>
     <p:sldId id="256" r:id="rId2"/>
@@ -14,13 +14,17 @@
     <p:sldId id="263" r:id="rId5"/>
     <p:sldId id="264" r:id="rId6"/>
     <p:sldId id="271" r:id="rId7"/>
-    <p:sldId id="265" r:id="rId8"/>
-    <p:sldId id="266" r:id="rId9"/>
-    <p:sldId id="267" r:id="rId10"/>
-    <p:sldId id="268" r:id="rId11"/>
-    <p:sldId id="269" r:id="rId12"/>
-    <p:sldId id="270" r:id="rId13"/>
-    <p:sldId id="272" r:id="rId14"/>
+    <p:sldId id="275" r:id="rId8"/>
+    <p:sldId id="265" r:id="rId9"/>
+    <p:sldId id="266" r:id="rId10"/>
+    <p:sldId id="276" r:id="rId11"/>
+    <p:sldId id="267" r:id="rId12"/>
+    <p:sldId id="268" r:id="rId13"/>
+    <p:sldId id="274" r:id="rId14"/>
+    <p:sldId id="269" r:id="rId15"/>
+    <p:sldId id="270" r:id="rId16"/>
+    <p:sldId id="273" r:id="rId17"/>
+    <p:sldId id="272" r:id="rId18"/>
   </p:sldIdLst>
   <p:sldSz cx="12192000" cy="6858000"/>
   <p:notesSz cx="6858000" cy="9144000"/>
@@ -209,7 +213,7 @@
           <a:p>
             <a:fld id="{AE520918-36F4-4479-BBDA-BA11C520E204}" type="datetimeFigureOut">
               <a:rPr lang="en-US" smtClean="0"/>
-              <a:t>10/19/2016</a:t>
+              <a:t>10/20/2016</a:t>
             </a:fld>
             <a:endParaRPr lang="en-US"/>
           </a:p>
@@ -625,7 +629,259 @@
           <a:p>
             <a:fld id="{53E6C0B4-FA9C-42C0-A6E5-06851424880F}" type="slidenum">
               <a:rPr lang="en-US" smtClean="0"/>
+              <a:t>11</a:t>
+            </a:fld>
+            <a:endParaRPr lang="en-US"/>
+          </a:p>
+        </p:txBody>
+      </p:sp>
+    </p:spTree>
+    <p:extLst>
+      <p:ext uri="{BB962C8B-B14F-4D97-AF65-F5344CB8AC3E}">
+        <p14:creationId xmlns:p14="http://schemas.microsoft.com/office/powerpoint/2010/main" val="1556013515"/>
+      </p:ext>
+    </p:extLst>
+  </p:cSld>
+  <p:clrMapOvr>
+    <a:masterClrMapping/>
+  </p:clrMapOvr>
+</p:notes>
+</file>
+
+<file path=ppt/notesSlides/notesSlide11.xml><?xml version="1.0" encoding="utf-8"?>
+<p:notes xmlns:a="http://schemas.openxmlformats.org/drawingml/2006/main" xmlns:r="http://schemas.openxmlformats.org/officeDocument/2006/relationships" xmlns:p="http://schemas.openxmlformats.org/presentationml/2006/main">
+  <p:cSld>
+    <p:spTree>
+      <p:nvGrpSpPr>
+        <p:cNvPr id="1" name=""/>
+        <p:cNvGrpSpPr/>
+        <p:nvPr/>
+      </p:nvGrpSpPr>
+      <p:grpSpPr>
+        <a:xfrm>
+          <a:off x="0" y="0"/>
+          <a:ext cx="0" cy="0"/>
+          <a:chOff x="0" y="0"/>
+          <a:chExt cx="0" cy="0"/>
+        </a:xfrm>
+      </p:grpSpPr>
+      <p:sp>
+        <p:nvSpPr>
+          <p:cNvPr id="2" name="Slide Image Placeholder 1"/>
+          <p:cNvSpPr>
+            <a:spLocks noGrp="1" noRot="1" noChangeAspect="1"/>
+          </p:cNvSpPr>
+          <p:nvPr>
+            <p:ph type="sldImg"/>
+          </p:nvPr>
+        </p:nvSpPr>
+        <p:spPr/>
+      </p:sp>
+      <p:sp>
+        <p:nvSpPr>
+          <p:cNvPr id="3" name="Notes Placeholder 2"/>
+          <p:cNvSpPr>
+            <a:spLocks noGrp="1"/>
+          </p:cNvSpPr>
+          <p:nvPr>
+            <p:ph type="body" idx="1"/>
+          </p:nvPr>
+        </p:nvSpPr>
+        <p:spPr/>
+        <p:txBody>
+          <a:bodyPr/>
+          <a:lstStyle/>
+          <a:p>
+            <a:endParaRPr lang="en-US" dirty="0"/>
+          </a:p>
+        </p:txBody>
+      </p:sp>
+      <p:sp>
+        <p:nvSpPr>
+          <p:cNvPr id="4" name="Slide Number Placeholder 3"/>
+          <p:cNvSpPr>
+            <a:spLocks noGrp="1"/>
+          </p:cNvSpPr>
+          <p:nvPr>
+            <p:ph type="sldNum" sz="quarter" idx="10"/>
+          </p:nvPr>
+        </p:nvSpPr>
+        <p:spPr/>
+        <p:txBody>
+          <a:bodyPr/>
+          <a:lstStyle/>
+          <a:p>
+            <a:fld id="{53E6C0B4-FA9C-42C0-A6E5-06851424880F}" type="slidenum">
+              <a:rPr lang="en-US" smtClean="0"/>
               <a:t>13</a:t>
+            </a:fld>
+            <a:endParaRPr lang="en-US"/>
+          </a:p>
+        </p:txBody>
+      </p:sp>
+    </p:spTree>
+    <p:extLst>
+      <p:ext uri="{BB962C8B-B14F-4D97-AF65-F5344CB8AC3E}">
+        <p14:creationId xmlns:p14="http://schemas.microsoft.com/office/powerpoint/2010/main" val="361091613"/>
+      </p:ext>
+    </p:extLst>
+  </p:cSld>
+  <p:clrMapOvr>
+    <a:masterClrMapping/>
+  </p:clrMapOvr>
+</p:notes>
+</file>
+
+<file path=ppt/notesSlides/notesSlide12.xml><?xml version="1.0" encoding="utf-8"?>
+<p:notes xmlns:a="http://schemas.openxmlformats.org/drawingml/2006/main" xmlns:r="http://schemas.openxmlformats.org/officeDocument/2006/relationships" xmlns:p="http://schemas.openxmlformats.org/presentationml/2006/main">
+  <p:cSld>
+    <p:spTree>
+      <p:nvGrpSpPr>
+        <p:cNvPr id="1" name=""/>
+        <p:cNvGrpSpPr/>
+        <p:nvPr/>
+      </p:nvGrpSpPr>
+      <p:grpSpPr>
+        <a:xfrm>
+          <a:off x="0" y="0"/>
+          <a:ext cx="0" cy="0"/>
+          <a:chOff x="0" y="0"/>
+          <a:chExt cx="0" cy="0"/>
+        </a:xfrm>
+      </p:grpSpPr>
+      <p:sp>
+        <p:nvSpPr>
+          <p:cNvPr id="2" name="Slide Image Placeholder 1"/>
+          <p:cNvSpPr>
+            <a:spLocks noGrp="1" noRot="1" noChangeAspect="1"/>
+          </p:cNvSpPr>
+          <p:nvPr>
+            <p:ph type="sldImg"/>
+          </p:nvPr>
+        </p:nvSpPr>
+        <p:spPr/>
+      </p:sp>
+      <p:sp>
+        <p:nvSpPr>
+          <p:cNvPr id="3" name="Notes Placeholder 2"/>
+          <p:cNvSpPr>
+            <a:spLocks noGrp="1"/>
+          </p:cNvSpPr>
+          <p:nvPr>
+            <p:ph type="body" idx="1"/>
+          </p:nvPr>
+        </p:nvSpPr>
+        <p:spPr/>
+        <p:txBody>
+          <a:bodyPr/>
+          <a:lstStyle/>
+          <a:p>
+            <a:endParaRPr lang="en-US" dirty="0"/>
+          </a:p>
+        </p:txBody>
+      </p:sp>
+      <p:sp>
+        <p:nvSpPr>
+          <p:cNvPr id="4" name="Slide Number Placeholder 3"/>
+          <p:cNvSpPr>
+            <a:spLocks noGrp="1"/>
+          </p:cNvSpPr>
+          <p:nvPr>
+            <p:ph type="sldNum" sz="quarter" idx="10"/>
+          </p:nvPr>
+        </p:nvSpPr>
+        <p:spPr/>
+        <p:txBody>
+          <a:bodyPr/>
+          <a:lstStyle/>
+          <a:p>
+            <a:fld id="{53E6C0B4-FA9C-42C0-A6E5-06851424880F}" type="slidenum">
+              <a:rPr lang="en-US" smtClean="0"/>
+              <a:t>14</a:t>
+            </a:fld>
+            <a:endParaRPr lang="en-US"/>
+          </a:p>
+        </p:txBody>
+      </p:sp>
+    </p:spTree>
+    <p:extLst>
+      <p:ext uri="{BB962C8B-B14F-4D97-AF65-F5344CB8AC3E}">
+        <p14:creationId xmlns:p14="http://schemas.microsoft.com/office/powerpoint/2010/main" val="3402271359"/>
+      </p:ext>
+    </p:extLst>
+  </p:cSld>
+  <p:clrMapOvr>
+    <a:masterClrMapping/>
+  </p:clrMapOvr>
+</p:notes>
+</file>
+
+<file path=ppt/notesSlides/notesSlide13.xml><?xml version="1.0" encoding="utf-8"?>
+<p:notes xmlns:a="http://schemas.openxmlformats.org/drawingml/2006/main" xmlns:r="http://schemas.openxmlformats.org/officeDocument/2006/relationships" xmlns:p="http://schemas.openxmlformats.org/presentationml/2006/main">
+  <p:cSld>
+    <p:spTree>
+      <p:nvGrpSpPr>
+        <p:cNvPr id="1" name=""/>
+        <p:cNvGrpSpPr/>
+        <p:nvPr/>
+      </p:nvGrpSpPr>
+      <p:grpSpPr>
+        <a:xfrm>
+          <a:off x="0" y="0"/>
+          <a:ext cx="0" cy="0"/>
+          <a:chOff x="0" y="0"/>
+          <a:chExt cx="0" cy="0"/>
+        </a:xfrm>
+      </p:grpSpPr>
+      <p:sp>
+        <p:nvSpPr>
+          <p:cNvPr id="2" name="Slide Image Placeholder 1"/>
+          <p:cNvSpPr>
+            <a:spLocks noGrp="1" noRot="1" noChangeAspect="1"/>
+          </p:cNvSpPr>
+          <p:nvPr>
+            <p:ph type="sldImg"/>
+          </p:nvPr>
+        </p:nvSpPr>
+        <p:spPr/>
+      </p:sp>
+      <p:sp>
+        <p:nvSpPr>
+          <p:cNvPr id="3" name="Notes Placeholder 2"/>
+          <p:cNvSpPr>
+            <a:spLocks noGrp="1"/>
+          </p:cNvSpPr>
+          <p:nvPr>
+            <p:ph type="body" idx="1"/>
+          </p:nvPr>
+        </p:nvSpPr>
+        <p:spPr/>
+        <p:txBody>
+          <a:bodyPr/>
+          <a:lstStyle/>
+          <a:p>
+            <a:endParaRPr lang="en-US" dirty="0"/>
+          </a:p>
+        </p:txBody>
+      </p:sp>
+      <p:sp>
+        <p:nvSpPr>
+          <p:cNvPr id="4" name="Slide Number Placeholder 3"/>
+          <p:cNvSpPr>
+            <a:spLocks noGrp="1"/>
+          </p:cNvSpPr>
+          <p:nvPr>
+            <p:ph type="sldNum" sz="quarter" idx="10"/>
+          </p:nvPr>
+        </p:nvSpPr>
+        <p:spPr/>
+        <p:txBody>
+          <a:bodyPr/>
+          <a:lstStyle/>
+          <a:p>
+            <a:fld id="{53E6C0B4-FA9C-42C0-A6E5-06851424880F}" type="slidenum">
+              <a:rPr lang="en-US" smtClean="0"/>
+              <a:t>17</a:t>
             </a:fld>
             <a:endParaRPr lang="en-US"/>
           </a:p>
@@ -1170,7 +1426,7 @@
     </p:spTree>
     <p:extLst>
       <p:ext uri="{BB962C8B-B14F-4D97-AF65-F5344CB8AC3E}">
-        <p14:creationId xmlns:p14="http://schemas.microsoft.com/office/powerpoint/2010/main" val="800817665"/>
+        <p14:creationId xmlns:p14="http://schemas.microsoft.com/office/powerpoint/2010/main" val="1252204840"/>
       </p:ext>
     </p:extLst>
   </p:cSld>
@@ -1245,7 +1501,7 @@
           <a:p>
             <a:fld id="{53E6C0B4-FA9C-42C0-A6E5-06851424880F}" type="slidenum">
               <a:rPr lang="en-US" smtClean="0"/>
-              <a:t>9</a:t>
+              <a:t>8</a:t>
             </a:fld>
             <a:endParaRPr lang="en-US"/>
           </a:p>
@@ -1254,7 +1510,7 @@
     </p:spTree>
     <p:extLst>
       <p:ext uri="{BB962C8B-B14F-4D97-AF65-F5344CB8AC3E}">
-        <p14:creationId xmlns:p14="http://schemas.microsoft.com/office/powerpoint/2010/main" val="1556013515"/>
+        <p14:creationId xmlns:p14="http://schemas.microsoft.com/office/powerpoint/2010/main" val="800817665"/>
       </p:ext>
     </p:extLst>
   </p:cSld>
@@ -1329,7 +1585,7 @@
           <a:p>
             <a:fld id="{53E6C0B4-FA9C-42C0-A6E5-06851424880F}" type="slidenum">
               <a:rPr lang="en-US" smtClean="0"/>
-              <a:t>11</a:t>
+              <a:t>10</a:t>
             </a:fld>
             <a:endParaRPr lang="en-US"/>
           </a:p>
@@ -1338,7 +1594,7 @@
     </p:spTree>
     <p:extLst>
       <p:ext uri="{BB962C8B-B14F-4D97-AF65-F5344CB8AC3E}">
-        <p14:creationId xmlns:p14="http://schemas.microsoft.com/office/powerpoint/2010/main" val="3402271359"/>
+        <p14:creationId xmlns:p14="http://schemas.microsoft.com/office/powerpoint/2010/main" val="2152570738"/>
       </p:ext>
     </p:extLst>
   </p:cSld>
@@ -1495,7 +1751,7 @@
           <a:p>
             <a:fld id="{A3ACB364-332F-4470-A4B1-831322ECCE5D}" type="datetimeFigureOut">
               <a:rPr lang="en-US" smtClean="0"/>
-              <a:t>10/19/2016</a:t>
+              <a:t>10/20/2016</a:t>
             </a:fld>
             <a:endParaRPr lang="en-US"/>
           </a:p>
@@ -1665,7 +1921,7 @@
           <a:p>
             <a:fld id="{A3ACB364-332F-4470-A4B1-831322ECCE5D}" type="datetimeFigureOut">
               <a:rPr lang="en-US" smtClean="0"/>
-              <a:t>10/19/2016</a:t>
+              <a:t>10/20/2016</a:t>
             </a:fld>
             <a:endParaRPr lang="en-US"/>
           </a:p>
@@ -1845,7 +2101,7 @@
           <a:p>
             <a:fld id="{A3ACB364-332F-4470-A4B1-831322ECCE5D}" type="datetimeFigureOut">
               <a:rPr lang="en-US" smtClean="0"/>
-              <a:t>10/19/2016</a:t>
+              <a:t>10/20/2016</a:t>
             </a:fld>
             <a:endParaRPr lang="en-US"/>
           </a:p>
@@ -2015,7 +2271,7 @@
           <a:p>
             <a:fld id="{A3ACB364-332F-4470-A4B1-831322ECCE5D}" type="datetimeFigureOut">
               <a:rPr lang="en-US" smtClean="0"/>
-              <a:t>10/19/2016</a:t>
+              <a:t>10/20/2016</a:t>
             </a:fld>
             <a:endParaRPr lang="en-US"/>
           </a:p>
@@ -2271,7 +2527,7 @@
           <a:p>
             <a:fld id="{A3ACB364-332F-4470-A4B1-831322ECCE5D}" type="datetimeFigureOut">
               <a:rPr lang="en-US" smtClean="0"/>
-              <a:t>10/19/2016</a:t>
+              <a:t>10/20/2016</a:t>
             </a:fld>
             <a:endParaRPr lang="en-US"/>
           </a:p>
@@ -2559,7 +2815,7 @@
           <a:p>
             <a:fld id="{A3ACB364-332F-4470-A4B1-831322ECCE5D}" type="datetimeFigureOut">
               <a:rPr lang="en-US" smtClean="0"/>
-              <a:t>10/19/2016</a:t>
+              <a:t>10/20/2016</a:t>
             </a:fld>
             <a:endParaRPr lang="en-US"/>
           </a:p>
@@ -2988,7 +3244,7 @@
           <a:p>
             <a:fld id="{A3ACB364-332F-4470-A4B1-831322ECCE5D}" type="datetimeFigureOut">
               <a:rPr lang="en-US" smtClean="0"/>
-              <a:t>10/19/2016</a:t>
+              <a:t>10/20/2016</a:t>
             </a:fld>
             <a:endParaRPr lang="en-US"/>
           </a:p>
@@ -3106,7 +3362,7 @@
           <a:p>
             <a:fld id="{A3ACB364-332F-4470-A4B1-831322ECCE5D}" type="datetimeFigureOut">
               <a:rPr lang="en-US" smtClean="0"/>
-              <a:t>10/19/2016</a:t>
+              <a:t>10/20/2016</a:t>
             </a:fld>
             <a:endParaRPr lang="en-US"/>
           </a:p>
@@ -3201,7 +3457,7 @@
           <a:p>
             <a:fld id="{A3ACB364-332F-4470-A4B1-831322ECCE5D}" type="datetimeFigureOut">
               <a:rPr lang="en-US" smtClean="0"/>
-              <a:t>10/19/2016</a:t>
+              <a:t>10/20/2016</a:t>
             </a:fld>
             <a:endParaRPr lang="en-US"/>
           </a:p>
@@ -3557,7 +3813,7 @@
           <a:p>
             <a:fld id="{A3ACB364-332F-4470-A4B1-831322ECCE5D}" type="datetimeFigureOut">
               <a:rPr lang="en-US" smtClean="0"/>
-              <a:t>10/19/2016</a:t>
+              <a:t>10/20/2016</a:t>
             </a:fld>
             <a:endParaRPr lang="en-US"/>
           </a:p>
@@ -3852,7 +4108,7 @@
           <a:p>
             <a:fld id="{A3ACB364-332F-4470-A4B1-831322ECCE5D}" type="datetimeFigureOut">
               <a:rPr lang="en-US" smtClean="0"/>
-              <a:t>10/19/2016</a:t>
+              <a:t>10/20/2016</a:t>
             </a:fld>
             <a:endParaRPr lang="en-US"/>
           </a:p>
@@ -4070,7 +4326,7 @@
           <a:p>
             <a:fld id="{A3ACB364-332F-4470-A4B1-831322ECCE5D}" type="datetimeFigureOut">
               <a:rPr lang="en-US" smtClean="0"/>
-              <a:t>10/19/2016</a:t>
+              <a:t>10/20/2016</a:t>
             </a:fld>
             <a:endParaRPr lang="en-US"/>
           </a:p>
@@ -4654,6 +4910,167 @@
           <a:chExt cx="0" cy="0"/>
         </a:xfrm>
       </p:grpSpPr>
+      <p:pic>
+        <p:nvPicPr>
+          <p:cNvPr id="4" name="Picture 3"/>
+          <p:cNvPicPr>
+            <a:picLocks noChangeAspect="1"/>
+          </p:cNvPicPr>
+          <p:nvPr/>
+        </p:nvPicPr>
+        <p:blipFill>
+          <a:blip r:embed="rId3">
+            <a:extLst>
+              <a:ext uri="{28A0092B-C50C-407E-A947-70E740481C1C}">
+                <a14:useLocalDpi xmlns:a14="http://schemas.microsoft.com/office/drawing/2010/main" val="0"/>
+              </a:ext>
+            </a:extLst>
+          </a:blip>
+          <a:stretch>
+            <a:fillRect/>
+          </a:stretch>
+        </p:blipFill>
+        <p:spPr>
+          <a:xfrm>
+            <a:off x="0" y="-1"/>
+            <a:ext cx="12192000" cy="7221071"/>
+          </a:xfrm>
+          <a:prstGeom prst="rect">
+            <a:avLst/>
+          </a:prstGeom>
+        </p:spPr>
+      </p:pic>
+    </p:spTree>
+    <p:extLst>
+      <p:ext uri="{BB962C8B-B14F-4D97-AF65-F5344CB8AC3E}">
+        <p14:creationId xmlns:p14="http://schemas.microsoft.com/office/powerpoint/2010/main" val="2159257500"/>
+      </p:ext>
+    </p:extLst>
+  </p:cSld>
+  <p:clrMapOvr>
+    <a:masterClrMapping/>
+  </p:clrMapOvr>
+</p:sld>
+</file>
+
+<file path=ppt/slides/slide11.xml><?xml version="1.0" encoding="utf-8"?>
+<p:sld xmlns:a="http://schemas.openxmlformats.org/drawingml/2006/main" xmlns:r="http://schemas.openxmlformats.org/officeDocument/2006/relationships" xmlns:p="http://schemas.openxmlformats.org/presentationml/2006/main">
+  <p:cSld>
+    <p:spTree>
+      <p:nvGrpSpPr>
+        <p:cNvPr id="1" name=""/>
+        <p:cNvGrpSpPr/>
+        <p:nvPr/>
+      </p:nvGrpSpPr>
+      <p:grpSpPr>
+        <a:xfrm>
+          <a:off x="0" y="0"/>
+          <a:ext cx="0" cy="0"/>
+          <a:chOff x="0" y="0"/>
+          <a:chExt cx="0" cy="0"/>
+        </a:xfrm>
+      </p:grpSpPr>
+      <p:sp>
+        <p:nvSpPr>
+          <p:cNvPr id="2" name="Title 1"/>
+          <p:cNvSpPr>
+            <a:spLocks noGrp="1"/>
+          </p:cNvSpPr>
+          <p:nvPr>
+            <p:ph type="ctrTitle"/>
+          </p:nvPr>
+        </p:nvSpPr>
+        <p:spPr>
+          <a:xfrm>
+            <a:off x="603504" y="4116227"/>
+            <a:ext cx="10782300" cy="1336524"/>
+          </a:xfrm>
+        </p:spPr>
+        <p:txBody>
+          <a:bodyPr/>
+          <a:lstStyle/>
+          <a:p>
+            <a:pPr algn="r"/>
+            <a:r>
+              <a:rPr lang="en-US" sz="7200" dirty="0">
+                <a:latin typeface="Open sans" panose="020B0606030504020204" pitchFamily="34" charset="0"/>
+                <a:ea typeface="Open sans" panose="020B0606030504020204" pitchFamily="34" charset="0"/>
+                <a:cs typeface="Open sans" panose="020B0606030504020204" pitchFamily="34" charset="0"/>
+              </a:rPr>
+              <a:t>XSS Vulnerability</a:t>
+            </a:r>
+            <a:endParaRPr lang="en-US" sz="6600" dirty="0"/>
+          </a:p>
+        </p:txBody>
+      </p:sp>
+      <p:sp>
+        <p:nvSpPr>
+          <p:cNvPr id="3" name="Subtitle 2"/>
+          <p:cNvSpPr>
+            <a:spLocks noGrp="1"/>
+          </p:cNvSpPr>
+          <p:nvPr>
+            <p:ph type="subTitle" idx="1"/>
+          </p:nvPr>
+        </p:nvSpPr>
+        <p:spPr>
+          <a:xfrm>
+            <a:off x="799447" y="2148114"/>
+            <a:ext cx="10353235" cy="1968113"/>
+          </a:xfrm>
+        </p:spPr>
+        <p:txBody>
+          <a:bodyPr>
+            <a:normAutofit/>
+          </a:bodyPr>
+          <a:lstStyle/>
+          <a:p>
+            <a:pPr>
+              <a:lnSpc>
+                <a:spcPct val="100000"/>
+              </a:lnSpc>
+              <a:spcBef>
+                <a:spcPts val="0"/>
+              </a:spcBef>
+            </a:pPr>
+            <a:r>
+              <a:rPr lang="en-US" dirty="0"/>
+              <a:t>Web Browser XSS Protection is not enabled, or is disabled by the configuration of the 'X-XSS-Protection' HTTP response header on the web server</a:t>
+            </a:r>
+            <a:endParaRPr lang="en-US" b="1" dirty="0"/>
+          </a:p>
+        </p:txBody>
+      </p:sp>
+    </p:spTree>
+    <p:extLst>
+      <p:ext uri="{BB962C8B-B14F-4D97-AF65-F5344CB8AC3E}">
+        <p14:creationId xmlns:p14="http://schemas.microsoft.com/office/powerpoint/2010/main" val="767117228"/>
+      </p:ext>
+    </p:extLst>
+  </p:cSld>
+  <p:clrMapOvr>
+    <a:masterClrMapping/>
+  </p:clrMapOvr>
+</p:sld>
+</file>
+
+<file path=ppt/slides/slide12.xml><?xml version="1.0" encoding="utf-8"?>
+<p:sld xmlns:a="http://schemas.openxmlformats.org/drawingml/2006/main" xmlns:r="http://schemas.openxmlformats.org/officeDocument/2006/relationships" xmlns:p="http://schemas.openxmlformats.org/presentationml/2006/main">
+  <p:cSld>
+    <p:spTree>
+      <p:nvGrpSpPr>
+        <p:cNvPr id="1" name=""/>
+        <p:cNvGrpSpPr/>
+        <p:nvPr/>
+      </p:nvGrpSpPr>
+      <p:grpSpPr>
+        <a:xfrm>
+          <a:off x="0" y="0"/>
+          <a:ext cx="0" cy="0"/>
+          <a:chOff x="0" y="0"/>
+          <a:chExt cx="0" cy="0"/>
+        </a:xfrm>
+      </p:grpSpPr>
       <p:sp>
         <p:nvSpPr>
           <p:cNvPr id="2" name="Title 1"/>
@@ -4759,7 +5176,7 @@
 </p:sld>
 </file>
 
-<file path=ppt/slides/slide11.xml><?xml version="1.0" encoding="utf-8"?>
+<file path=ppt/slides/slide13.xml><?xml version="1.0" encoding="utf-8"?>
 <p:sld xmlns:a="http://schemas.openxmlformats.org/drawingml/2006/main" xmlns:r="http://schemas.openxmlformats.org/officeDocument/2006/relationships" xmlns:p="http://schemas.openxmlformats.org/presentationml/2006/main">
   <p:cSld>
     <p:spTree>
@@ -4798,6 +5215,107 @@
           <a:p>
             <a:pPr algn="r"/>
             <a:r>
+              <a:rPr lang="ro-RO" sz="7200" dirty="0">
+                <a:latin typeface="Open sans" panose="020B0606030504020204" pitchFamily="34" charset="0"/>
+                <a:ea typeface="Open sans" panose="020B0606030504020204" pitchFamily="34" charset="0"/>
+                <a:cs typeface="Open sans" panose="020B0606030504020204" pitchFamily="34" charset="0"/>
+              </a:rPr>
+              <a:t>Brute Force attack</a:t>
+            </a:r>
+            <a:endParaRPr lang="en-US" sz="6600" dirty="0"/>
+          </a:p>
+        </p:txBody>
+      </p:sp>
+      <p:sp>
+        <p:nvSpPr>
+          <p:cNvPr id="3" name="Subtitle 2"/>
+          <p:cNvSpPr>
+            <a:spLocks noGrp="1"/>
+          </p:cNvSpPr>
+          <p:nvPr>
+            <p:ph type="subTitle" idx="1"/>
+          </p:nvPr>
+        </p:nvSpPr>
+        <p:spPr>
+          <a:xfrm>
+            <a:off x="799447" y="2510971"/>
+            <a:ext cx="10353235" cy="1605256"/>
+          </a:xfrm>
+        </p:spPr>
+        <p:txBody>
+          <a:bodyPr>
+            <a:normAutofit/>
+          </a:bodyPr>
+          <a:lstStyle/>
+          <a:p>
+            <a:pPr>
+              <a:lnSpc>
+                <a:spcPct val="100000"/>
+              </a:lnSpc>
+              <a:spcBef>
+                <a:spcPts val="0"/>
+              </a:spcBef>
+            </a:pPr>
+            <a:r>
+              <a:rPr lang="ro-RO" dirty="0"/>
+              <a:t>Password length, No password encryption.</a:t>
+            </a:r>
+            <a:endParaRPr lang="en-US" b="1" dirty="0"/>
+          </a:p>
+        </p:txBody>
+      </p:sp>
+    </p:spTree>
+    <p:extLst>
+      <p:ext uri="{BB962C8B-B14F-4D97-AF65-F5344CB8AC3E}">
+        <p14:creationId xmlns:p14="http://schemas.microsoft.com/office/powerpoint/2010/main" val="2831362221"/>
+      </p:ext>
+    </p:extLst>
+  </p:cSld>
+  <p:clrMapOvr>
+    <a:masterClrMapping/>
+  </p:clrMapOvr>
+</p:sld>
+</file>
+
+<file path=ppt/slides/slide14.xml><?xml version="1.0" encoding="utf-8"?>
+<p:sld xmlns:a="http://schemas.openxmlformats.org/drawingml/2006/main" xmlns:r="http://schemas.openxmlformats.org/officeDocument/2006/relationships" xmlns:p="http://schemas.openxmlformats.org/presentationml/2006/main">
+  <p:cSld>
+    <p:spTree>
+      <p:nvGrpSpPr>
+        <p:cNvPr id="1" name=""/>
+        <p:cNvGrpSpPr/>
+        <p:nvPr/>
+      </p:nvGrpSpPr>
+      <p:grpSpPr>
+        <a:xfrm>
+          <a:off x="0" y="0"/>
+          <a:ext cx="0" cy="0"/>
+          <a:chOff x="0" y="0"/>
+          <a:chExt cx="0" cy="0"/>
+        </a:xfrm>
+      </p:grpSpPr>
+      <p:sp>
+        <p:nvSpPr>
+          <p:cNvPr id="2" name="Title 1"/>
+          <p:cNvSpPr>
+            <a:spLocks noGrp="1"/>
+          </p:cNvSpPr>
+          <p:nvPr>
+            <p:ph type="ctrTitle"/>
+          </p:nvPr>
+        </p:nvSpPr>
+        <p:spPr>
+          <a:xfrm>
+            <a:off x="603504" y="4116227"/>
+            <a:ext cx="10782300" cy="1336524"/>
+          </a:xfrm>
+        </p:spPr>
+        <p:txBody>
+          <a:bodyPr/>
+          <a:lstStyle/>
+          <a:p>
+            <a:pPr algn="r"/>
+            <a:r>
               <a:rPr lang="en-US" sz="7200" dirty="0">
                 <a:latin typeface="Open sans" panose="020B0606030504020204" pitchFamily="34" charset="0"/>
                 <a:ea typeface="Open sans" panose="020B0606030504020204" pitchFamily="34" charset="0"/>
@@ -4860,7 +5378,7 @@
 </p:sld>
 </file>
 
-<file path=ppt/slides/slide12.xml><?xml version="1.0" encoding="utf-8"?>
+<file path=ppt/slides/slide15.xml><?xml version="1.0" encoding="utf-8"?>
 <p:sld xmlns:a="http://schemas.openxmlformats.org/drawingml/2006/main" xmlns:r="http://schemas.openxmlformats.org/officeDocument/2006/relationships" xmlns:p="http://schemas.openxmlformats.org/presentationml/2006/main">
   <p:cSld>
     <p:spTree>
@@ -4938,7 +5456,67 @@
 </p:sld>
 </file>
 
-<file path=ppt/slides/slide13.xml><?xml version="1.0" encoding="utf-8"?>
+<file path=ppt/slides/slide16.xml><?xml version="1.0" encoding="utf-8"?>
+<p:sld xmlns:a="http://schemas.openxmlformats.org/drawingml/2006/main" xmlns:r="http://schemas.openxmlformats.org/officeDocument/2006/relationships" xmlns:p="http://schemas.openxmlformats.org/presentationml/2006/main">
+  <p:cSld>
+    <p:spTree>
+      <p:nvGrpSpPr>
+        <p:cNvPr id="1" name=""/>
+        <p:cNvGrpSpPr/>
+        <p:nvPr/>
+      </p:nvGrpSpPr>
+      <p:grpSpPr>
+        <a:xfrm>
+          <a:off x="0" y="0"/>
+          <a:ext cx="0" cy="0"/>
+          <a:chOff x="0" y="0"/>
+          <a:chExt cx="0" cy="0"/>
+        </a:xfrm>
+      </p:grpSpPr>
+      <p:pic>
+        <p:nvPicPr>
+          <p:cNvPr id="4" name="Picture 3"/>
+          <p:cNvPicPr>
+            <a:picLocks noChangeAspect="1"/>
+          </p:cNvPicPr>
+          <p:nvPr/>
+        </p:nvPicPr>
+        <p:blipFill>
+          <a:blip r:embed="rId2">
+            <a:extLst>
+              <a:ext uri="{28A0092B-C50C-407E-A947-70E740481C1C}">
+                <a14:useLocalDpi xmlns:a14="http://schemas.microsoft.com/office/drawing/2010/main" val="0"/>
+              </a:ext>
+            </a:extLst>
+          </a:blip>
+          <a:stretch>
+            <a:fillRect/>
+          </a:stretch>
+        </p:blipFill>
+        <p:spPr>
+          <a:xfrm>
+            <a:off x="0" y="0"/>
+            <a:ext cx="12192000" cy="7032812"/>
+          </a:xfrm>
+          <a:prstGeom prst="rect">
+            <a:avLst/>
+          </a:prstGeom>
+        </p:spPr>
+      </p:pic>
+    </p:spTree>
+    <p:extLst>
+      <p:ext uri="{BB962C8B-B14F-4D97-AF65-F5344CB8AC3E}">
+        <p14:creationId xmlns:p14="http://schemas.microsoft.com/office/powerpoint/2010/main" val="3777818930"/>
+      </p:ext>
+    </p:extLst>
+  </p:cSld>
+  <p:clrMapOvr>
+    <a:masterClrMapping/>
+  </p:clrMapOvr>
+</p:sld>
+</file>
+
+<file path=ppt/slides/slide17.xml><?xml version="1.0" encoding="utf-8"?>
 <p:sld xmlns:a="http://schemas.openxmlformats.org/drawingml/2006/main" xmlns:r="http://schemas.openxmlformats.org/officeDocument/2006/relationships" xmlns:p="http://schemas.openxmlformats.org/presentationml/2006/main">
   <p:cSld>
     <p:spTree>
@@ -5425,6 +6003,154 @@
         </p:nvSpPr>
         <p:spPr>
           <a:xfrm>
+            <a:off x="603504" y="770467"/>
+            <a:ext cx="10782300" cy="1502086"/>
+          </a:xfrm>
+        </p:spPr>
+        <p:txBody>
+          <a:bodyPr/>
+          <a:lstStyle/>
+          <a:p>
+            <a:pPr algn="ctr"/>
+            <a:r>
+              <a:rPr lang="ro-RO" sz="9600" dirty="0">
+                <a:latin typeface="Open sans" panose="020B0606030504020204" pitchFamily="34" charset="0"/>
+                <a:ea typeface="Open sans" panose="020B0606030504020204" pitchFamily="34" charset="0"/>
+                <a:cs typeface="Open sans" panose="020B0606030504020204" pitchFamily="34" charset="0"/>
+              </a:rPr>
+              <a:t>Cloud Service</a:t>
+            </a:r>
+            <a:endParaRPr lang="en-US" dirty="0"/>
+          </a:p>
+        </p:txBody>
+      </p:sp>
+      <p:sp>
+        <p:nvSpPr>
+          <p:cNvPr id="3" name="Subtitle 2"/>
+          <p:cNvSpPr>
+            <a:spLocks noGrp="1"/>
+          </p:cNvSpPr>
+          <p:nvPr>
+            <p:ph type="subTitle" idx="1"/>
+          </p:nvPr>
+        </p:nvSpPr>
+        <p:spPr>
+          <a:xfrm>
+            <a:off x="1032569" y="2638930"/>
+            <a:ext cx="10353235" cy="2647191"/>
+          </a:xfrm>
+        </p:spPr>
+        <p:txBody>
+          <a:bodyPr>
+            <a:normAutofit/>
+          </a:bodyPr>
+          <a:lstStyle/>
+          <a:p>
+            <a:pPr>
+              <a:lnSpc>
+                <a:spcPct val="100000"/>
+              </a:lnSpc>
+              <a:spcBef>
+                <a:spcPts val="0"/>
+              </a:spcBef>
+            </a:pPr>
+            <a:r>
+              <a:rPr lang="ro-RO" b="1" dirty="0"/>
+              <a:t>Features:</a:t>
+            </a:r>
+          </a:p>
+          <a:p>
+            <a:pPr marL="457200" indent="-457200">
+              <a:lnSpc>
+                <a:spcPct val="100000"/>
+              </a:lnSpc>
+              <a:spcBef>
+                <a:spcPts val="0"/>
+              </a:spcBef>
+              <a:buFontTx/>
+              <a:buChar char="-"/>
+            </a:pPr>
+            <a:r>
+              <a:rPr lang="ro-RO" b="1" dirty="0"/>
+              <a:t>Register.</a:t>
+            </a:r>
+          </a:p>
+          <a:p>
+            <a:pPr marL="457200" indent="-457200">
+              <a:lnSpc>
+                <a:spcPct val="100000"/>
+              </a:lnSpc>
+              <a:spcBef>
+                <a:spcPts val="0"/>
+              </a:spcBef>
+              <a:buFontTx/>
+              <a:buChar char="-"/>
+            </a:pPr>
+            <a:r>
+              <a:rPr lang="ro-RO" b="1" dirty="0"/>
+              <a:t>Login.</a:t>
+            </a:r>
+          </a:p>
+          <a:p>
+            <a:pPr marL="457200" indent="-457200">
+              <a:lnSpc>
+                <a:spcPct val="100000"/>
+              </a:lnSpc>
+              <a:spcBef>
+                <a:spcPts val="0"/>
+              </a:spcBef>
+              <a:buFontTx/>
+              <a:buChar char="-"/>
+            </a:pPr>
+            <a:r>
+              <a:rPr lang="ro-RO" b="1" dirty="0"/>
+              <a:t>Upload files.</a:t>
+            </a:r>
+          </a:p>
+        </p:txBody>
+      </p:sp>
+    </p:spTree>
+    <p:extLst>
+      <p:ext uri="{BB962C8B-B14F-4D97-AF65-F5344CB8AC3E}">
+        <p14:creationId xmlns:p14="http://schemas.microsoft.com/office/powerpoint/2010/main" val="3880862633"/>
+      </p:ext>
+    </p:extLst>
+  </p:cSld>
+  <p:clrMapOvr>
+    <a:masterClrMapping/>
+  </p:clrMapOvr>
+</p:sld>
+</file>
+
+<file path=ppt/slides/slide8.xml><?xml version="1.0" encoding="utf-8"?>
+<p:sld xmlns:a="http://schemas.openxmlformats.org/drawingml/2006/main" xmlns:r="http://schemas.openxmlformats.org/officeDocument/2006/relationships" xmlns:p="http://schemas.openxmlformats.org/presentationml/2006/main">
+  <p:cSld>
+    <p:spTree>
+      <p:nvGrpSpPr>
+        <p:cNvPr id="1" name=""/>
+        <p:cNvGrpSpPr/>
+        <p:nvPr/>
+      </p:nvGrpSpPr>
+      <p:grpSpPr>
+        <a:xfrm>
+          <a:off x="0" y="0"/>
+          <a:ext cx="0" cy="0"/>
+          <a:chOff x="0" y="0"/>
+          <a:chExt cx="0" cy="0"/>
+        </a:xfrm>
+      </p:grpSpPr>
+      <p:sp>
+        <p:nvSpPr>
+          <p:cNvPr id="2" name="Title 1"/>
+          <p:cNvSpPr>
+            <a:spLocks noGrp="1"/>
+          </p:cNvSpPr>
+          <p:nvPr>
+            <p:ph type="ctrTitle"/>
+          </p:nvPr>
+        </p:nvSpPr>
+        <p:spPr>
+          <a:xfrm>
             <a:off x="603504" y="4116227"/>
             <a:ext cx="10782300" cy="1336524"/>
           </a:xfrm>
@@ -5587,7 +6313,7 @@
 </p:sld>
 </file>
 
-<file path=ppt/slides/slide8.xml><?xml version="1.0" encoding="utf-8"?>
+<file path=ppt/slides/slide9.xml><?xml version="1.0" encoding="utf-8"?>
 <p:sld xmlns:a="http://schemas.openxmlformats.org/drawingml/2006/main" xmlns:r="http://schemas.openxmlformats.org/officeDocument/2006/relationships" xmlns:p="http://schemas.openxmlformats.org/presentationml/2006/main">
   <p:cSld>
     <p:spTree>
@@ -5700,107 +6426,6 @@
     <p:extLst>
       <p:ext uri="{BB962C8B-B14F-4D97-AF65-F5344CB8AC3E}">
         <p14:creationId xmlns:p14="http://schemas.microsoft.com/office/powerpoint/2010/main" val="4028307011"/>
-      </p:ext>
-    </p:extLst>
-  </p:cSld>
-  <p:clrMapOvr>
-    <a:masterClrMapping/>
-  </p:clrMapOvr>
-</p:sld>
-</file>
-
-<file path=ppt/slides/slide9.xml><?xml version="1.0" encoding="utf-8"?>
-<p:sld xmlns:a="http://schemas.openxmlformats.org/drawingml/2006/main" xmlns:r="http://schemas.openxmlformats.org/officeDocument/2006/relationships" xmlns:p="http://schemas.openxmlformats.org/presentationml/2006/main">
-  <p:cSld>
-    <p:spTree>
-      <p:nvGrpSpPr>
-        <p:cNvPr id="1" name=""/>
-        <p:cNvGrpSpPr/>
-        <p:nvPr/>
-      </p:nvGrpSpPr>
-      <p:grpSpPr>
-        <a:xfrm>
-          <a:off x="0" y="0"/>
-          <a:ext cx="0" cy="0"/>
-          <a:chOff x="0" y="0"/>
-          <a:chExt cx="0" cy="0"/>
-        </a:xfrm>
-      </p:grpSpPr>
-      <p:sp>
-        <p:nvSpPr>
-          <p:cNvPr id="2" name="Title 1"/>
-          <p:cNvSpPr>
-            <a:spLocks noGrp="1"/>
-          </p:cNvSpPr>
-          <p:nvPr>
-            <p:ph type="ctrTitle"/>
-          </p:nvPr>
-        </p:nvSpPr>
-        <p:spPr>
-          <a:xfrm>
-            <a:off x="603504" y="4116227"/>
-            <a:ext cx="10782300" cy="1336524"/>
-          </a:xfrm>
-        </p:spPr>
-        <p:txBody>
-          <a:bodyPr/>
-          <a:lstStyle/>
-          <a:p>
-            <a:pPr algn="r"/>
-            <a:r>
-              <a:rPr lang="en-US" sz="7200" dirty="0">
-                <a:latin typeface="Open sans" panose="020B0606030504020204" pitchFamily="34" charset="0"/>
-                <a:ea typeface="Open sans" panose="020B0606030504020204" pitchFamily="34" charset="0"/>
-                <a:cs typeface="Open sans" panose="020B0606030504020204" pitchFamily="34" charset="0"/>
-              </a:rPr>
-              <a:t>XSS Vulnerability</a:t>
-            </a:r>
-            <a:endParaRPr lang="en-US" sz="6600" dirty="0"/>
-          </a:p>
-        </p:txBody>
-      </p:sp>
-      <p:sp>
-        <p:nvSpPr>
-          <p:cNvPr id="3" name="Subtitle 2"/>
-          <p:cNvSpPr>
-            <a:spLocks noGrp="1"/>
-          </p:cNvSpPr>
-          <p:nvPr>
-            <p:ph type="subTitle" idx="1"/>
-          </p:nvPr>
-        </p:nvSpPr>
-        <p:spPr>
-          <a:xfrm>
-            <a:off x="799447" y="2148114"/>
-            <a:ext cx="10353235" cy="1968113"/>
-          </a:xfrm>
-        </p:spPr>
-        <p:txBody>
-          <a:bodyPr>
-            <a:normAutofit/>
-          </a:bodyPr>
-          <a:lstStyle/>
-          <a:p>
-            <a:pPr>
-              <a:lnSpc>
-                <a:spcPct val="100000"/>
-              </a:lnSpc>
-              <a:spcBef>
-                <a:spcPts val="0"/>
-              </a:spcBef>
-            </a:pPr>
-            <a:r>
-              <a:rPr lang="en-US" dirty="0"/>
-              <a:t>Web Browser XSS Protection is not enabled, or is disabled by the configuration of the 'X-XSS-Protection' HTTP response header on the web server</a:t>
-            </a:r>
-            <a:endParaRPr lang="en-US" b="1" dirty="0"/>
-          </a:p>
-        </p:txBody>
-      </p:sp>
-    </p:spTree>
-    <p:extLst>
-      <p:ext uri="{BB962C8B-B14F-4D97-AF65-F5344CB8AC3E}">
-        <p14:creationId xmlns:p14="http://schemas.microsoft.com/office/powerpoint/2010/main" val="767117228"/>
       </p:ext>
     </p:extLst>
   </p:cSld>

--- a/Documentation/Final Presentation SePr.pptx
+++ b/Documentation/Final Presentation SePr.pptx
@@ -4874,7 +4874,15 @@
             </a:r>
             <a:r>
               <a:rPr lang="en-US" dirty="0"/>
-              <a:t> Schneider, Nina O’Driscoll</a:t>
+              <a:t> Schneider, </a:t>
+            </a:r>
+            <a:r>
+              <a:rPr lang="en-US" dirty="0" smtClean="0"/>
+              <a:t>Nena </a:t>
+            </a:r>
+            <a:r>
+              <a:rPr lang="en-US" dirty="0"/>
+              <a:t>O’Driscoll</a:t>
             </a:r>
             <a:endParaRPr lang="de-DE" dirty="0"/>
           </a:p>

--- a/Documentation/Final Presentation SePr.pptx
+++ b/Documentation/Final Presentation SePr.pptx
@@ -5545,7 +5545,7 @@
         </p:nvSpPr>
         <p:spPr>
           <a:xfrm>
-            <a:off x="799446" y="1909508"/>
+            <a:off x="704850" y="2760738"/>
             <a:ext cx="10782300" cy="1336524"/>
           </a:xfrm>
         </p:spPr>
@@ -5563,40 +5563,6 @@
               <a:t>Conclusion</a:t>
             </a:r>
             <a:endParaRPr lang="en-US" sz="6600" dirty="0"/>
-          </a:p>
-        </p:txBody>
-      </p:sp>
-      <p:sp>
-        <p:nvSpPr>
-          <p:cNvPr id="3" name="Subtitle 2"/>
-          <p:cNvSpPr>
-            <a:spLocks noGrp="1"/>
-          </p:cNvSpPr>
-          <p:nvPr>
-            <p:ph type="subTitle" idx="1"/>
-          </p:nvPr>
-        </p:nvSpPr>
-        <p:spPr>
-          <a:xfrm>
-            <a:off x="1013979" y="3246032"/>
-            <a:ext cx="10353235" cy="1605256"/>
-          </a:xfrm>
-        </p:spPr>
-        <p:txBody>
-          <a:bodyPr>
-            <a:normAutofit/>
-          </a:bodyPr>
-          <a:lstStyle/>
-          <a:p>
-            <a:pPr algn="ctr">
-              <a:lnSpc>
-                <a:spcPct val="100000"/>
-              </a:lnSpc>
-              <a:spcBef>
-                <a:spcPts val="0"/>
-              </a:spcBef>
-            </a:pPr>
-            <a:endParaRPr lang="en-US" b="1" dirty="0"/>
           </a:p>
         </p:txBody>
       </p:sp>
@@ -5838,8 +5804,8 @@
         </p:blipFill>
         <p:spPr>
           <a:xfrm>
-            <a:off x="1544714" y="133164"/>
-            <a:ext cx="9242351" cy="6560598"/>
+            <a:off x="861392" y="-4570"/>
+            <a:ext cx="9813864" cy="6889074"/>
           </a:xfrm>
           <a:prstGeom prst="rect">
             <a:avLst/>

--- a/Documentation/Final Presentation SePr.pptx
+++ b/Documentation/Final Presentation SePr.pptx
@@ -6260,7 +6260,19 @@
             </a:pPr>
             <a:r>
               <a:rPr lang="en-US" b="1" dirty="0"/>
-              <a:t>SIPS v0.2.2 allows user account info (including password) to be retrieved remotely.</a:t>
+              <a:t>SIPS</a:t>
+            </a:r>
+            <a:r>
+              <a:rPr lang="ro-RO" b="1"/>
+              <a:t> (Simple Internet Publishing System)</a:t>
+            </a:r>
+            <a:r>
+              <a:rPr lang="en-US" b="1"/>
+              <a:t> </a:t>
+            </a:r>
+            <a:r>
+              <a:rPr lang="en-US" b="1" dirty="0"/>
+              <a:t>v0.2.2 allows user account info (including password) to be retrieved remotely.</a:t>
             </a:r>
             <a:endParaRPr lang="de-DE" b="1" dirty="0"/>
           </a:p>

--- a/Documentation/Final Presentation SePr.pptx
+++ b/Documentation/Final Presentation SePr.pptx
@@ -5,7 +5,7 @@
     <p:sldMasterId id="2147483696" r:id="rId1"/>
   </p:sldMasterIdLst>
   <p:notesMasterIdLst>
-    <p:notesMasterId r:id="rId19"/>
+    <p:notesMasterId r:id="rId20"/>
   </p:notesMasterIdLst>
   <p:sldIdLst>
     <p:sldId id="256" r:id="rId2"/>
@@ -25,6 +25,7 @@
     <p:sldId id="270" r:id="rId16"/>
     <p:sldId id="273" r:id="rId17"/>
     <p:sldId id="272" r:id="rId18"/>
+    <p:sldId id="277" r:id="rId19"/>
   </p:sldIdLst>
   <p:sldSz cx="12192000" cy="6858000"/>
   <p:notesSz cx="6858000" cy="9144000"/>
@@ -5570,6 +5571,119 @@
     <p:extLst>
       <p:ext uri="{BB962C8B-B14F-4D97-AF65-F5344CB8AC3E}">
         <p14:creationId xmlns:p14="http://schemas.microsoft.com/office/powerpoint/2010/main" val="1905181593"/>
+      </p:ext>
+    </p:extLst>
+  </p:cSld>
+  <p:clrMapOvr>
+    <a:masterClrMapping/>
+  </p:clrMapOvr>
+</p:sld>
+</file>
+
+<file path=ppt/slides/slide18.xml><?xml version="1.0" encoding="utf-8"?>
+<p:sld xmlns:a="http://schemas.openxmlformats.org/drawingml/2006/main" xmlns:r="http://schemas.openxmlformats.org/officeDocument/2006/relationships" xmlns:p="http://schemas.openxmlformats.org/presentationml/2006/main">
+  <p:cSld>
+    <p:spTree>
+      <p:nvGrpSpPr>
+        <p:cNvPr id="1" name=""/>
+        <p:cNvGrpSpPr/>
+        <p:nvPr/>
+      </p:nvGrpSpPr>
+      <p:grpSpPr>
+        <a:xfrm>
+          <a:off x="0" y="0"/>
+          <a:ext cx="0" cy="0"/>
+          <a:chOff x="0" y="0"/>
+          <a:chExt cx="0" cy="0"/>
+        </a:xfrm>
+      </p:grpSpPr>
+      <p:sp>
+        <p:nvSpPr>
+          <p:cNvPr id="3" name="Content Placeholder 2"/>
+          <p:cNvSpPr>
+            <a:spLocks noGrp="1"/>
+          </p:cNvSpPr>
+          <p:nvPr>
+            <p:ph idx="1"/>
+          </p:nvPr>
+        </p:nvSpPr>
+        <p:spPr>
+          <a:xfrm>
+            <a:off x="676656" y="908614"/>
+            <a:ext cx="10753725" cy="4869252"/>
+          </a:xfrm>
+        </p:spPr>
+        <p:txBody>
+          <a:bodyPr/>
+          <a:lstStyle/>
+          <a:p>
+            <a:r>
+              <a:rPr lang="en-US" dirty="0" smtClean="0">
+                <a:solidFill>
+                  <a:schemeClr val="tx1"/>
+                </a:solidFill>
+              </a:rPr>
+              <a:t>Add functionality</a:t>
+            </a:r>
+          </a:p>
+          <a:p>
+            <a:endParaRPr lang="en-US" dirty="0">
+              <a:solidFill>
+                <a:schemeClr val="tx1"/>
+              </a:solidFill>
+            </a:endParaRPr>
+          </a:p>
+          <a:p>
+            <a:r>
+              <a:rPr lang="en-US" dirty="0" smtClean="0">
+                <a:solidFill>
+                  <a:schemeClr val="tx1"/>
+                </a:solidFill>
+              </a:rPr>
+              <a:t>Prevent malicious </a:t>
+            </a:r>
+          </a:p>
+          <a:p>
+            <a:endParaRPr lang="en-US">
+              <a:solidFill>
+                <a:schemeClr val="tx1"/>
+              </a:solidFill>
+            </a:endParaRPr>
+          </a:p>
+          <a:p>
+            <a:endParaRPr lang="en-US" dirty="0" smtClean="0">
+              <a:solidFill>
+                <a:schemeClr val="tx1"/>
+              </a:solidFill>
+            </a:endParaRPr>
+          </a:p>
+          <a:p>
+            <a:endParaRPr lang="en-US" dirty="0">
+              <a:solidFill>
+                <a:schemeClr val="tx1"/>
+              </a:solidFill>
+            </a:endParaRPr>
+          </a:p>
+          <a:p>
+            <a:endParaRPr lang="en-US" dirty="0" smtClean="0">
+              <a:solidFill>
+                <a:schemeClr val="tx1"/>
+              </a:solidFill>
+            </a:endParaRPr>
+          </a:p>
+          <a:p>
+            <a:endParaRPr lang="en-US" dirty="0">
+              <a:solidFill>
+                <a:schemeClr val="tx1"/>
+              </a:solidFill>
+            </a:endParaRPr>
+          </a:p>
+        </p:txBody>
+      </p:sp>
+    </p:spTree>
+    <p:extLst>
+      <p:ext uri="{BB962C8B-B14F-4D97-AF65-F5344CB8AC3E}">
+        <p14:creationId xmlns:p14="http://schemas.microsoft.com/office/powerpoint/2010/main" val="1722779965"/>
       </p:ext>
     </p:extLst>
   </p:cSld>

--- a/Documentation/Final Presentation SePr.pptx
+++ b/Documentation/Final Presentation SePr.pptx
@@ -5618,33 +5618,88 @@
           <a:lstStyle/>
           <a:p>
             <a:r>
+              <a:rPr lang="en-US" sz="3200" dirty="0" smtClean="0">
+                <a:solidFill>
+                  <a:schemeClr val="tx1"/>
+                </a:solidFill>
+              </a:rPr>
+              <a:t>Secure Registration System </a:t>
+            </a:r>
+          </a:p>
+          <a:p>
+            <a:endParaRPr lang="en-US" sz="3200" dirty="0">
+              <a:solidFill>
+                <a:schemeClr val="tx1"/>
+              </a:solidFill>
+            </a:endParaRPr>
+          </a:p>
+          <a:p>
+            <a:r>
+              <a:rPr lang="en-US" sz="3200" dirty="0" smtClean="0">
+                <a:solidFill>
+                  <a:schemeClr val="tx1"/>
+                </a:solidFill>
+              </a:rPr>
+              <a:t>Add </a:t>
+            </a:r>
+            <a:r>
+              <a:rPr lang="en-US" sz="3200" dirty="0" smtClean="0">
+                <a:solidFill>
+                  <a:schemeClr val="tx1"/>
+                </a:solidFill>
+              </a:rPr>
+              <a:t>functionality</a:t>
+            </a:r>
+          </a:p>
+          <a:p>
+            <a:endParaRPr lang="en-US" sz="3200" dirty="0">
+              <a:solidFill>
+                <a:schemeClr val="tx1"/>
+              </a:solidFill>
+            </a:endParaRPr>
+          </a:p>
+          <a:p>
+            <a:r>
+              <a:rPr lang="en-US" sz="3200" dirty="0" smtClean="0">
+                <a:solidFill>
+                  <a:schemeClr val="tx1"/>
+                </a:solidFill>
+              </a:rPr>
+              <a:t>Prevent </a:t>
+            </a:r>
+            <a:r>
+              <a:rPr lang="en-US" sz="3200" dirty="0" smtClean="0">
+                <a:solidFill>
+                  <a:schemeClr val="tx1"/>
+                </a:solidFill>
+              </a:rPr>
+              <a:t>malicious files</a:t>
+            </a:r>
+          </a:p>
+          <a:p>
+            <a:endParaRPr lang="en-US" dirty="0">
+              <a:solidFill>
+                <a:schemeClr val="tx1"/>
+              </a:solidFill>
+            </a:endParaRPr>
+          </a:p>
+          <a:p>
+            <a:r>
               <a:rPr lang="en-US" dirty="0" smtClean="0">
                 <a:solidFill>
                   <a:schemeClr val="tx1"/>
                 </a:solidFill>
               </a:rPr>
-              <a:t>Add functionality</a:t>
-            </a:r>
-          </a:p>
-          <a:p>
-            <a:endParaRPr lang="en-US" dirty="0">
+              <a:t> </a:t>
+            </a:r>
+            <a:endParaRPr lang="en-US" dirty="0" smtClean="0">
               <a:solidFill>
                 <a:schemeClr val="tx1"/>
               </a:solidFill>
             </a:endParaRPr>
           </a:p>
           <a:p>
-            <a:r>
-              <a:rPr lang="en-US" dirty="0" smtClean="0">
-                <a:solidFill>
-                  <a:schemeClr val="tx1"/>
-                </a:solidFill>
-              </a:rPr>
-              <a:t>Prevent malicious </a:t>
-            </a:r>
-          </a:p>
-          <a:p>
-            <a:endParaRPr lang="en-US">
+            <a:endParaRPr lang="en-US" dirty="0">
               <a:solidFill>
                 <a:schemeClr val="tx1"/>
               </a:solidFill>

--- a/Documentation/Final Presentation SePr.pptx
+++ b/Documentation/Final Presentation SePr.pptx
@@ -4875,7 +4875,19 @@
             </a:r>
             <a:r>
               <a:rPr lang="en-US" dirty="0"/>
-              <a:t> Schneider, Nina O’Driscoll</a:t>
+              <a:t> Schneider</a:t>
+            </a:r>
+            <a:r>
+              <a:rPr lang="en-US"/>
+              <a:t>, </a:t>
+            </a:r>
+            <a:r>
+              <a:rPr lang="en-US" smtClean="0"/>
+              <a:t>Nena </a:t>
+            </a:r>
+            <a:r>
+              <a:rPr lang="en-US" dirty="0"/>
+              <a:t>O’Driscoll</a:t>
             </a:r>
             <a:endParaRPr lang="de-DE" dirty="0"/>
           </a:p>
@@ -5640,40 +5652,24 @@
                   <a:schemeClr val="tx1"/>
                 </a:solidFill>
               </a:rPr>
-              <a:t>Add </a:t>
-            </a:r>
+              <a:t>Add functionality</a:t>
+            </a:r>
+          </a:p>
+          <a:p>
+            <a:endParaRPr lang="en-US" sz="3200" dirty="0">
+              <a:solidFill>
+                <a:schemeClr val="tx1"/>
+              </a:solidFill>
+            </a:endParaRPr>
+          </a:p>
+          <a:p>
             <a:r>
               <a:rPr lang="en-US" sz="3200" dirty="0" smtClean="0">
                 <a:solidFill>
                   <a:schemeClr val="tx1"/>
                 </a:solidFill>
               </a:rPr>
-              <a:t>functionality</a:t>
-            </a:r>
-          </a:p>
-          <a:p>
-            <a:endParaRPr lang="en-US" sz="3200" dirty="0">
-              <a:solidFill>
-                <a:schemeClr val="tx1"/>
-              </a:solidFill>
-            </a:endParaRPr>
-          </a:p>
-          <a:p>
-            <a:r>
-              <a:rPr lang="en-US" sz="3200" dirty="0" smtClean="0">
-                <a:solidFill>
-                  <a:schemeClr val="tx1"/>
-                </a:solidFill>
-              </a:rPr>
-              <a:t>Prevent </a:t>
-            </a:r>
-            <a:r>
-              <a:rPr lang="en-US" sz="3200" dirty="0" smtClean="0">
-                <a:solidFill>
-                  <a:schemeClr val="tx1"/>
-                </a:solidFill>
-              </a:rPr>
-              <a:t>malicious files</a:t>
+              <a:t>Prevent malicious files</a:t>
             </a:r>
           </a:p>
           <a:p>
@@ -5692,11 +5688,6 @@
               </a:rPr>
               <a:t> </a:t>
             </a:r>
-            <a:endParaRPr lang="en-US" dirty="0" smtClean="0">
-              <a:solidFill>
-                <a:schemeClr val="tx1"/>
-              </a:solidFill>
-            </a:endParaRPr>
           </a:p>
           <a:p>
             <a:endParaRPr lang="en-US" dirty="0">
